--- a/docs/UsingMOHIDLagrangian.pptx
+++ b/docs/UsingMOHIDLagrangian.pptx
@@ -20,21 +20,22 @@
     <p:sldId id="265" r:id="rId14"/>
     <p:sldId id="281" r:id="rId15"/>
     <p:sldId id="282" r:id="rId16"/>
-    <p:sldId id="283" r:id="rId17"/>
-    <p:sldId id="266" r:id="rId18"/>
-    <p:sldId id="271" r:id="rId19"/>
-    <p:sldId id="272" r:id="rId20"/>
-    <p:sldId id="279" r:id="rId21"/>
-    <p:sldId id="273" r:id="rId22"/>
-    <p:sldId id="280" r:id="rId23"/>
-    <p:sldId id="274" r:id="rId24"/>
-    <p:sldId id="286" r:id="rId25"/>
-    <p:sldId id="275" r:id="rId26"/>
-    <p:sldId id="276" r:id="rId27"/>
-    <p:sldId id="277" r:id="rId28"/>
-    <p:sldId id="278" r:id="rId29"/>
-    <p:sldId id="284" r:id="rId30"/>
-    <p:sldId id="285" r:id="rId31"/>
+    <p:sldId id="287" r:id="rId17"/>
+    <p:sldId id="283" r:id="rId18"/>
+    <p:sldId id="266" r:id="rId19"/>
+    <p:sldId id="271" r:id="rId20"/>
+    <p:sldId id="272" r:id="rId21"/>
+    <p:sldId id="279" r:id="rId22"/>
+    <p:sldId id="273" r:id="rId23"/>
+    <p:sldId id="280" r:id="rId24"/>
+    <p:sldId id="274" r:id="rId25"/>
+    <p:sldId id="286" r:id="rId26"/>
+    <p:sldId id="275" r:id="rId27"/>
+    <p:sldId id="276" r:id="rId28"/>
+    <p:sldId id="277" r:id="rId29"/>
+    <p:sldId id="278" r:id="rId30"/>
+    <p:sldId id="284" r:id="rId31"/>
+    <p:sldId id="285" r:id="rId32"/>
   </p:sldIdLst>
   <p:sldSz cx="12192000" cy="6858000"/>
   <p:notesSz cx="6858000" cy="9144000"/>
@@ -271,7 +272,7 @@
           </a:lstStyle>
           <a:p>
             <a:r>
-              <a:rPr lang="en-US" smtClean="0"/>
+              <a:rPr lang="en-US"/>
               <a:t>Click to edit Master title style</a:t>
             </a:r>
             <a:endParaRPr lang="en-US" dirty="0"/>
@@ -343,7 +344,7 @@
           </a:lstStyle>
           <a:p>
             <a:r>
-              <a:rPr lang="en-US" smtClean="0"/>
+              <a:rPr lang="en-US"/>
               <a:t>Click to edit Master subtitle style</a:t>
             </a:r>
             <a:endParaRPr lang="en-US" dirty="0"/>
@@ -367,7 +368,7 @@
           <a:p>
             <a:fld id="{2ADE304B-BB8D-48AC-99E5-59B797BCD10C}" type="datetimeFigureOut">
               <a:rPr lang="en-US" smtClean="0"/>
-              <a:t>9/27/2019</a:t>
+              <a:t>1/4/2023</a:t>
             </a:fld>
             <a:endParaRPr lang="en-US"/>
           </a:p>
@@ -499,7 +500,7 @@
           <a:lstStyle/>
           <a:p>
             <a:r>
-              <a:rPr lang="en-US" smtClean="0"/>
+              <a:rPr lang="en-US"/>
               <a:t>Click to edit Master title style</a:t>
             </a:r>
             <a:endParaRPr lang="en-US" dirty="0"/>
@@ -523,35 +524,35 @@
           <a:p>
             <a:pPr lvl="0"/>
             <a:r>
-              <a:rPr lang="en-US" smtClean="0"/>
+              <a:rPr lang="en-US"/>
               <a:t>Click to edit Master text styles</a:t>
             </a:r>
           </a:p>
           <a:p>
             <a:pPr lvl="1"/>
             <a:r>
-              <a:rPr lang="en-US" smtClean="0"/>
+              <a:rPr lang="en-US"/>
               <a:t>Second level</a:t>
             </a:r>
           </a:p>
           <a:p>
             <a:pPr lvl="2"/>
             <a:r>
-              <a:rPr lang="en-US" smtClean="0"/>
+              <a:rPr lang="en-US"/>
               <a:t>Third level</a:t>
             </a:r>
           </a:p>
           <a:p>
             <a:pPr lvl="3"/>
             <a:r>
-              <a:rPr lang="en-US" smtClean="0"/>
+              <a:rPr lang="en-US"/>
               <a:t>Fourth level</a:t>
             </a:r>
           </a:p>
           <a:p>
             <a:pPr lvl="4"/>
             <a:r>
-              <a:rPr lang="en-US" smtClean="0"/>
+              <a:rPr lang="en-US"/>
               <a:t>Fifth level</a:t>
             </a:r>
             <a:endParaRPr lang="en-US" dirty="0"/>
@@ -575,7 +576,7 @@
           <a:p>
             <a:fld id="{2ADE304B-BB8D-48AC-99E5-59B797BCD10C}" type="datetimeFigureOut">
               <a:rPr lang="en-US" smtClean="0"/>
-              <a:t>9/27/2019</a:t>
+              <a:t>1/4/2023</a:t>
             </a:fld>
             <a:endParaRPr lang="en-US"/>
           </a:p>
@@ -750,7 +751,7 @@
           <a:lstStyle/>
           <a:p>
             <a:r>
-              <a:rPr lang="en-US" smtClean="0"/>
+              <a:rPr lang="en-US"/>
               <a:t>Click to edit Master title style</a:t>
             </a:r>
             <a:endParaRPr lang="en-US" dirty="0"/>
@@ -779,35 +780,35 @@
           <a:p>
             <a:pPr lvl="0"/>
             <a:r>
-              <a:rPr lang="en-US" smtClean="0"/>
+              <a:rPr lang="en-US"/>
               <a:t>Click to edit Master text styles</a:t>
             </a:r>
           </a:p>
           <a:p>
             <a:pPr lvl="1"/>
             <a:r>
-              <a:rPr lang="en-US" smtClean="0"/>
+              <a:rPr lang="en-US"/>
               <a:t>Second level</a:t>
             </a:r>
           </a:p>
           <a:p>
             <a:pPr lvl="2"/>
             <a:r>
-              <a:rPr lang="en-US" smtClean="0"/>
+              <a:rPr lang="en-US"/>
               <a:t>Third level</a:t>
             </a:r>
           </a:p>
           <a:p>
             <a:pPr lvl="3"/>
             <a:r>
-              <a:rPr lang="en-US" smtClean="0"/>
+              <a:rPr lang="en-US"/>
               <a:t>Fourth level</a:t>
             </a:r>
           </a:p>
           <a:p>
             <a:pPr lvl="4"/>
             <a:r>
-              <a:rPr lang="en-US" smtClean="0"/>
+              <a:rPr lang="en-US"/>
               <a:t>Fifth level</a:t>
             </a:r>
             <a:endParaRPr lang="en-US" dirty="0"/>
@@ -831,7 +832,7 @@
           <a:p>
             <a:fld id="{2ADE304B-BB8D-48AC-99E5-59B797BCD10C}" type="datetimeFigureOut">
               <a:rPr lang="en-US" smtClean="0"/>
-              <a:t>9/27/2019</a:t>
+              <a:t>1/4/2023</a:t>
             </a:fld>
             <a:endParaRPr lang="en-US"/>
           </a:p>
@@ -925,7 +926,7 @@
           <a:lstStyle/>
           <a:p>
             <a:r>
-              <a:rPr lang="en-US" smtClean="0"/>
+              <a:rPr lang="en-US"/>
               <a:t>Click to edit Master title style</a:t>
             </a:r>
             <a:endParaRPr lang="en-US" dirty="0"/>
@@ -949,35 +950,35 @@
           <a:p>
             <a:pPr lvl="0"/>
             <a:r>
-              <a:rPr lang="en-US" smtClean="0"/>
+              <a:rPr lang="en-US"/>
               <a:t>Click to edit Master text styles</a:t>
             </a:r>
           </a:p>
           <a:p>
             <a:pPr lvl="1"/>
             <a:r>
-              <a:rPr lang="en-US" smtClean="0"/>
+              <a:rPr lang="en-US"/>
               <a:t>Second level</a:t>
             </a:r>
           </a:p>
           <a:p>
             <a:pPr lvl="2"/>
             <a:r>
-              <a:rPr lang="en-US" smtClean="0"/>
+              <a:rPr lang="en-US"/>
               <a:t>Third level</a:t>
             </a:r>
           </a:p>
           <a:p>
             <a:pPr lvl="3"/>
             <a:r>
-              <a:rPr lang="en-US" smtClean="0"/>
+              <a:rPr lang="en-US"/>
               <a:t>Fourth level</a:t>
             </a:r>
           </a:p>
           <a:p>
             <a:pPr lvl="4"/>
             <a:r>
-              <a:rPr lang="en-US" smtClean="0"/>
+              <a:rPr lang="en-US"/>
               <a:t>Fifth level</a:t>
             </a:r>
             <a:endParaRPr lang="en-US" dirty="0"/>
@@ -1001,7 +1002,7 @@
           <a:p>
             <a:fld id="{2ADE304B-BB8D-48AC-99E5-59B797BCD10C}" type="datetimeFigureOut">
               <a:rPr lang="en-US" smtClean="0"/>
-              <a:t>9/27/2019</a:t>
+              <a:t>1/4/2023</a:t>
             </a:fld>
             <a:endParaRPr lang="en-US"/>
           </a:p>
@@ -1200,7 +1201,7 @@
           </a:lstStyle>
           <a:p>
             <a:r>
-              <a:rPr lang="en-US" smtClean="0"/>
+              <a:rPr lang="en-US"/>
               <a:t>Click to edit Master title style</a:t>
             </a:r>
             <a:endParaRPr lang="en-US" dirty="0"/>
@@ -1321,7 +1322,7 @@
           <a:p>
             <a:pPr lvl="0"/>
             <a:r>
-              <a:rPr lang="en-US" smtClean="0"/>
+              <a:rPr lang="en-US"/>
               <a:t>Click to edit Master text styles</a:t>
             </a:r>
           </a:p>
@@ -1344,7 +1345,7 @@
           <a:p>
             <a:fld id="{2ADE304B-BB8D-48AC-99E5-59B797BCD10C}" type="datetimeFigureOut">
               <a:rPr lang="en-US" smtClean="0"/>
-              <a:t>9/27/2019</a:t>
+              <a:t>1/4/2023</a:t>
             </a:fld>
             <a:endParaRPr lang="en-US"/>
           </a:p>
@@ -1481,7 +1482,7 @@
           <a:lstStyle/>
           <a:p>
             <a:r>
-              <a:rPr lang="en-US" smtClean="0"/>
+              <a:rPr lang="en-US"/>
               <a:t>Click to edit Master title style</a:t>
             </a:r>
             <a:endParaRPr lang="en-US" dirty="0"/>
@@ -1510,35 +1511,35 @@
           <a:p>
             <a:pPr lvl="0"/>
             <a:r>
-              <a:rPr lang="en-US" smtClean="0"/>
+              <a:rPr lang="en-US"/>
               <a:t>Click to edit Master text styles</a:t>
             </a:r>
           </a:p>
           <a:p>
             <a:pPr lvl="1"/>
             <a:r>
-              <a:rPr lang="en-US" smtClean="0"/>
+              <a:rPr lang="en-US"/>
               <a:t>Second level</a:t>
             </a:r>
           </a:p>
           <a:p>
             <a:pPr lvl="2"/>
             <a:r>
-              <a:rPr lang="en-US" smtClean="0"/>
+              <a:rPr lang="en-US"/>
               <a:t>Third level</a:t>
             </a:r>
           </a:p>
           <a:p>
             <a:pPr lvl="3"/>
             <a:r>
-              <a:rPr lang="en-US" smtClean="0"/>
+              <a:rPr lang="en-US"/>
               <a:t>Fourth level</a:t>
             </a:r>
           </a:p>
           <a:p>
             <a:pPr lvl="4"/>
             <a:r>
-              <a:rPr lang="en-US" smtClean="0"/>
+              <a:rPr lang="en-US"/>
               <a:t>Fifth level</a:t>
             </a:r>
             <a:endParaRPr lang="en-US" dirty="0"/>
@@ -1567,35 +1568,35 @@
           <a:p>
             <a:pPr lvl="0"/>
             <a:r>
-              <a:rPr lang="en-US" smtClean="0"/>
+              <a:rPr lang="en-US"/>
               <a:t>Click to edit Master text styles</a:t>
             </a:r>
           </a:p>
           <a:p>
             <a:pPr lvl="1"/>
             <a:r>
-              <a:rPr lang="en-US" smtClean="0"/>
+              <a:rPr lang="en-US"/>
               <a:t>Second level</a:t>
             </a:r>
           </a:p>
           <a:p>
             <a:pPr lvl="2"/>
             <a:r>
-              <a:rPr lang="en-US" smtClean="0"/>
+              <a:rPr lang="en-US"/>
               <a:t>Third level</a:t>
             </a:r>
           </a:p>
           <a:p>
             <a:pPr lvl="3"/>
             <a:r>
-              <a:rPr lang="en-US" smtClean="0"/>
+              <a:rPr lang="en-US"/>
               <a:t>Fourth level</a:t>
             </a:r>
           </a:p>
           <a:p>
             <a:pPr lvl="4"/>
             <a:r>
-              <a:rPr lang="en-US" smtClean="0"/>
+              <a:rPr lang="en-US"/>
               <a:t>Fifth level</a:t>
             </a:r>
             <a:endParaRPr lang="en-US" dirty="0"/>
@@ -1619,7 +1620,7 @@
           <a:p>
             <a:fld id="{2ADE304B-BB8D-48AC-99E5-59B797BCD10C}" type="datetimeFigureOut">
               <a:rPr lang="en-US" smtClean="0"/>
-              <a:t>9/27/2019</a:t>
+              <a:t>1/4/2023</a:t>
             </a:fld>
             <a:endParaRPr lang="en-US"/>
           </a:p>
@@ -1718,7 +1719,7 @@
           <a:lstStyle/>
           <a:p>
             <a:r>
-              <a:rPr lang="en-US" smtClean="0"/>
+              <a:rPr lang="en-US"/>
               <a:t>Click to edit Master title style</a:t>
             </a:r>
             <a:endParaRPr lang="en-US" dirty="0"/>
@@ -1790,7 +1791,7 @@
           <a:p>
             <a:pPr lvl="0"/>
             <a:r>
-              <a:rPr lang="en-US" smtClean="0"/>
+              <a:rPr lang="en-US"/>
               <a:t>Click to edit Master text styles</a:t>
             </a:r>
           </a:p>
@@ -1818,35 +1819,35 @@
           <a:p>
             <a:pPr lvl="0"/>
             <a:r>
-              <a:rPr lang="en-US" smtClean="0"/>
+              <a:rPr lang="en-US"/>
               <a:t>Click to edit Master text styles</a:t>
             </a:r>
           </a:p>
           <a:p>
             <a:pPr lvl="1"/>
             <a:r>
-              <a:rPr lang="en-US" smtClean="0"/>
+              <a:rPr lang="en-US"/>
               <a:t>Second level</a:t>
             </a:r>
           </a:p>
           <a:p>
             <a:pPr lvl="2"/>
             <a:r>
-              <a:rPr lang="en-US" smtClean="0"/>
+              <a:rPr lang="en-US"/>
               <a:t>Third level</a:t>
             </a:r>
           </a:p>
           <a:p>
             <a:pPr lvl="3"/>
             <a:r>
-              <a:rPr lang="en-US" smtClean="0"/>
+              <a:rPr lang="en-US"/>
               <a:t>Fourth level</a:t>
             </a:r>
           </a:p>
           <a:p>
             <a:pPr lvl="4"/>
             <a:r>
-              <a:rPr lang="en-US" smtClean="0"/>
+              <a:rPr lang="en-US"/>
               <a:t>Fifth level</a:t>
             </a:r>
             <a:endParaRPr lang="en-US" dirty="0"/>
@@ -1918,7 +1919,7 @@
           <a:p>
             <a:pPr lvl="0"/>
             <a:r>
-              <a:rPr lang="en-US" smtClean="0"/>
+              <a:rPr lang="en-US"/>
               <a:t>Click to edit Master text styles</a:t>
             </a:r>
           </a:p>
@@ -1946,35 +1947,35 @@
           <a:p>
             <a:pPr lvl="0"/>
             <a:r>
-              <a:rPr lang="en-US" smtClean="0"/>
+              <a:rPr lang="en-US"/>
               <a:t>Click to edit Master text styles</a:t>
             </a:r>
           </a:p>
           <a:p>
             <a:pPr lvl="1"/>
             <a:r>
-              <a:rPr lang="en-US" smtClean="0"/>
+              <a:rPr lang="en-US"/>
               <a:t>Second level</a:t>
             </a:r>
           </a:p>
           <a:p>
             <a:pPr lvl="2"/>
             <a:r>
-              <a:rPr lang="en-US" smtClean="0"/>
+              <a:rPr lang="en-US"/>
               <a:t>Third level</a:t>
             </a:r>
           </a:p>
           <a:p>
             <a:pPr lvl="3"/>
             <a:r>
-              <a:rPr lang="en-US" smtClean="0"/>
+              <a:rPr lang="en-US"/>
               <a:t>Fourth level</a:t>
             </a:r>
           </a:p>
           <a:p>
             <a:pPr lvl="4"/>
             <a:r>
-              <a:rPr lang="en-US" smtClean="0"/>
+              <a:rPr lang="en-US"/>
               <a:t>Fifth level</a:t>
             </a:r>
             <a:endParaRPr lang="en-US" dirty="0"/>
@@ -1998,7 +1999,7 @@
           <a:p>
             <a:fld id="{2ADE304B-BB8D-48AC-99E5-59B797BCD10C}" type="datetimeFigureOut">
               <a:rPr lang="en-US" smtClean="0"/>
-              <a:t>9/27/2019</a:t>
+              <a:t>1/4/2023</a:t>
             </a:fld>
             <a:endParaRPr lang="en-US"/>
           </a:p>
@@ -2092,7 +2093,7 @@
           <a:lstStyle/>
           <a:p>
             <a:r>
-              <a:rPr lang="en-US" smtClean="0"/>
+              <a:rPr lang="en-US"/>
               <a:t>Click to edit Master title style</a:t>
             </a:r>
             <a:endParaRPr lang="en-US" dirty="0"/>
@@ -2116,7 +2117,7 @@
           <a:p>
             <a:fld id="{2ADE304B-BB8D-48AC-99E5-59B797BCD10C}" type="datetimeFigureOut">
               <a:rPr lang="en-US" smtClean="0"/>
-              <a:t>9/27/2019</a:t>
+              <a:t>1/4/2023</a:t>
             </a:fld>
             <a:endParaRPr lang="en-US"/>
           </a:p>
@@ -2287,7 +2288,7 @@
           <a:p>
             <a:fld id="{2ADE304B-BB8D-48AC-99E5-59B797BCD10C}" type="datetimeFigureOut">
               <a:rPr lang="en-US" smtClean="0"/>
-              <a:t>9/27/2019</a:t>
+              <a:t>1/4/2023</a:t>
             </a:fld>
             <a:endParaRPr lang="en-US"/>
           </a:p>
@@ -2480,7 +2481,7 @@
           </a:lstStyle>
           <a:p>
             <a:r>
-              <a:rPr lang="en-US" smtClean="0"/>
+              <a:rPr lang="en-US"/>
               <a:t>Click to edit Master title style</a:t>
             </a:r>
             <a:endParaRPr lang="en-US" dirty="0"/>
@@ -2509,35 +2510,35 @@
           <a:p>
             <a:pPr lvl="0"/>
             <a:r>
-              <a:rPr lang="en-US" smtClean="0"/>
+              <a:rPr lang="en-US"/>
               <a:t>Click to edit Master text styles</a:t>
             </a:r>
           </a:p>
           <a:p>
             <a:pPr lvl="1"/>
             <a:r>
-              <a:rPr lang="en-US" smtClean="0"/>
+              <a:rPr lang="en-US"/>
               <a:t>Second level</a:t>
             </a:r>
           </a:p>
           <a:p>
             <a:pPr lvl="2"/>
             <a:r>
-              <a:rPr lang="en-US" smtClean="0"/>
+              <a:rPr lang="en-US"/>
               <a:t>Third level</a:t>
             </a:r>
           </a:p>
           <a:p>
             <a:pPr lvl="3"/>
             <a:r>
-              <a:rPr lang="en-US" smtClean="0"/>
+              <a:rPr lang="en-US"/>
               <a:t>Fourth level</a:t>
             </a:r>
           </a:p>
           <a:p>
             <a:pPr lvl="4"/>
             <a:r>
-              <a:rPr lang="en-US" smtClean="0"/>
+              <a:rPr lang="en-US"/>
               <a:t>Fifth level</a:t>
             </a:r>
             <a:endParaRPr lang="en-US" dirty="0"/>
@@ -2609,7 +2610,7 @@
           <a:p>
             <a:pPr lvl="0"/>
             <a:r>
-              <a:rPr lang="en-US" smtClean="0"/>
+              <a:rPr lang="en-US"/>
               <a:t>Click to edit Master text styles</a:t>
             </a:r>
           </a:p>
@@ -2641,7 +2642,7 @@
           <a:p>
             <a:fld id="{2ADE304B-BB8D-48AC-99E5-59B797BCD10C}" type="datetimeFigureOut">
               <a:rPr lang="en-US" smtClean="0"/>
-              <a:t>9/27/2019</a:t>
+              <a:t>1/4/2023</a:t>
             </a:fld>
             <a:endParaRPr lang="en-US"/>
           </a:p>
@@ -2847,7 +2848,7 @@
           </a:lstStyle>
           <a:p>
             <a:r>
-              <a:rPr lang="en-US" smtClean="0"/>
+              <a:rPr lang="en-US"/>
               <a:t>Click to edit Master title style</a:t>
             </a:r>
             <a:endParaRPr lang="en-US" dirty="0"/>
@@ -2917,7 +2918,7 @@
           </a:lstStyle>
           <a:p>
             <a:r>
-              <a:rPr lang="en-US" smtClean="0"/>
+              <a:rPr lang="en-US"/>
               <a:t>Click icon to add picture</a:t>
             </a:r>
             <a:endParaRPr lang="en-US" dirty="0"/>
@@ -2995,7 +2996,7 @@
           <a:p>
             <a:pPr lvl="0"/>
             <a:r>
-              <a:rPr lang="en-US" smtClean="0"/>
+              <a:rPr lang="en-US"/>
               <a:t>Click to edit Master text styles</a:t>
             </a:r>
           </a:p>
@@ -3018,7 +3019,7 @@
           <a:p>
             <a:fld id="{2ADE304B-BB8D-48AC-99E5-59B797BCD10C}" type="datetimeFigureOut">
               <a:rPr lang="en-US" smtClean="0"/>
-              <a:t>9/27/2019</a:t>
+              <a:t>1/4/2023</a:t>
             </a:fld>
             <a:endParaRPr lang="en-US"/>
           </a:p>
@@ -3203,7 +3204,7 @@
           <a:lstStyle/>
           <a:p>
             <a:r>
-              <a:rPr lang="en-US" smtClean="0"/>
+              <a:rPr lang="en-US"/>
               <a:t>Click to edit Master title style</a:t>
             </a:r>
             <a:endParaRPr lang="en-US" dirty="0"/>
@@ -3237,35 +3238,35 @@
           <a:p>
             <a:pPr lvl="0"/>
             <a:r>
-              <a:rPr lang="en-US" smtClean="0"/>
+              <a:rPr lang="en-US"/>
               <a:t>Click to edit Master text styles</a:t>
             </a:r>
           </a:p>
           <a:p>
             <a:pPr lvl="1"/>
             <a:r>
-              <a:rPr lang="en-US" smtClean="0"/>
+              <a:rPr lang="en-US"/>
               <a:t>Second level</a:t>
             </a:r>
           </a:p>
           <a:p>
             <a:pPr lvl="2"/>
             <a:r>
-              <a:rPr lang="en-US" smtClean="0"/>
+              <a:rPr lang="en-US"/>
               <a:t>Third level</a:t>
             </a:r>
           </a:p>
           <a:p>
             <a:pPr lvl="3"/>
             <a:r>
-              <a:rPr lang="en-US" smtClean="0"/>
+              <a:rPr lang="en-US"/>
               <a:t>Fourth level</a:t>
             </a:r>
           </a:p>
           <a:p>
             <a:pPr lvl="4"/>
             <a:r>
-              <a:rPr lang="en-US" smtClean="0"/>
+              <a:rPr lang="en-US"/>
               <a:t>Fifth level</a:t>
             </a:r>
             <a:endParaRPr lang="en-US" dirty="0"/>
@@ -3305,7 +3306,7 @@
           <a:p>
             <a:fld id="{2ADE304B-BB8D-48AC-99E5-59B797BCD10C}" type="datetimeFigureOut">
               <a:rPr lang="en-US" smtClean="0"/>
-              <a:t>9/27/2019</a:t>
+              <a:t>1/4/2023</a:t>
             </a:fld>
             <a:endParaRPr lang="en-US"/>
           </a:p>
@@ -3880,14 +3881,13 @@
           <a:lstStyle/>
           <a:p>
             <a:r>
-              <a:rPr lang="en-US" smtClean="0"/>
+              <a:rPr lang="en-US"/>
               <a:t>V0.2 </a:t>
             </a:r>
             <a:r>
-              <a:rPr lang="en-US" dirty="0" smtClean="0"/>
+              <a:rPr lang="en-US" dirty="0"/>
               <a:t>- A quick reference guide</a:t>
             </a:r>
-            <a:endParaRPr lang="en-US" dirty="0"/>
           </a:p>
         </p:txBody>
       </p:sp>
@@ -3937,10 +3937,9 @@
           <a:lstStyle/>
           <a:p>
             <a:r>
-              <a:rPr lang="en-US" dirty="0" smtClean="0"/>
+              <a:rPr lang="en-US" dirty="0"/>
               <a:t>Input files – variable names library</a:t>
             </a:r>
-            <a:endParaRPr lang="en-US" dirty="0"/>
           </a:p>
         </p:txBody>
       </p:sp>
@@ -3967,15 +3966,15 @@
           <a:lstStyle/>
           <a:p>
             <a:r>
-              <a:rPr lang="en-US" dirty="0" smtClean="0"/>
+              <a:rPr lang="en-US" dirty="0"/>
               <a:t>A variable library file simply stores the match between the formal </a:t>
             </a:r>
             <a:r>
-              <a:rPr lang="en-US" dirty="0" err="1" smtClean="0"/>
+              <a:rPr lang="en-US" dirty="0" err="1"/>
               <a:t>NetCDF</a:t>
             </a:r>
             <a:r>
-              <a:rPr lang="en-US" dirty="0" smtClean="0"/>
+              <a:rPr lang="en-US" dirty="0"/>
               <a:t> CF name for a variable and the actual variants that different models write on their outputs. Any user can add to this file if they encounter outputs from different models, and as long as the output is CF compliant, no further pre-processing should be required.</a:t>
             </a:r>
           </a:p>
@@ -3983,40 +3982,39 @@
             <a:endParaRPr lang="en-US" dirty="0"/>
           </a:p>
           <a:p>
-            <a:endParaRPr lang="en-US" dirty="0" smtClean="0"/>
-          </a:p>
-          <a:p>
             <a:endParaRPr lang="en-US" dirty="0"/>
           </a:p>
           <a:p>
-            <a:endParaRPr lang="en-US" dirty="0" smtClean="0"/>
-          </a:p>
-          <a:p>
-            <a:r>
-              <a:rPr lang="en-US" dirty="0" smtClean="0"/>
+            <a:endParaRPr lang="en-US" dirty="0"/>
+          </a:p>
+          <a:p>
+            <a:endParaRPr lang="en-US" dirty="0"/>
+          </a:p>
+          <a:p>
+            <a:r>
+              <a:rPr lang="en-US" dirty="0"/>
               <a:t>The name of the section is the CF long name, and the name field in front of it determines the name of that variable inside our simulation and its outputs.</a:t>
             </a:r>
           </a:p>
           <a:p>
             <a:r>
-              <a:rPr lang="en-US" dirty="0" smtClean="0"/>
+              <a:rPr lang="en-US" dirty="0"/>
               <a:t>The variants are a list of possible names for a given variable, that if found in a </a:t>
             </a:r>
             <a:r>
-              <a:rPr lang="en-US" dirty="0" err="1" smtClean="0"/>
+              <a:rPr lang="en-US" dirty="0" err="1"/>
               <a:t>NetCDF</a:t>
             </a:r>
             <a:r>
-              <a:rPr lang="en-US" dirty="0" smtClean="0"/>
+              <a:rPr lang="en-US" dirty="0"/>
               <a:t> file are used to read the fields.</a:t>
             </a:r>
+          </a:p>
+          <a:p>
+            <a:pPr marL="0" indent="0">
+              <a:buNone/>
+            </a:pPr>
             <a:endParaRPr lang="en-US" dirty="0"/>
-          </a:p>
-          <a:p>
-            <a:pPr marL="0" indent="0">
-              <a:buNone/>
-            </a:pPr>
-            <a:endParaRPr lang="en-US" dirty="0" smtClean="0"/>
           </a:p>
         </p:txBody>
       </p:sp>
@@ -4114,18 +4112,17 @@
           <a:lstStyle/>
           <a:p>
             <a:r>
-              <a:rPr lang="en-US" dirty="0" smtClean="0"/>
+              <a:rPr lang="en-US" dirty="0"/>
               <a:t>Input files – .</a:t>
             </a:r>
             <a:r>
-              <a:rPr lang="en-US" dirty="0" err="1" smtClean="0"/>
+              <a:rPr lang="en-US" dirty="0" err="1"/>
               <a:t>nc</a:t>
             </a:r>
             <a:r>
-              <a:rPr lang="en-US" dirty="0" smtClean="0"/>
+              <a:rPr lang="en-US" dirty="0"/>
               <a:t> or .nc4 files</a:t>
             </a:r>
-            <a:endParaRPr lang="en-US" dirty="0"/>
           </a:p>
         </p:txBody>
       </p:sp>
@@ -4152,40 +4149,40 @@
           <a:lstStyle/>
           <a:p>
             <a:r>
-              <a:rPr lang="en-US" dirty="0" smtClean="0"/>
+              <a:rPr lang="en-US" dirty="0"/>
               <a:t>MOHID </a:t>
             </a:r>
             <a:r>
-              <a:rPr lang="en-US" dirty="0" err="1" smtClean="0"/>
+              <a:rPr lang="en-US" dirty="0" err="1"/>
               <a:t>Lagrangian</a:t>
             </a:r>
             <a:r>
-              <a:rPr lang="en-US" dirty="0" smtClean="0"/>
+              <a:rPr lang="en-US" dirty="0"/>
               <a:t> V0.2 consumes </a:t>
             </a:r>
             <a:r>
-              <a:rPr lang="en-US" dirty="0" err="1" smtClean="0"/>
+              <a:rPr lang="en-US" dirty="0" err="1"/>
               <a:t>NetCDF</a:t>
             </a:r>
             <a:r>
-              <a:rPr lang="en-US" dirty="0" smtClean="0"/>
+              <a:rPr lang="en-US" dirty="0"/>
               <a:t> CF files with arbitrary dimension fields. These are checked for correctness and processed if necessary during the input stages. The vertical dimension needs to be well formed however – MOHID was made to model any medium, in natural coordinates – if your ocean data vertical coordinate is written indistinguishably from an atmospheric data set, it will be imported as such. Use NCO or other tools to correct this in your files directly if necessary. </a:t>
             </a:r>
           </a:p>
           <a:p>
-            <a:endParaRPr lang="en-US" dirty="0" smtClean="0"/>
-          </a:p>
-          <a:p>
-            <a:r>
-              <a:rPr lang="en-US" dirty="0" smtClean="0"/>
+            <a:endParaRPr lang="en-US" dirty="0"/>
+          </a:p>
+          <a:p>
+            <a:r>
+              <a:rPr lang="en-US" dirty="0"/>
               <a:t>MOHID </a:t>
             </a:r>
             <a:r>
-              <a:rPr lang="en-US" dirty="0" err="1" smtClean="0"/>
+              <a:rPr lang="en-US" dirty="0" err="1"/>
               <a:t>Lagrangian</a:t>
             </a:r>
             <a:r>
-              <a:rPr lang="en-US" dirty="0" smtClean="0"/>
+              <a:rPr lang="en-US" dirty="0"/>
               <a:t> supports reading an arbitrary number of fields. If you have a collection of time steps spread across different files, these are ordered internally and read as required, automatically.</a:t>
             </a:r>
           </a:p>
@@ -4237,10 +4234,9 @@
           <a:lstStyle/>
           <a:p>
             <a:r>
-              <a:rPr lang="en-US" dirty="0" smtClean="0"/>
+              <a:rPr lang="en-US" dirty="0"/>
               <a:t>Case definition - example</a:t>
             </a:r>
-            <a:endParaRPr lang="en-US" dirty="0"/>
           </a:p>
         </p:txBody>
       </p:sp>
@@ -4265,7 +4261,7 @@
               <a:buNone/>
             </a:pPr>
             <a:r>
-              <a:rPr lang="en-US" sz="1400" dirty="0" smtClean="0"/>
+              <a:rPr lang="en-US" sz="1400" dirty="0"/>
               <a:t>Execution section of the Arousa2D test case configuration file</a:t>
             </a:r>
           </a:p>
@@ -4273,7 +4269,7 @@
             <a:pPr marL="0" indent="0">
               <a:buNone/>
             </a:pPr>
-            <a:endParaRPr lang="en-US" sz="1400" dirty="0" smtClean="0"/>
+            <a:endParaRPr lang="en-US" sz="1400" dirty="0"/>
           </a:p>
         </p:txBody>
       </p:sp>
@@ -4324,10 +4320,9 @@
           <a:lstStyle/>
           <a:p>
             <a:r>
-              <a:rPr lang="en-US" dirty="0" smtClean="0"/>
+              <a:rPr lang="en-US" dirty="0"/>
               <a:t>File listing variables to output</a:t>
             </a:r>
-            <a:endParaRPr lang="en-US" dirty="0"/>
           </a:p>
         </p:txBody>
       </p:sp>
@@ -4354,22 +4349,17 @@
           <a:lstStyle/>
           <a:p>
             <a:r>
-              <a:rPr lang="en-US" dirty="0" smtClean="0"/>
-              <a:t>List of post processing recipes to </a:t>
-            </a:r>
-            <a:r>
-              <a:rPr lang="en-US" dirty="0" smtClean="0"/>
-              <a:t>run (add here </a:t>
-            </a:r>
-            <a:r>
-              <a:rPr lang="en-US" dirty="0" err="1" smtClean="0"/>
+              <a:rPr lang="en-US" dirty="0"/>
+              <a:t>List of post processing recipes to run (add here </a:t>
+            </a:r>
+            <a:r>
+              <a:rPr lang="en-US" dirty="0" err="1"/>
               <a:t>recipies</a:t>
             </a:r>
             <a:r>
-              <a:rPr lang="en-US" dirty="0" smtClean="0"/>
+              <a:rPr lang="en-US" dirty="0"/>
               <a:t> to run them in batch at simulation end)</a:t>
             </a:r>
-            <a:endParaRPr lang="en-US" dirty="0"/>
           </a:p>
         </p:txBody>
       </p:sp>
@@ -4487,10 +4477,9 @@
           <a:lstStyle/>
           <a:p>
             <a:r>
-              <a:rPr lang="en-US" dirty="0" smtClean="0"/>
+              <a:rPr lang="en-US" dirty="0"/>
               <a:t>Case definition - example</a:t>
             </a:r>
-            <a:endParaRPr lang="en-US" dirty="0"/>
           </a:p>
         </p:txBody>
       </p:sp>
@@ -4515,7 +4504,7 @@
               <a:buNone/>
             </a:pPr>
             <a:r>
-              <a:rPr lang="en-US" sz="1400" dirty="0" smtClean="0"/>
+              <a:rPr lang="en-US" sz="1400" dirty="0"/>
               <a:t>Case definitions of the Arousa2D test case configuration file</a:t>
             </a:r>
           </a:p>
@@ -4523,7 +4512,7 @@
             <a:pPr marL="0" indent="0">
               <a:buNone/>
             </a:pPr>
-            <a:endParaRPr lang="en-US" sz="1400" dirty="0" smtClean="0"/>
+            <a:endParaRPr lang="en-US" sz="1400" dirty="0"/>
           </a:p>
         </p:txBody>
       </p:sp>
@@ -4574,10 +4563,9 @@
           <a:lstStyle/>
           <a:p>
             <a:r>
-              <a:rPr lang="en-US" dirty="0" smtClean="0"/>
+              <a:rPr lang="en-US" dirty="0"/>
               <a:t>Input data directory and type</a:t>
             </a:r>
-            <a:endParaRPr lang="en-US" dirty="0"/>
           </a:p>
         </p:txBody>
       </p:sp>
@@ -4637,10 +4625,9 @@
           <a:lstStyle/>
           <a:p>
             <a:r>
-              <a:rPr lang="en-US" dirty="0" smtClean="0"/>
+              <a:rPr lang="en-US" dirty="0"/>
               <a:t>Global initial resolution (uniform or not)</a:t>
             </a:r>
-            <a:endParaRPr lang="en-US" dirty="0"/>
           </a:p>
         </p:txBody>
       </p:sp>
@@ -4700,10 +4687,9 @@
           <a:lstStyle/>
           <a:p>
             <a:r>
-              <a:rPr lang="en-US" dirty="0" smtClean="0"/>
+              <a:rPr lang="en-US" dirty="0"/>
               <a:t>Global bounding box – any tracer crossing this will be excluded from the simulation</a:t>
             </a:r>
-            <a:endParaRPr lang="en-US" dirty="0"/>
           </a:p>
         </p:txBody>
       </p:sp>
@@ -4786,10 +4772,9 @@
           <a:lstStyle/>
           <a:p>
             <a:r>
-              <a:rPr lang="en-US" dirty="0" smtClean="0"/>
+              <a:rPr lang="en-US" dirty="0"/>
               <a:t>Case definition - example</a:t>
             </a:r>
-            <a:endParaRPr lang="en-US" dirty="0"/>
           </a:p>
         </p:txBody>
       </p:sp>
@@ -4814,7 +4799,7 @@
               <a:buNone/>
             </a:pPr>
             <a:r>
-              <a:rPr lang="en-US" sz="1400" dirty="0" smtClean="0"/>
+              <a:rPr lang="en-US" sz="1400" dirty="0"/>
               <a:t>Source definitions of the Arousa2D test case configuration file</a:t>
             </a:r>
           </a:p>
@@ -4822,7 +4807,7 @@
             <a:pPr marL="0" indent="0">
               <a:buNone/>
             </a:pPr>
-            <a:endParaRPr lang="en-US" sz="1400" dirty="0" smtClean="0"/>
+            <a:endParaRPr lang="en-US" sz="1400" dirty="0"/>
           </a:p>
         </p:txBody>
       </p:sp>
@@ -4873,10 +4858,9 @@
           <a:lstStyle/>
           <a:p>
             <a:r>
-              <a:rPr lang="en-US" dirty="0" smtClean="0"/>
+              <a:rPr lang="en-US" dirty="0"/>
               <a:t>Override of global resolution for this source</a:t>
             </a:r>
-            <a:endParaRPr lang="en-US" dirty="0"/>
           </a:p>
         </p:txBody>
       </p:sp>
@@ -4936,10 +4920,9 @@
           <a:lstStyle/>
           <a:p>
             <a:r>
-              <a:rPr lang="en-US" dirty="0" smtClean="0"/>
+              <a:rPr lang="en-US" dirty="0"/>
               <a:t>Distinct types of emission rate definitions</a:t>
             </a:r>
-            <a:endParaRPr lang="en-US" dirty="0"/>
           </a:p>
         </p:txBody>
       </p:sp>
@@ -5065,10 +5048,9 @@
           <a:lstStyle/>
           <a:p>
             <a:r>
-              <a:rPr lang="en-US" dirty="0" smtClean="0"/>
+              <a:rPr lang="en-US" dirty="0"/>
               <a:t>Series of on/off cycles for this source</a:t>
             </a:r>
-            <a:endParaRPr lang="en-US" dirty="0"/>
           </a:p>
         </p:txBody>
       </p:sp>
@@ -5180,10 +5162,9 @@
           <a:lstStyle/>
           <a:p>
             <a:r>
-              <a:rPr lang="en-US" dirty="0" smtClean="0"/>
+              <a:rPr lang="en-US" dirty="0"/>
               <a:t>Case definition - example</a:t>
             </a:r>
-            <a:endParaRPr lang="en-US" dirty="0"/>
           </a:p>
         </p:txBody>
       </p:sp>
@@ -5208,7 +5189,7 @@
               <a:buNone/>
             </a:pPr>
             <a:r>
-              <a:rPr lang="en-US" sz="1400" dirty="0" smtClean="0"/>
+              <a:rPr lang="en-US" sz="1400" dirty="0"/>
               <a:t>Source definitions of the Arousa2D test case configuration file</a:t>
             </a:r>
           </a:p>
@@ -5216,7 +5197,7 @@
             <a:pPr marL="0" indent="0">
               <a:buNone/>
             </a:pPr>
-            <a:endParaRPr lang="en-US" sz="1400" dirty="0" smtClean="0"/>
+            <a:endParaRPr lang="en-US" sz="1400" dirty="0"/>
           </a:p>
         </p:txBody>
       </p:sp>
@@ -5243,10 +5224,9 @@
           <a:lstStyle/>
           <a:p>
             <a:r>
-              <a:rPr lang="en-US" dirty="0" smtClean="0"/>
+              <a:rPr lang="en-US" dirty="0"/>
               <a:t>Emission rate mediated by a csv file (time(s), rate(Hz)</a:t>
             </a:r>
-            <a:endParaRPr lang="en-US" dirty="0"/>
           </a:p>
         </p:txBody>
       </p:sp>
@@ -5309,19 +5289,14 @@
           <a:p>
             <a:r>
               <a:rPr lang="en-US" dirty="0"/>
-              <a:t>Emission rate mediated by a </a:t>
-            </a:r>
-            <a:r>
-              <a:rPr lang="en-US" dirty="0" smtClean="0"/>
-              <a:t>MOHID time series file. </a:t>
-            </a:r>
-          </a:p>
-          <a:p>
-            <a:r>
-              <a:rPr lang="en-US" sz="1400" dirty="0" smtClean="0"/>
-              <a:t>You can add the name of the variable you want to import as rate to the naming .xml file </a:t>
-            </a:r>
-            <a:endParaRPr lang="en-US" sz="1400" dirty="0"/>
+              <a:t>Emission rate mediated by a MOHID time series file. </a:t>
+            </a:r>
+          </a:p>
+          <a:p>
+            <a:r>
+              <a:rPr lang="en-US" sz="1400" dirty="0"/>
+              <a:t>You can add the name of the variable you want to import as rate to the NamesLibrary.xml file </a:t>
+            </a:r>
           </a:p>
         </p:txBody>
       </p:sp>
@@ -5416,10 +5391,9 @@
           <a:lstStyle/>
           <a:p>
             <a:r>
-              <a:rPr lang="en-US" dirty="0" smtClean="0"/>
+              <a:rPr lang="en-US" dirty="0"/>
               <a:t>Position time series (either .csv or MOHID time series) for this source</a:t>
             </a:r>
-            <a:endParaRPr lang="en-US" dirty="0"/>
           </a:p>
         </p:txBody>
       </p:sp>
@@ -5481,10 +5455,9 @@
           <a:lstStyle/>
           <a:p>
             <a:r>
-              <a:rPr lang="en-US" dirty="0" smtClean="0"/>
+              <a:rPr lang="en-US" dirty="0"/>
               <a:t>Optional scale to multiply the imported variable with (transforming river discharge into rate for example)</a:t>
             </a:r>
-            <a:endParaRPr lang="en-US" dirty="0"/>
           </a:p>
         </p:txBody>
       </p:sp>
@@ -5520,7 +5493,13 @@
       </p:grpSpPr>
       <p:pic>
         <p:nvPicPr>
-          <p:cNvPr id="5" name="Picture 4"/>
+          <p:cNvPr id="8" name="Picture 7">
+            <a:extLst>
+              <a:ext uri="{FF2B5EF4-FFF2-40B4-BE49-F238E27FC236}">
+                <a16:creationId xmlns:a16="http://schemas.microsoft.com/office/drawing/2014/main" id="{BC525CA5-134A-D370-4153-BDD3B394E24A}"/>
+              </a:ext>
+            </a:extLst>
+          </p:cNvPr>
           <p:cNvPicPr>
             <a:picLocks noChangeAspect="1"/>
           </p:cNvPicPr>
@@ -5534,8 +5513,8 @@
         </p:blipFill>
         <p:spPr>
           <a:xfrm>
-            <a:off x="770165" y="3556953"/>
-            <a:ext cx="6076950" cy="1152525"/>
+            <a:off x="0" y="3004857"/>
+            <a:ext cx="9035845" cy="1505112"/>
           </a:xfrm>
           <a:prstGeom prst="rect">
             <a:avLst/>
@@ -5558,10 +5537,9 @@
           <a:lstStyle/>
           <a:p>
             <a:r>
-              <a:rPr lang="en-US" dirty="0" smtClean="0"/>
-              <a:t>Case definition - example</a:t>
-            </a:r>
-            <a:endParaRPr lang="en-US" dirty="0"/>
+              <a:rPr lang="en-US" dirty="0"/>
+              <a:t>Case definition – example 2</a:t>
+            </a:r>
           </a:p>
         </p:txBody>
       </p:sp>
@@ -5586,15 +5564,15 @@
               <a:buNone/>
             </a:pPr>
             <a:r>
-              <a:rPr lang="en-US" sz="1400" dirty="0" smtClean="0"/>
-              <a:t>Source type definitions of the Arousa2D test case configuration file – optional section</a:t>
+              <a:rPr lang="en-US" sz="1400" dirty="0"/>
+              <a:t>Source definitions of the Arousa2D test case configuration file</a:t>
             </a:r>
           </a:p>
           <a:p>
             <a:pPr marL="0" indent="0">
               <a:buNone/>
             </a:pPr>
-            <a:endParaRPr lang="en-US" sz="1400" dirty="0" smtClean="0"/>
+            <a:endParaRPr lang="en-US" sz="1400" dirty="0"/>
           </a:p>
         </p:txBody>
       </p:sp>
@@ -5607,7 +5585,7 @@
         <p:spPr>
           <a:xfrm>
             <a:off x="6010000" y="2177091"/>
-            <a:ext cx="5471163" cy="1200329"/>
+            <a:ext cx="5471163" cy="646331"/>
           </a:xfrm>
           <a:prstGeom prst="rect">
             <a:avLst/>
@@ -5621,10 +5599,17 @@
           <a:lstStyle/>
           <a:p>
             <a:r>
-              <a:rPr lang="en-US" dirty="0" smtClean="0"/>
-              <a:t>Source 3 will imprint on emitted tracers the properties of ‘bag_1’, of type ‘plastic’. This will lead to differentiated behavior with other types (different processes) and subtypes (different parameters)</a:t>
-            </a:r>
-            <a:endParaRPr lang="en-US" dirty="0"/>
+              <a:rPr lang="en-US" dirty="0"/>
+              <a:t>Emission rate mediated by a </a:t>
+            </a:r>
+            <a:r>
+              <a:rPr lang="en-US" dirty="0" err="1"/>
+              <a:t>mohidTimeseries</a:t>
+            </a:r>
+            <a:r>
+              <a:rPr lang="en-US" dirty="0"/>
+              <a:t> file (time(s), rate(flow rate or Hz)</a:t>
+            </a:r>
           </a:p>
         </p:txBody>
       </p:sp>
@@ -5632,19 +5617,23 @@
         <p:nvCxnSpPr>
           <p:cNvPr id="7" name="Straight Arrow Connector 6"/>
           <p:cNvCxnSpPr>
+            <a:cxnSpLocks/>
             <a:endCxn id="6" idx="1"/>
           </p:cNvCxnSpPr>
           <p:nvPr/>
         </p:nvCxnSpPr>
         <p:spPr>
           <a:xfrm flipV="1">
-            <a:off x="2873829" y="2777256"/>
-            <a:ext cx="3136171" cy="1076888"/>
+            <a:off x="4149213" y="2500257"/>
+            <a:ext cx="1860787" cy="1205289"/>
           </a:xfrm>
           <a:prstGeom prst="straightConnector1">
             <a:avLst/>
           </a:prstGeom>
           <a:ln>
+            <a:solidFill>
+              <a:srgbClr val="FFC000"/>
+            </a:solidFill>
             <a:tailEnd type="triangle"/>
           </a:ln>
         </p:spPr>
@@ -5663,16 +5652,88 @@
           </a:fontRef>
         </p:style>
       </p:cxnSp>
-      <p:sp>
-        <p:nvSpPr>
-          <p:cNvPr id="9" name="TextBox 8"/>
+      <p:cxnSp>
+        <p:nvCxnSpPr>
+          <p:cNvPr id="12" name="Straight Arrow Connector 11"/>
+          <p:cNvCxnSpPr/>
+          <p:nvPr/>
+        </p:nvCxnSpPr>
+        <p:spPr>
+          <a:xfrm flipV="1">
+            <a:off x="4343400" y="4060372"/>
+            <a:ext cx="2503715" cy="348342"/>
+          </a:xfrm>
+          <a:prstGeom prst="straightConnector1">
+            <a:avLst/>
+          </a:prstGeom>
+          <a:ln>
+            <a:tailEnd type="triangle"/>
+          </a:ln>
+        </p:spPr>
+        <p:style>
+          <a:lnRef idx="1">
+            <a:schemeClr val="dk1"/>
+          </a:lnRef>
+          <a:fillRef idx="0">
+            <a:schemeClr val="dk1"/>
+          </a:fillRef>
+          <a:effectRef idx="0">
+            <a:schemeClr val="dk1"/>
+          </a:effectRef>
+          <a:fontRef idx="minor">
+            <a:schemeClr val="tx1"/>
+          </a:fontRef>
+        </p:style>
+      </p:cxnSp>
+      <p:cxnSp>
+        <p:nvCxnSpPr>
+          <p:cNvPr id="17" name="Straight Arrow Connector 16"/>
+          <p:cNvCxnSpPr>
+            <a:cxnSpLocks/>
+            <a:endCxn id="20" idx="1"/>
+          </p:cNvCxnSpPr>
+          <p:nvPr/>
+        </p:nvCxnSpPr>
+        <p:spPr>
+          <a:xfrm>
+            <a:off x="1553497" y="3429000"/>
+            <a:ext cx="573570" cy="2039591"/>
+          </a:xfrm>
+          <a:prstGeom prst="straightConnector1">
+            <a:avLst/>
+          </a:prstGeom>
+          <a:ln>
+            <a:solidFill>
+              <a:srgbClr val="C00000"/>
+            </a:solidFill>
+            <a:tailEnd type="triangle"/>
+          </a:ln>
+        </p:spPr>
+        <p:style>
+          <a:lnRef idx="1">
+            <a:schemeClr val="dk1"/>
+          </a:lnRef>
+          <a:fillRef idx="0">
+            <a:schemeClr val="dk1"/>
+          </a:fillRef>
+          <a:effectRef idx="0">
+            <a:schemeClr val="dk1"/>
+          </a:effectRef>
+          <a:fontRef idx="minor">
+            <a:schemeClr val="tx1"/>
+          </a:fontRef>
+        </p:style>
+      </p:cxnSp>
+      <p:sp>
+        <p:nvSpPr>
+          <p:cNvPr id="20" name="TextBox 19"/>
           <p:cNvSpPr txBox="1"/>
           <p:nvPr/>
         </p:nvSpPr>
         <p:spPr>
           <a:xfrm>
-            <a:off x="6310449" y="5010242"/>
-            <a:ext cx="5170714" cy="369332"/>
+            <a:off x="2127067" y="5006926"/>
+            <a:ext cx="4432666" cy="923330"/>
           </a:xfrm>
           <a:prstGeom prst="rect">
             <a:avLst/>
@@ -5686,7 +5747,244 @@
           <a:lstStyle/>
           <a:p>
             <a:r>
-              <a:rPr lang="en-US" dirty="0" smtClean="0"/>
+              <a:rPr lang="en-US" dirty="0"/>
+              <a:t>Specify tracer volume so the number of particles released become a function of a variable flow rate</a:t>
+            </a:r>
+          </a:p>
+        </p:txBody>
+      </p:sp>
+      <p:sp>
+        <p:nvSpPr>
+          <p:cNvPr id="9" name="TextBox 8"/>
+          <p:cNvSpPr txBox="1"/>
+          <p:nvPr/>
+        </p:nvSpPr>
+        <p:spPr>
+          <a:xfrm>
+            <a:off x="267463" y="2095508"/>
+            <a:ext cx="5170714" cy="800219"/>
+          </a:xfrm>
+          <a:prstGeom prst="rect">
+            <a:avLst/>
+          </a:prstGeom>
+          <a:noFill/>
+        </p:spPr>
+        <p:txBody>
+          <a:bodyPr wrap="square" rtlCol="0">
+            <a:spAutoFit/>
+          </a:bodyPr>
+          <a:lstStyle/>
+          <a:p>
+            <a:r>
+              <a:rPr lang="en-US" dirty="0"/>
+              <a:t>Emission rate mediated by a MOHID time series file. </a:t>
+            </a:r>
+          </a:p>
+          <a:p>
+            <a:r>
+              <a:rPr lang="en-US" sz="1400" dirty="0"/>
+              <a:t>You can add the name of the variable you want to import as rate to the naming .xml file </a:t>
+            </a:r>
+          </a:p>
+        </p:txBody>
+      </p:sp>
+    </p:spTree>
+    <p:extLst>
+      <p:ext uri="{BB962C8B-B14F-4D97-AF65-F5344CB8AC3E}">
+        <p14:creationId xmlns:p14="http://schemas.microsoft.com/office/powerpoint/2010/main" val="3795449720"/>
+      </p:ext>
+    </p:extLst>
+  </p:cSld>
+  <p:clrMapOvr>
+    <a:masterClrMapping/>
+  </p:clrMapOvr>
+</p:sld>
+</file>
+
+<file path=ppt/slides/slide17.xml><?xml version="1.0" encoding="utf-8"?>
+<p:sld xmlns:a="http://schemas.openxmlformats.org/drawingml/2006/main" xmlns:r="http://schemas.openxmlformats.org/officeDocument/2006/relationships" xmlns:p="http://schemas.openxmlformats.org/presentationml/2006/main">
+  <p:cSld>
+    <p:spTree>
+      <p:nvGrpSpPr>
+        <p:cNvPr id="1" name=""/>
+        <p:cNvGrpSpPr/>
+        <p:nvPr/>
+      </p:nvGrpSpPr>
+      <p:grpSpPr>
+        <a:xfrm>
+          <a:off x="0" y="0"/>
+          <a:ext cx="0" cy="0"/>
+          <a:chOff x="0" y="0"/>
+          <a:chExt cx="0" cy="0"/>
+        </a:xfrm>
+      </p:grpSpPr>
+      <p:pic>
+        <p:nvPicPr>
+          <p:cNvPr id="5" name="Picture 4"/>
+          <p:cNvPicPr>
+            <a:picLocks noChangeAspect="1"/>
+          </p:cNvPicPr>
+          <p:nvPr/>
+        </p:nvPicPr>
+        <p:blipFill>
+          <a:blip r:embed="rId2"/>
+          <a:stretch>
+            <a:fillRect/>
+          </a:stretch>
+        </p:blipFill>
+        <p:spPr>
+          <a:xfrm>
+            <a:off x="770165" y="3556953"/>
+            <a:ext cx="6076950" cy="1152525"/>
+          </a:xfrm>
+          <a:prstGeom prst="rect">
+            <a:avLst/>
+          </a:prstGeom>
+        </p:spPr>
+      </p:pic>
+      <p:sp>
+        <p:nvSpPr>
+          <p:cNvPr id="2" name="Title 1"/>
+          <p:cNvSpPr>
+            <a:spLocks noGrp="1"/>
+          </p:cNvSpPr>
+          <p:nvPr>
+            <p:ph type="title"/>
+          </p:nvPr>
+        </p:nvSpPr>
+        <p:spPr/>
+        <p:txBody>
+          <a:bodyPr/>
+          <a:lstStyle/>
+          <a:p>
+            <a:r>
+              <a:rPr lang="en-US" dirty="0"/>
+              <a:t>Case definition - example</a:t>
+            </a:r>
+          </a:p>
+        </p:txBody>
+      </p:sp>
+      <p:sp>
+        <p:nvSpPr>
+          <p:cNvPr id="3" name="Content Placeholder 2"/>
+          <p:cNvSpPr>
+            <a:spLocks noGrp="1"/>
+          </p:cNvSpPr>
+          <p:nvPr>
+            <p:ph idx="1"/>
+          </p:nvPr>
+        </p:nvSpPr>
+        <p:spPr/>
+        <p:txBody>
+          <a:bodyPr>
+            <a:normAutofit/>
+          </a:bodyPr>
+          <a:lstStyle/>
+          <a:p>
+            <a:pPr marL="0" indent="0">
+              <a:buNone/>
+            </a:pPr>
+            <a:r>
+              <a:rPr lang="en-US" sz="1400" dirty="0"/>
+              <a:t>Source type definitions of the Arousa2D test case configuration file – optional section</a:t>
+            </a:r>
+          </a:p>
+          <a:p>
+            <a:pPr marL="0" indent="0">
+              <a:buNone/>
+            </a:pPr>
+            <a:endParaRPr lang="en-US" sz="1400" dirty="0"/>
+          </a:p>
+        </p:txBody>
+      </p:sp>
+      <p:sp>
+        <p:nvSpPr>
+          <p:cNvPr id="6" name="TextBox 5"/>
+          <p:cNvSpPr txBox="1"/>
+          <p:nvPr/>
+        </p:nvSpPr>
+        <p:spPr>
+          <a:xfrm>
+            <a:off x="6010000" y="2177091"/>
+            <a:ext cx="5471163" cy="1200329"/>
+          </a:xfrm>
+          <a:prstGeom prst="rect">
+            <a:avLst/>
+          </a:prstGeom>
+          <a:noFill/>
+        </p:spPr>
+        <p:txBody>
+          <a:bodyPr wrap="square" rtlCol="0">
+            <a:spAutoFit/>
+          </a:bodyPr>
+          <a:lstStyle/>
+          <a:p>
+            <a:r>
+              <a:rPr lang="en-US" dirty="0"/>
+              <a:t>Source 3 will imprint on emitted tracers the properties of ‘bag_1’, of type ‘plastic’. This will lead to differentiated behavior with other types (different processes) and subtypes (different parameters)</a:t>
+            </a:r>
+          </a:p>
+        </p:txBody>
+      </p:sp>
+      <p:cxnSp>
+        <p:nvCxnSpPr>
+          <p:cNvPr id="7" name="Straight Arrow Connector 6"/>
+          <p:cNvCxnSpPr>
+            <a:endCxn id="6" idx="1"/>
+          </p:cNvCxnSpPr>
+          <p:nvPr/>
+        </p:nvCxnSpPr>
+        <p:spPr>
+          <a:xfrm flipV="1">
+            <a:off x="2873829" y="2777256"/>
+            <a:ext cx="3136171" cy="1076888"/>
+          </a:xfrm>
+          <a:prstGeom prst="straightConnector1">
+            <a:avLst/>
+          </a:prstGeom>
+          <a:ln>
+            <a:tailEnd type="triangle"/>
+          </a:ln>
+        </p:spPr>
+        <p:style>
+          <a:lnRef idx="1">
+            <a:schemeClr val="dk1"/>
+          </a:lnRef>
+          <a:fillRef idx="0">
+            <a:schemeClr val="dk1"/>
+          </a:fillRef>
+          <a:effectRef idx="0">
+            <a:schemeClr val="dk1"/>
+          </a:effectRef>
+          <a:fontRef idx="minor">
+            <a:schemeClr val="tx1"/>
+          </a:fontRef>
+        </p:style>
+      </p:cxnSp>
+      <p:sp>
+        <p:nvSpPr>
+          <p:cNvPr id="9" name="TextBox 8"/>
+          <p:cNvSpPr txBox="1"/>
+          <p:nvPr/>
+        </p:nvSpPr>
+        <p:spPr>
+          <a:xfrm>
+            <a:off x="6310449" y="5010242"/>
+            <a:ext cx="5170714" cy="369332"/>
+          </a:xfrm>
+          <a:prstGeom prst="rect">
+            <a:avLst/>
+          </a:prstGeom>
+          <a:noFill/>
+        </p:spPr>
+        <p:txBody>
+          <a:bodyPr wrap="square" rtlCol="0">
+            <a:spAutoFit/>
+          </a:bodyPr>
+          <a:lstStyle/>
+          <a:p>
+            <a:r>
+              <a:rPr lang="en-US" dirty="0"/>
               <a:t>Type library file</a:t>
             </a:r>
             <a:endParaRPr lang="en-US" sz="1400" dirty="0"/>
@@ -5741,147 +6039,6 @@
 </p:sld>
 </file>
 
-<file path=ppt/slides/slide17.xml><?xml version="1.0" encoding="utf-8"?>
-<p:sld xmlns:a="http://schemas.openxmlformats.org/drawingml/2006/main" xmlns:r="http://schemas.openxmlformats.org/officeDocument/2006/relationships" xmlns:p="http://schemas.openxmlformats.org/presentationml/2006/main">
-  <p:cSld>
-    <p:spTree>
-      <p:nvGrpSpPr>
-        <p:cNvPr id="1" name=""/>
-        <p:cNvGrpSpPr/>
-        <p:nvPr/>
-      </p:nvGrpSpPr>
-      <p:grpSpPr>
-        <a:xfrm>
-          <a:off x="0" y="0"/>
-          <a:ext cx="0" cy="0"/>
-          <a:chOff x="0" y="0"/>
-          <a:chExt cx="0" cy="0"/>
-        </a:xfrm>
-      </p:grpSpPr>
-      <p:sp>
-        <p:nvSpPr>
-          <p:cNvPr id="2" name="Title 1"/>
-          <p:cNvSpPr>
-            <a:spLocks noGrp="1"/>
-          </p:cNvSpPr>
-          <p:nvPr>
-            <p:ph type="title"/>
-          </p:nvPr>
-        </p:nvSpPr>
-        <p:spPr/>
-        <p:txBody>
-          <a:bodyPr/>
-          <a:lstStyle/>
-          <a:p>
-            <a:r>
-              <a:rPr lang="en-US" dirty="0" smtClean="0"/>
-              <a:t>Case definition – useful pointers</a:t>
-            </a:r>
-            <a:endParaRPr lang="en-US" dirty="0"/>
-          </a:p>
-        </p:txBody>
-      </p:sp>
-      <p:sp>
-        <p:nvSpPr>
-          <p:cNvPr id="3" name="Content Placeholder 2"/>
-          <p:cNvSpPr>
-            <a:spLocks noGrp="1"/>
-          </p:cNvSpPr>
-          <p:nvPr>
-            <p:ph idx="1"/>
-          </p:nvPr>
-        </p:nvSpPr>
-        <p:spPr>
-          <a:xfrm>
-            <a:off x="1097280" y="2677886"/>
-            <a:ext cx="10058400" cy="3191208"/>
-          </a:xfrm>
-        </p:spPr>
-        <p:txBody>
-          <a:bodyPr>
-            <a:normAutofit/>
-          </a:bodyPr>
-          <a:lstStyle/>
-          <a:p>
-            <a:pPr>
-              <a:buFont typeface="Arial" panose="020B0604020202020204" pitchFamily="34" charset="0"/>
-              <a:buChar char="•"/>
-            </a:pPr>
-            <a:r>
-              <a:rPr lang="en-US" sz="1800" dirty="0" smtClean="0"/>
-              <a:t> File names and directories can be put in as absolute or relative paths</a:t>
-            </a:r>
-          </a:p>
-          <a:p>
-            <a:pPr>
-              <a:buFont typeface="Arial" panose="020B0604020202020204" pitchFamily="34" charset="0"/>
-              <a:buChar char="•"/>
-            </a:pPr>
-            <a:r>
-              <a:rPr lang="en-US" sz="1800" dirty="0" smtClean="0"/>
-              <a:t> The naming conventions can be imported from several files, just add another to the section to append more options</a:t>
-            </a:r>
-          </a:p>
-          <a:p>
-            <a:pPr>
-              <a:buFont typeface="Arial" panose="020B0604020202020204" pitchFamily="34" charset="0"/>
-              <a:buChar char="•"/>
-            </a:pPr>
-            <a:r>
-              <a:rPr lang="en-US" sz="1800" dirty="0"/>
-              <a:t> </a:t>
-            </a:r>
-            <a:r>
-              <a:rPr lang="en-US" sz="1800" dirty="0" smtClean="0"/>
-              <a:t> If you get an error saying a .xml file doesn’t exist while running MOHID </a:t>
-            </a:r>
-            <a:r>
-              <a:rPr lang="en-US" sz="1800" dirty="0" err="1" smtClean="0"/>
-              <a:t>Lagrangian</a:t>
-            </a:r>
-            <a:r>
-              <a:rPr lang="en-US" sz="1800" dirty="0" smtClean="0"/>
-              <a:t>, it’s probably not correctly formatted. Make sure all sections are properly open and closed (&lt;/&gt;)</a:t>
-            </a:r>
-          </a:p>
-          <a:p>
-            <a:pPr>
-              <a:buFont typeface="Arial" panose="020B0604020202020204" pitchFamily="34" charset="0"/>
-              <a:buChar char="•"/>
-            </a:pPr>
-            <a:r>
-              <a:rPr lang="en-US" sz="1800" dirty="0" smtClean="0"/>
-              <a:t> Comments and units are there for user convenience, they don’t interact with the simulation</a:t>
-            </a:r>
-          </a:p>
-          <a:p>
-            <a:pPr>
-              <a:buFont typeface="Arial" panose="020B0604020202020204" pitchFamily="34" charset="0"/>
-              <a:buChar char="•"/>
-            </a:pPr>
-            <a:endParaRPr lang="en-US" sz="1800" dirty="0" smtClean="0"/>
-          </a:p>
-          <a:p>
-            <a:pPr marL="0" indent="0">
-              <a:buNone/>
-            </a:pPr>
-            <a:endParaRPr lang="en-US" sz="1400" dirty="0" smtClean="0"/>
-          </a:p>
-        </p:txBody>
-      </p:sp>
-    </p:spTree>
-    <p:extLst>
-      <p:ext uri="{BB962C8B-B14F-4D97-AF65-F5344CB8AC3E}">
-        <p14:creationId xmlns:p14="http://schemas.microsoft.com/office/powerpoint/2010/main" val="184499758"/>
-      </p:ext>
-    </p:extLst>
-  </p:cSld>
-  <p:clrMapOvr>
-    <a:masterClrMapping/>
-  </p:clrMapOvr>
-</p:sld>
-</file>
-
 <file path=ppt/slides/slide18.xml><?xml version="1.0" encoding="utf-8"?>
 <p:sld xmlns:a="http://schemas.openxmlformats.org/drawingml/2006/main" xmlns:r="http://schemas.openxmlformats.org/officeDocument/2006/relationships" xmlns:p="http://schemas.openxmlformats.org/presentationml/2006/main">
   <p:cSld>
@@ -5915,10 +6072,9 @@
           <a:lstStyle/>
           <a:p>
             <a:r>
-              <a:rPr lang="en-US" dirty="0" smtClean="0"/>
-              <a:t>Case setup – workflow example</a:t>
-            </a:r>
-            <a:endParaRPr lang="en-US" dirty="0"/>
+              <a:rPr lang="en-US" dirty="0"/>
+              <a:t>Case definition – useful pointers</a:t>
+            </a:r>
           </a:p>
         </p:txBody>
       </p:sp>
@@ -5934,8 +6090,8 @@
         </p:nvSpPr>
         <p:spPr>
           <a:xfrm>
-            <a:off x="1097280" y="2079171"/>
-            <a:ext cx="10058400" cy="4256315"/>
+            <a:off x="1097280" y="2677886"/>
+            <a:ext cx="10058400" cy="3191208"/>
           </a:xfrm>
         </p:spPr>
         <p:txBody>
@@ -5949,16 +6105,8 @@
               <a:buChar char="•"/>
             </a:pPr>
             <a:r>
-              <a:rPr lang="en-US" sz="1800" dirty="0" smtClean="0"/>
-              <a:t>Create a directory to run your case – it will typically hold configuration, input and output files, but this is entirely up to the user. The examples directory in V0.2 is ‘</a:t>
-            </a:r>
-            <a:r>
-              <a:rPr lang="en-US" sz="1800" dirty="0" err="1" smtClean="0"/>
-              <a:t>RUN_Cases</a:t>
-            </a:r>
-            <a:r>
-              <a:rPr lang="en-US" sz="1800" dirty="0" smtClean="0"/>
-              <a:t>’. Create a ‘Test’ directory there.</a:t>
+              <a:rPr lang="en-US" sz="1800" dirty="0"/>
+              <a:t> File names and directories can be put in as absolute or relative paths</a:t>
             </a:r>
           </a:p>
           <a:p>
@@ -5966,7 +6114,10 @@
               <a:buFont typeface="Arial" panose="020B0604020202020204" pitchFamily="34" charset="0"/>
               <a:buChar char="•"/>
             </a:pPr>
-            <a:endParaRPr lang="en-US" sz="1800" dirty="0" smtClean="0"/>
+            <a:r>
+              <a:rPr lang="en-US" sz="1800" dirty="0"/>
+              <a:t> The naming conventions can be imported from several files, just add another to the section to append more options</a:t>
+            </a:r>
           </a:p>
           <a:p>
             <a:pPr>
@@ -5974,8 +6125,16 @@
               <a:buChar char="•"/>
             </a:pPr>
             <a:r>
-              <a:rPr lang="en-US" sz="1800" dirty="0" smtClean="0"/>
-              <a:t> Create a configuration .xml file inside ‘Test’. You can copy the one from ‘Arousa_2D’ and modify it:</a:t>
+              <a:rPr lang="en-US" sz="1800" dirty="0"/>
+              <a:t>  If you get an error saying a .xml file doesn’t exist while running MOHID </a:t>
+            </a:r>
+            <a:r>
+              <a:rPr lang="en-US" sz="1800" dirty="0" err="1"/>
+              <a:t>Lagrangian</a:t>
+            </a:r>
+            <a:r>
+              <a:rPr lang="en-US" sz="1800" dirty="0"/>
+              <a:t>, it’s probably not correctly formatted. Make sure all sections are properly open and closed (&lt;/&gt;)</a:t>
             </a:r>
           </a:p>
           <a:p>
@@ -5983,163 +6142,30 @@
               <a:buFont typeface="Arial" panose="020B0604020202020204" pitchFamily="34" charset="0"/>
               <a:buChar char="•"/>
             </a:pPr>
-            <a:endParaRPr lang="en-US" sz="1800" dirty="0"/>
+            <a:r>
+              <a:rPr lang="en-US" sz="1800" dirty="0"/>
+              <a:t> Comments and units are there for user convenience, they don’t interact with the simulation</a:t>
+            </a:r>
           </a:p>
           <a:p>
             <a:pPr>
               <a:buFont typeface="Arial" panose="020B0604020202020204" pitchFamily="34" charset="0"/>
               <a:buChar char="•"/>
             </a:pPr>
-            <a:endParaRPr lang="en-US" sz="1800" dirty="0" smtClean="0"/>
-          </a:p>
-          <a:p>
-            <a:pPr>
-              <a:buFont typeface="Arial" panose="020B0604020202020204" pitchFamily="34" charset="0"/>
-              <a:buChar char="•"/>
-            </a:pPr>
             <a:endParaRPr lang="en-US" sz="1800" dirty="0"/>
           </a:p>
           <a:p>
-            <a:pPr>
-              <a:buFont typeface="Arial" panose="020B0604020202020204" pitchFamily="34" charset="0"/>
-              <a:buChar char="•"/>
-            </a:pPr>
-            <a:endParaRPr lang="en-US" sz="1800" dirty="0" smtClean="0"/>
-          </a:p>
-          <a:p>
-            <a:pPr>
-              <a:buFont typeface="Arial" panose="020B0604020202020204" pitchFamily="34" charset="0"/>
-              <a:buChar char="•"/>
-            </a:pPr>
-            <a:endParaRPr lang="en-US" sz="1800" dirty="0"/>
-          </a:p>
-          <a:p>
-            <a:pPr marL="0" indent="0" algn="ctr">
-              <a:buNone/>
-            </a:pPr>
-            <a:r>
-              <a:rPr lang="en-US" sz="1800" dirty="0" smtClean="0"/>
-              <a:t>Change spatial and temporal resolutions – notice resolution can vary by direction or be uniform</a:t>
-            </a:r>
-          </a:p>
-          <a:p>
-            <a:pPr>
-              <a:buFont typeface="Arial" panose="020B0604020202020204" pitchFamily="34" charset="0"/>
-              <a:buChar char="•"/>
-            </a:pPr>
-            <a:endParaRPr lang="en-US" sz="1800" dirty="0"/>
-          </a:p>
-          <a:p>
-            <a:pPr>
-              <a:buFont typeface="Arial" panose="020B0604020202020204" pitchFamily="34" charset="0"/>
-              <a:buChar char="•"/>
-            </a:pPr>
-            <a:endParaRPr lang="en-US" sz="1800" dirty="0" smtClean="0"/>
-          </a:p>
-          <a:p>
             <a:pPr marL="0" indent="0">
               <a:buNone/>
             </a:pPr>
-            <a:endParaRPr lang="en-US" sz="1400" dirty="0" smtClean="0"/>
-          </a:p>
-        </p:txBody>
-      </p:sp>
-      <p:pic>
-        <p:nvPicPr>
-          <p:cNvPr id="4" name="Picture 3"/>
-          <p:cNvPicPr>
-            <a:picLocks noChangeAspect="1"/>
-          </p:cNvPicPr>
-          <p:nvPr/>
-        </p:nvPicPr>
-        <p:blipFill>
-          <a:blip r:embed="rId2"/>
-          <a:stretch>
-            <a:fillRect/>
-          </a:stretch>
-        </p:blipFill>
-        <p:spPr>
-          <a:xfrm>
-            <a:off x="138792" y="4071941"/>
-            <a:ext cx="5905500" cy="1000125"/>
-          </a:xfrm>
-          <a:prstGeom prst="rect">
-            <a:avLst/>
-          </a:prstGeom>
-        </p:spPr>
-      </p:pic>
-      <p:sp>
-        <p:nvSpPr>
-          <p:cNvPr id="7" name="Curved Up Arrow 6"/>
-          <p:cNvSpPr/>
-          <p:nvPr/>
-        </p:nvSpPr>
-        <p:spPr>
-          <a:xfrm>
-            <a:off x="4767943" y="5192486"/>
-            <a:ext cx="2198914" cy="489858"/>
-          </a:xfrm>
-          <a:prstGeom prst="curvedUpArrow">
-            <a:avLst/>
-          </a:prstGeom>
-        </p:spPr>
-        <p:style>
-          <a:lnRef idx="2">
-            <a:schemeClr val="accent1">
-              <a:shade val="50000"/>
-            </a:schemeClr>
-          </a:lnRef>
-          <a:fillRef idx="1">
-            <a:schemeClr val="accent1"/>
-          </a:fillRef>
-          <a:effectRef idx="0">
-            <a:schemeClr val="accent1"/>
-          </a:effectRef>
-          <a:fontRef idx="minor">
-            <a:schemeClr val="lt1"/>
-          </a:fontRef>
-        </p:style>
-        <p:txBody>
-          <a:bodyPr rtlCol="0" anchor="ctr"/>
-          <a:lstStyle/>
-          <a:p>
-            <a:pPr algn="ctr"/>
-            <a:endParaRPr lang="en-US">
-              <a:solidFill>
-                <a:schemeClr val="tx1"/>
-              </a:solidFill>
-            </a:endParaRPr>
-          </a:p>
-        </p:txBody>
-      </p:sp>
-      <p:pic>
-        <p:nvPicPr>
-          <p:cNvPr id="5" name="Picture 4"/>
-          <p:cNvPicPr>
-            <a:picLocks noChangeAspect="1"/>
-          </p:cNvPicPr>
-          <p:nvPr/>
-        </p:nvPicPr>
-        <p:blipFill>
-          <a:blip r:embed="rId3"/>
-          <a:stretch>
-            <a:fillRect/>
-          </a:stretch>
-        </p:blipFill>
-        <p:spPr>
-          <a:xfrm>
-            <a:off x="6126480" y="4151201"/>
-            <a:ext cx="6115050" cy="981075"/>
-          </a:xfrm>
-          <a:prstGeom prst="rect">
-            <a:avLst/>
-          </a:prstGeom>
-        </p:spPr>
-      </p:pic>
+            <a:endParaRPr lang="en-US" sz="1400" dirty="0"/>
+          </a:p>
+        </p:txBody>
+      </p:sp>
     </p:spTree>
     <p:extLst>
       <p:ext uri="{BB962C8B-B14F-4D97-AF65-F5344CB8AC3E}">
-        <p14:creationId xmlns:p14="http://schemas.microsoft.com/office/powerpoint/2010/main" val="193862113"/>
+        <p14:creationId xmlns:p14="http://schemas.microsoft.com/office/powerpoint/2010/main" val="184499758"/>
       </p:ext>
     </p:extLst>
   </p:cSld>
@@ -6166,9 +6192,153 @@
           <a:chExt cx="0" cy="0"/>
         </a:xfrm>
       </p:grpSpPr>
+      <p:sp>
+        <p:nvSpPr>
+          <p:cNvPr id="2" name="Title 1"/>
+          <p:cNvSpPr>
+            <a:spLocks noGrp="1"/>
+          </p:cNvSpPr>
+          <p:nvPr>
+            <p:ph type="title"/>
+          </p:nvPr>
+        </p:nvSpPr>
+        <p:spPr/>
+        <p:txBody>
+          <a:bodyPr/>
+          <a:lstStyle/>
+          <a:p>
+            <a:r>
+              <a:rPr lang="en-US" dirty="0"/>
+              <a:t>Case setup – workflow example</a:t>
+            </a:r>
+          </a:p>
+        </p:txBody>
+      </p:sp>
+      <p:sp>
+        <p:nvSpPr>
+          <p:cNvPr id="3" name="Content Placeholder 2"/>
+          <p:cNvSpPr>
+            <a:spLocks noGrp="1"/>
+          </p:cNvSpPr>
+          <p:nvPr>
+            <p:ph idx="1"/>
+          </p:nvPr>
+        </p:nvSpPr>
+        <p:spPr>
+          <a:xfrm>
+            <a:off x="1097280" y="2079171"/>
+            <a:ext cx="10058400" cy="4256315"/>
+          </a:xfrm>
+        </p:spPr>
+        <p:txBody>
+          <a:bodyPr>
+            <a:normAutofit/>
+          </a:bodyPr>
+          <a:lstStyle/>
+          <a:p>
+            <a:pPr>
+              <a:buFont typeface="Arial" panose="020B0604020202020204" pitchFamily="34" charset="0"/>
+              <a:buChar char="•"/>
+            </a:pPr>
+            <a:r>
+              <a:rPr lang="en-US" sz="1800" dirty="0"/>
+              <a:t>Create a directory to run your case – it will typically hold configuration, input and output files, but this is entirely up to the user. The examples directory in V0.2 is ‘</a:t>
+            </a:r>
+            <a:r>
+              <a:rPr lang="en-US" sz="1800" dirty="0" err="1"/>
+              <a:t>RUN_Cases</a:t>
+            </a:r>
+            <a:r>
+              <a:rPr lang="en-US" sz="1800" dirty="0"/>
+              <a:t>’. Create a ‘Test’ directory there.</a:t>
+            </a:r>
+          </a:p>
+          <a:p>
+            <a:pPr>
+              <a:buFont typeface="Arial" panose="020B0604020202020204" pitchFamily="34" charset="0"/>
+              <a:buChar char="•"/>
+            </a:pPr>
+            <a:endParaRPr lang="en-US" sz="1800" dirty="0"/>
+          </a:p>
+          <a:p>
+            <a:pPr>
+              <a:buFont typeface="Arial" panose="020B0604020202020204" pitchFamily="34" charset="0"/>
+              <a:buChar char="•"/>
+            </a:pPr>
+            <a:r>
+              <a:rPr lang="en-US" sz="1800" dirty="0"/>
+              <a:t> Create a configuration .xml file inside ‘Test’. You can copy the one from ‘Arousa_2D’ and modify it:</a:t>
+            </a:r>
+          </a:p>
+          <a:p>
+            <a:pPr>
+              <a:buFont typeface="Arial" panose="020B0604020202020204" pitchFamily="34" charset="0"/>
+              <a:buChar char="•"/>
+            </a:pPr>
+            <a:endParaRPr lang="en-US" sz="1800" dirty="0"/>
+          </a:p>
+          <a:p>
+            <a:pPr>
+              <a:buFont typeface="Arial" panose="020B0604020202020204" pitchFamily="34" charset="0"/>
+              <a:buChar char="•"/>
+            </a:pPr>
+            <a:endParaRPr lang="en-US" sz="1800" dirty="0"/>
+          </a:p>
+          <a:p>
+            <a:pPr>
+              <a:buFont typeface="Arial" panose="020B0604020202020204" pitchFamily="34" charset="0"/>
+              <a:buChar char="•"/>
+            </a:pPr>
+            <a:endParaRPr lang="en-US" sz="1800" dirty="0"/>
+          </a:p>
+          <a:p>
+            <a:pPr>
+              <a:buFont typeface="Arial" panose="020B0604020202020204" pitchFamily="34" charset="0"/>
+              <a:buChar char="•"/>
+            </a:pPr>
+            <a:endParaRPr lang="en-US" sz="1800" dirty="0"/>
+          </a:p>
+          <a:p>
+            <a:pPr>
+              <a:buFont typeface="Arial" panose="020B0604020202020204" pitchFamily="34" charset="0"/>
+              <a:buChar char="•"/>
+            </a:pPr>
+            <a:endParaRPr lang="en-US" sz="1800" dirty="0"/>
+          </a:p>
+          <a:p>
+            <a:pPr marL="0" indent="0" algn="ctr">
+              <a:buNone/>
+            </a:pPr>
+            <a:r>
+              <a:rPr lang="en-US" sz="1800" dirty="0"/>
+              <a:t>Change spatial and temporal resolutions – notice resolution can vary by direction or be uniform</a:t>
+            </a:r>
+          </a:p>
+          <a:p>
+            <a:pPr>
+              <a:buFont typeface="Arial" panose="020B0604020202020204" pitchFamily="34" charset="0"/>
+              <a:buChar char="•"/>
+            </a:pPr>
+            <a:endParaRPr lang="en-US" sz="1800" dirty="0"/>
+          </a:p>
+          <a:p>
+            <a:pPr>
+              <a:buFont typeface="Arial" panose="020B0604020202020204" pitchFamily="34" charset="0"/>
+              <a:buChar char="•"/>
+            </a:pPr>
+            <a:endParaRPr lang="en-US" sz="1800" dirty="0"/>
+          </a:p>
+          <a:p>
+            <a:pPr marL="0" indent="0">
+              <a:buNone/>
+            </a:pPr>
+            <a:endParaRPr lang="en-US" sz="1400" dirty="0"/>
+          </a:p>
+        </p:txBody>
+      </p:sp>
       <p:pic>
         <p:nvPicPr>
-          <p:cNvPr id="10" name="Picture 9"/>
+          <p:cNvPr id="4" name="Picture 3"/>
           <p:cNvPicPr>
             <a:picLocks noChangeAspect="1"/>
           </p:cNvPicPr>
@@ -6182,121 +6352,14 @@
         </p:blipFill>
         <p:spPr>
           <a:xfrm>
-            <a:off x="204652" y="4476888"/>
-            <a:ext cx="9039225" cy="1162050"/>
+            <a:off x="138792" y="4071941"/>
+            <a:ext cx="5905500" cy="1000125"/>
           </a:xfrm>
           <a:prstGeom prst="rect">
             <a:avLst/>
           </a:prstGeom>
         </p:spPr>
       </p:pic>
-      <p:pic>
-        <p:nvPicPr>
-          <p:cNvPr id="6" name="Picture 5"/>
-          <p:cNvPicPr>
-            <a:picLocks noChangeAspect="1"/>
-          </p:cNvPicPr>
-          <p:nvPr/>
-        </p:nvPicPr>
-        <p:blipFill>
-          <a:blip r:embed="rId3"/>
-          <a:stretch>
-            <a:fillRect/>
-          </a:stretch>
-        </p:blipFill>
-        <p:spPr>
-          <a:xfrm>
-            <a:off x="6394542" y="2386830"/>
-            <a:ext cx="6972300" cy="1362075"/>
-          </a:xfrm>
-          <a:prstGeom prst="rect">
-            <a:avLst/>
-          </a:prstGeom>
-        </p:spPr>
-      </p:pic>
-      <p:pic>
-        <p:nvPicPr>
-          <p:cNvPr id="4" name="Picture 3"/>
-          <p:cNvPicPr>
-            <a:picLocks noChangeAspect="1"/>
-          </p:cNvPicPr>
-          <p:nvPr/>
-        </p:nvPicPr>
-        <p:blipFill>
-          <a:blip r:embed="rId4"/>
-          <a:stretch>
-            <a:fillRect/>
-          </a:stretch>
-        </p:blipFill>
-        <p:spPr>
-          <a:xfrm>
-            <a:off x="204652" y="2453231"/>
-            <a:ext cx="6048375" cy="1181100"/>
-          </a:xfrm>
-          <a:prstGeom prst="rect">
-            <a:avLst/>
-          </a:prstGeom>
-        </p:spPr>
-      </p:pic>
-      <p:sp>
-        <p:nvSpPr>
-          <p:cNvPr id="2" name="Title 1"/>
-          <p:cNvSpPr>
-            <a:spLocks noGrp="1"/>
-          </p:cNvSpPr>
-          <p:nvPr>
-            <p:ph type="title"/>
-          </p:nvPr>
-        </p:nvSpPr>
-        <p:spPr/>
-        <p:txBody>
-          <a:bodyPr/>
-          <a:lstStyle/>
-          <a:p>
-            <a:r>
-              <a:rPr lang="en-US" dirty="0" smtClean="0"/>
-              <a:t>Case setup – workflow example</a:t>
-            </a:r>
-            <a:endParaRPr lang="en-US" dirty="0"/>
-          </a:p>
-        </p:txBody>
-      </p:sp>
-      <p:sp>
-        <p:nvSpPr>
-          <p:cNvPr id="3" name="Content Placeholder 2"/>
-          <p:cNvSpPr>
-            <a:spLocks noGrp="1"/>
-          </p:cNvSpPr>
-          <p:nvPr>
-            <p:ph idx="1"/>
-          </p:nvPr>
-        </p:nvSpPr>
-        <p:spPr>
-          <a:xfrm>
-            <a:off x="1097280" y="1872343"/>
-            <a:ext cx="10058400" cy="4463143"/>
-          </a:xfrm>
-        </p:spPr>
-        <p:txBody>
-          <a:bodyPr>
-            <a:normAutofit/>
-          </a:bodyPr>
-          <a:lstStyle/>
-          <a:p>
-            <a:pPr marL="0" indent="0">
-              <a:buNone/>
-            </a:pPr>
-            <a:r>
-              <a:rPr lang="en-US" sz="1800" dirty="0" smtClean="0"/>
-              <a:t>Make source id=3 active only after 298 seconds and change using </a:t>
-            </a:r>
-            <a:r>
-              <a:rPr lang="en-US" sz="1800" dirty="0"/>
-              <a:t>4 threads to automatic use of CPU cores </a:t>
-            </a:r>
-          </a:p>
-        </p:txBody>
-      </p:sp>
       <p:sp>
         <p:nvSpPr>
           <p:cNvPr id="7" name="Curved Up Arrow 6"/>
@@ -6305,8 +6368,8 @@
         </p:nvSpPr>
         <p:spPr>
           <a:xfrm>
-            <a:off x="4811486" y="3940357"/>
-            <a:ext cx="2198914" cy="303983"/>
+            <a:off x="4767943" y="5192486"/>
+            <a:ext cx="2198914" cy="489858"/>
           </a:xfrm>
           <a:prstGeom prst="curvedUpArrow">
             <a:avLst/>
@@ -6343,22 +6406,22 @@
       </p:sp>
       <p:pic>
         <p:nvPicPr>
-          <p:cNvPr id="12" name="Picture 11"/>
+          <p:cNvPr id="5" name="Picture 4"/>
           <p:cNvPicPr>
             <a:picLocks noChangeAspect="1"/>
           </p:cNvPicPr>
           <p:nvPr/>
         </p:nvPicPr>
         <p:blipFill>
-          <a:blip r:embed="rId5"/>
+          <a:blip r:embed="rId3"/>
           <a:stretch>
             <a:fillRect/>
           </a:stretch>
         </p:blipFill>
         <p:spPr>
           <a:xfrm>
-            <a:off x="5792561" y="4467363"/>
-            <a:ext cx="7791450" cy="1181100"/>
+            <a:off x="6126480" y="4151201"/>
+            <a:ext cx="6115050" cy="981075"/>
           </a:xfrm>
           <a:prstGeom prst="rect">
             <a:avLst/>
@@ -6368,7 +6431,7 @@
     </p:spTree>
     <p:extLst>
       <p:ext uri="{BB962C8B-B14F-4D97-AF65-F5344CB8AC3E}">
-        <p14:creationId xmlns:p14="http://schemas.microsoft.com/office/powerpoint/2010/main" val="302253034"/>
+        <p14:creationId xmlns:p14="http://schemas.microsoft.com/office/powerpoint/2010/main" val="193862113"/>
       </p:ext>
     </p:extLst>
   </p:cSld>
@@ -6411,10 +6474,9 @@
           <a:lstStyle/>
           <a:p>
             <a:r>
-              <a:rPr lang="en-US" dirty="0" smtClean="0"/>
+              <a:rPr lang="en-US" dirty="0"/>
               <a:t>Contents</a:t>
             </a:r>
-            <a:endParaRPr lang="en-US" dirty="0"/>
           </a:p>
         </p:txBody>
       </p:sp>
@@ -6440,7 +6502,7 @@
               <a:buChar char="•"/>
             </a:pPr>
             <a:r>
-              <a:rPr lang="en-US" sz="3200" dirty="0" smtClean="0"/>
+              <a:rPr lang="en-US" sz="3200" dirty="0"/>
               <a:t> Context &amp; features</a:t>
             </a:r>
           </a:p>
@@ -6451,11 +6513,7 @@
             </a:pPr>
             <a:r>
               <a:rPr lang="en-US" sz="3200" dirty="0"/>
-              <a:t> </a:t>
-            </a:r>
-            <a:r>
-              <a:rPr lang="en-US" sz="3200" dirty="0" smtClean="0"/>
-              <a:t>Requirements</a:t>
+              <a:t> Requirements</a:t>
             </a:r>
           </a:p>
           <a:p>
@@ -6464,12 +6522,8 @@
               <a:buChar char="•"/>
             </a:pPr>
             <a:r>
-              <a:rPr lang="en-US" sz="3200" dirty="0" smtClean="0"/>
-              <a:t> Input </a:t>
-            </a:r>
-            <a:r>
-              <a:rPr lang="en-US" sz="3200" dirty="0" smtClean="0"/>
-              <a:t>files</a:t>
+              <a:rPr lang="en-US" sz="3200" dirty="0"/>
+              <a:t> Input files</a:t>
             </a:r>
           </a:p>
           <a:p>
@@ -6478,16 +6532,8 @@
               <a:buChar char="•"/>
             </a:pPr>
             <a:r>
-              <a:rPr lang="en-US" sz="3200" dirty="0" smtClean="0"/>
-              <a:t> Case </a:t>
-            </a:r>
-            <a:r>
-              <a:rPr lang="en-US" sz="3200" dirty="0" smtClean="0"/>
-              <a:t>setup and </a:t>
-            </a:r>
-            <a:r>
-              <a:rPr lang="en-US" sz="3200" dirty="0" smtClean="0"/>
-              <a:t>example</a:t>
+              <a:rPr lang="en-US" sz="3200" dirty="0"/>
+              <a:t> Case setup and example</a:t>
             </a:r>
           </a:p>
           <a:p>
@@ -6496,18 +6542,9 @@
               <a:buChar char="•"/>
             </a:pPr>
             <a:r>
-              <a:rPr lang="en-US" sz="3200" dirty="0" smtClean="0"/>
-              <a:t> How </a:t>
-            </a:r>
-            <a:r>
               <a:rPr lang="en-US" sz="3200" dirty="0"/>
-              <a:t>to run a </a:t>
-            </a:r>
-            <a:r>
-              <a:rPr lang="en-US" sz="3200" dirty="0" smtClean="0"/>
-              <a:t>simulation</a:t>
-            </a:r>
-            <a:endParaRPr lang="en-US" sz="3200" dirty="0" smtClean="0"/>
+              <a:t> How to run a simulation</a:t>
+            </a:r>
           </a:p>
           <a:p>
             <a:pPr>
@@ -6515,7 +6552,7 @@
               <a:buChar char="•"/>
             </a:pPr>
             <a:r>
-              <a:rPr lang="en-US" sz="3200" dirty="0" smtClean="0"/>
+              <a:rPr lang="en-US" sz="3200" dirty="0"/>
               <a:t> Outputs</a:t>
             </a:r>
           </a:p>
@@ -6525,11 +6562,11 @@
               <a:buChar char="•"/>
             </a:pPr>
             <a:r>
-              <a:rPr lang="en-US" sz="3200" dirty="0" smtClean="0"/>
+              <a:rPr lang="en-US" sz="3200" dirty="0"/>
               <a:t> </a:t>
             </a:r>
             <a:r>
-              <a:rPr lang="en-US" sz="3200" dirty="0" err="1" smtClean="0"/>
+              <a:rPr lang="en-US" sz="3200" dirty="0" err="1"/>
               <a:t>Postprocessing</a:t>
             </a:r>
             <a:endParaRPr lang="en-US" sz="3200" dirty="0"/>
@@ -6566,6 +6603,78 @@
           <a:chExt cx="0" cy="0"/>
         </a:xfrm>
       </p:grpSpPr>
+      <p:pic>
+        <p:nvPicPr>
+          <p:cNvPr id="10" name="Picture 9"/>
+          <p:cNvPicPr>
+            <a:picLocks noChangeAspect="1"/>
+          </p:cNvPicPr>
+          <p:nvPr/>
+        </p:nvPicPr>
+        <p:blipFill>
+          <a:blip r:embed="rId2"/>
+          <a:stretch>
+            <a:fillRect/>
+          </a:stretch>
+        </p:blipFill>
+        <p:spPr>
+          <a:xfrm>
+            <a:off x="204652" y="4476888"/>
+            <a:ext cx="9039225" cy="1162050"/>
+          </a:xfrm>
+          <a:prstGeom prst="rect">
+            <a:avLst/>
+          </a:prstGeom>
+        </p:spPr>
+      </p:pic>
+      <p:pic>
+        <p:nvPicPr>
+          <p:cNvPr id="6" name="Picture 5"/>
+          <p:cNvPicPr>
+            <a:picLocks noChangeAspect="1"/>
+          </p:cNvPicPr>
+          <p:nvPr/>
+        </p:nvPicPr>
+        <p:blipFill>
+          <a:blip r:embed="rId3"/>
+          <a:stretch>
+            <a:fillRect/>
+          </a:stretch>
+        </p:blipFill>
+        <p:spPr>
+          <a:xfrm>
+            <a:off x="6394542" y="2386830"/>
+            <a:ext cx="6972300" cy="1362075"/>
+          </a:xfrm>
+          <a:prstGeom prst="rect">
+            <a:avLst/>
+          </a:prstGeom>
+        </p:spPr>
+      </p:pic>
+      <p:pic>
+        <p:nvPicPr>
+          <p:cNvPr id="4" name="Picture 3"/>
+          <p:cNvPicPr>
+            <a:picLocks noChangeAspect="1"/>
+          </p:cNvPicPr>
+          <p:nvPr/>
+        </p:nvPicPr>
+        <p:blipFill>
+          <a:blip r:embed="rId4"/>
+          <a:stretch>
+            <a:fillRect/>
+          </a:stretch>
+        </p:blipFill>
+        <p:spPr>
+          <a:xfrm>
+            <a:off x="204652" y="2453231"/>
+            <a:ext cx="6048375" cy="1181100"/>
+          </a:xfrm>
+          <a:prstGeom prst="rect">
+            <a:avLst/>
+          </a:prstGeom>
+        </p:spPr>
+      </p:pic>
       <p:sp>
         <p:nvSpPr>
           <p:cNvPr id="2" name="Title 1"/>
@@ -6582,10 +6691,9 @@
           <a:lstStyle/>
           <a:p>
             <a:r>
-              <a:rPr lang="en-US" dirty="0" smtClean="0"/>
+              <a:rPr lang="en-US" dirty="0"/>
               <a:t>Case setup – workflow example</a:t>
             </a:r>
-            <a:endParaRPr lang="en-US" dirty="0"/>
           </a:p>
         </p:txBody>
       </p:sp>
@@ -6615,31 +6723,74 @@
               <a:buNone/>
             </a:pPr>
             <a:r>
-              <a:rPr lang="en-US" sz="1800" dirty="0" smtClean="0"/>
-              <a:t>Notice you can set an arbitrary amount of active intervals, both is relative time (seconds from the beginning of the simulation) or absolute with dates</a:t>
-            </a:r>
-            <a:endParaRPr lang="en-US" sz="1800" dirty="0"/>
+              <a:rPr lang="en-US" sz="1800" dirty="0"/>
+              <a:t>Make source id=3 active only after 298 seconds and change using 4 threads to automatic use of CPU cores </a:t>
+            </a:r>
+          </a:p>
+        </p:txBody>
+      </p:sp>
+      <p:sp>
+        <p:nvSpPr>
+          <p:cNvPr id="7" name="Curved Up Arrow 6"/>
+          <p:cNvSpPr/>
+          <p:nvPr/>
+        </p:nvSpPr>
+        <p:spPr>
+          <a:xfrm>
+            <a:off x="4811486" y="3940357"/>
+            <a:ext cx="2198914" cy="303983"/>
+          </a:xfrm>
+          <a:prstGeom prst="curvedUpArrow">
+            <a:avLst/>
+          </a:prstGeom>
+        </p:spPr>
+        <p:style>
+          <a:lnRef idx="2">
+            <a:schemeClr val="accent1">
+              <a:shade val="50000"/>
+            </a:schemeClr>
+          </a:lnRef>
+          <a:fillRef idx="1">
+            <a:schemeClr val="accent1"/>
+          </a:fillRef>
+          <a:effectRef idx="0">
+            <a:schemeClr val="accent1"/>
+          </a:effectRef>
+          <a:fontRef idx="minor">
+            <a:schemeClr val="lt1"/>
+          </a:fontRef>
+        </p:style>
+        <p:txBody>
+          <a:bodyPr rtlCol="0" anchor="ctr"/>
+          <a:lstStyle/>
+          <a:p>
+            <a:pPr algn="ctr"/>
+            <a:endParaRPr lang="en-US">
+              <a:solidFill>
+                <a:schemeClr val="tx1"/>
+              </a:solidFill>
+            </a:endParaRPr>
           </a:p>
         </p:txBody>
       </p:sp>
       <p:pic>
         <p:nvPicPr>
-          <p:cNvPr id="4" name="Picture 3"/>
+          <p:cNvPr id="12" name="Picture 11"/>
           <p:cNvPicPr>
             <a:picLocks noChangeAspect="1"/>
           </p:cNvPicPr>
           <p:nvPr/>
         </p:nvPicPr>
         <p:blipFill>
-          <a:blip r:embed="rId2"/>
+          <a:blip r:embed="rId5"/>
           <a:stretch>
             <a:fillRect/>
           </a:stretch>
         </p:blipFill>
         <p:spPr>
           <a:xfrm>
-            <a:off x="108857" y="3178095"/>
-            <a:ext cx="12192000" cy="2091124"/>
+            <a:off x="5792561" y="4467363"/>
+            <a:ext cx="7791450" cy="1181100"/>
           </a:xfrm>
           <a:prstGeom prst="rect">
             <a:avLst/>
@@ -6649,7 +6800,7 @@
     </p:spTree>
     <p:extLst>
       <p:ext uri="{BB962C8B-B14F-4D97-AF65-F5344CB8AC3E}">
-        <p14:creationId xmlns:p14="http://schemas.microsoft.com/office/powerpoint/2010/main" val="3698633475"/>
+        <p14:creationId xmlns:p14="http://schemas.microsoft.com/office/powerpoint/2010/main" val="302253034"/>
       </p:ext>
     </p:extLst>
   </p:cSld>
@@ -6692,10 +6843,9 @@
           <a:lstStyle/>
           <a:p>
             <a:r>
-              <a:rPr lang="en-US" dirty="0" smtClean="0"/>
+              <a:rPr lang="en-US" dirty="0"/>
               <a:t>Case setup – workflow example</a:t>
             </a:r>
-            <a:endParaRPr lang="en-US" dirty="0"/>
           </a:p>
         </p:txBody>
       </p:sp>
@@ -6725,34 +6875,9 @@
               <a:buNone/>
             </a:pPr>
             <a:r>
-              <a:rPr lang="en-US" sz="1800" dirty="0" smtClean="0"/>
-              <a:t>What about input files?</a:t>
-            </a:r>
-          </a:p>
-          <a:p>
-            <a:pPr marL="0" indent="0">
-              <a:buNone/>
-            </a:pPr>
-            <a:r>
-              <a:rPr lang="en-US" sz="1800" dirty="0" smtClean="0"/>
-              <a:t>You can either copy all of the files to the new directory, or put the paths of where they already are in the configuration file.</a:t>
-            </a:r>
-            <a:endParaRPr lang="en-US" sz="1800" dirty="0"/>
-          </a:p>
-          <a:p>
-            <a:pPr marL="0" indent="0">
-              <a:buNone/>
-            </a:pPr>
-            <a:r>
-              <a:rPr lang="en-US" sz="1800" dirty="0" smtClean="0"/>
-              <a:t>Using relative paths to the old directory:</a:t>
-            </a:r>
-          </a:p>
-          <a:p>
-            <a:pPr marL="0" indent="0">
-              <a:buNone/>
-            </a:pPr>
-            <a:endParaRPr lang="en-US" sz="1800" dirty="0"/>
+              <a:rPr lang="en-US" sz="1800" dirty="0"/>
+              <a:t>Notice you can set an arbitrary amount of active intervals, both is relative time (seconds from the beginning of the simulation) or absolute with dates</a:t>
+            </a:r>
           </a:p>
         </p:txBody>
       </p:sp>
@@ -6772,80 +6897,8 @@
         </p:blipFill>
         <p:spPr>
           <a:xfrm>
-            <a:off x="3013165" y="3328782"/>
-            <a:ext cx="4867275" cy="504825"/>
-          </a:xfrm>
-          <a:prstGeom prst="rect">
-            <a:avLst/>
-          </a:prstGeom>
-        </p:spPr>
-      </p:pic>
-      <p:pic>
-        <p:nvPicPr>
-          <p:cNvPr id="6" name="Picture 5"/>
-          <p:cNvPicPr>
-            <a:picLocks noChangeAspect="1"/>
-          </p:cNvPicPr>
-          <p:nvPr/>
-        </p:nvPicPr>
-        <p:blipFill>
-          <a:blip r:embed="rId3"/>
-          <a:stretch>
-            <a:fillRect/>
-          </a:stretch>
-        </p:blipFill>
-        <p:spPr>
-          <a:xfrm>
-            <a:off x="3013165" y="3900009"/>
-            <a:ext cx="6591300" cy="1009650"/>
-          </a:xfrm>
-          <a:prstGeom prst="rect">
-            <a:avLst/>
-          </a:prstGeom>
-        </p:spPr>
-      </p:pic>
-      <p:pic>
-        <p:nvPicPr>
-          <p:cNvPr id="10" name="Picture 9"/>
-          <p:cNvPicPr>
-            <a:picLocks noChangeAspect="1"/>
-          </p:cNvPicPr>
-          <p:nvPr/>
-        </p:nvPicPr>
-        <p:blipFill>
-          <a:blip r:embed="rId4"/>
-          <a:stretch>
-            <a:fillRect/>
-          </a:stretch>
-        </p:blipFill>
-        <p:spPr>
-          <a:xfrm>
-            <a:off x="3013165" y="4976062"/>
-            <a:ext cx="5829300" cy="1657350"/>
-          </a:xfrm>
-          <a:prstGeom prst="rect">
-            <a:avLst/>
-          </a:prstGeom>
-        </p:spPr>
-      </p:pic>
-      <p:pic>
-        <p:nvPicPr>
-          <p:cNvPr id="5" name="Picture 4"/>
-          <p:cNvPicPr>
-            <a:picLocks noChangeAspect="1"/>
-          </p:cNvPicPr>
-          <p:nvPr/>
-        </p:nvPicPr>
-        <p:blipFill>
-          <a:blip r:embed="rId5"/>
-          <a:stretch>
-            <a:fillRect/>
-          </a:stretch>
-        </p:blipFill>
-        <p:spPr>
-          <a:xfrm>
-            <a:off x="7641634" y="3466758"/>
-            <a:ext cx="1876425" cy="266700"/>
+            <a:off x="108857" y="3178095"/>
+            <a:ext cx="12192000" cy="2091124"/>
           </a:xfrm>
           <a:prstGeom prst="rect">
             <a:avLst/>
@@ -6855,7 +6908,7 @@
     </p:spTree>
     <p:extLst>
       <p:ext uri="{BB962C8B-B14F-4D97-AF65-F5344CB8AC3E}">
-        <p14:creationId xmlns:p14="http://schemas.microsoft.com/office/powerpoint/2010/main" val="1262103311"/>
+        <p14:creationId xmlns:p14="http://schemas.microsoft.com/office/powerpoint/2010/main" val="3698633475"/>
       </p:ext>
     </p:extLst>
   </p:cSld>
@@ -6898,10 +6951,9 @@
           <a:lstStyle/>
           <a:p>
             <a:r>
-              <a:rPr lang="en-US" dirty="0" smtClean="0"/>
+              <a:rPr lang="en-US" dirty="0"/>
               <a:t>Case setup – workflow example</a:t>
             </a:r>
-            <a:endParaRPr lang="en-US" dirty="0"/>
           </a:p>
         </p:txBody>
       </p:sp>
@@ -6931,8 +6983,8 @@
               <a:buNone/>
             </a:pPr>
             <a:r>
-              <a:rPr lang="en-US" sz="1800" dirty="0" smtClean="0"/>
-              <a:t>What about different input files?</a:t>
+              <a:rPr lang="en-US" sz="1800" dirty="0"/>
+              <a:t>What about input files?</a:t>
             </a:r>
           </a:p>
           <a:p>
@@ -6940,8 +6992,8 @@
               <a:buNone/>
             </a:pPr>
             <a:r>
-              <a:rPr lang="en-US" sz="1800" dirty="0" smtClean="0"/>
-              <a:t>You must tag the directory containing the files with the type – hydrodynamic, waves, meteorology, water properties…</a:t>
+              <a:rPr lang="en-US" sz="1800" dirty="0"/>
+              <a:t>You can either copy all of the files to the new directory, or put the paths of where they already are in the configuration file.</a:t>
             </a:r>
           </a:p>
           <a:p>
@@ -6949,52 +7001,14 @@
               <a:buNone/>
             </a:pPr>
             <a:r>
-              <a:rPr lang="en-US" sz="1800" dirty="0" smtClean="0"/>
-              <a:t>This is so they are correctly imported and used accordingly. You can set an arbitrary number of input directories, of any type. All valid .</a:t>
-            </a:r>
-            <a:r>
-              <a:rPr lang="en-US" sz="1800" dirty="0" err="1" smtClean="0"/>
-              <a:t>nc</a:t>
-            </a:r>
-            <a:r>
-              <a:rPr lang="en-US" sz="1800" dirty="0" smtClean="0"/>
-              <a:t> or .nc4 files under those (or under subdirectories) will be listed for import and used if needed.</a:t>
+              <a:rPr lang="en-US" sz="1800" dirty="0"/>
+              <a:t>Using relative paths to the old directory:</a:t>
             </a:r>
           </a:p>
           <a:p>
             <a:pPr marL="0" indent="0">
               <a:buNone/>
             </a:pPr>
-            <a:endParaRPr lang="en-US" sz="1800" dirty="0"/>
-          </a:p>
-          <a:p>
-            <a:pPr marL="0" indent="0">
-              <a:buNone/>
-            </a:pPr>
-            <a:endParaRPr lang="en-US" sz="1800" dirty="0" smtClean="0"/>
-          </a:p>
-          <a:p>
-            <a:pPr marL="0" indent="0">
-              <a:buNone/>
-            </a:pPr>
-            <a:endParaRPr lang="en-US" sz="1800" dirty="0"/>
-          </a:p>
-          <a:p>
-            <a:pPr marL="0" indent="0">
-              <a:buNone/>
-            </a:pPr>
-            <a:r>
-              <a:rPr lang="en-US" sz="1800" dirty="0" smtClean="0"/>
-              <a:t>V0.2 does NOT support multiple domains (either fitted or overlapping). All files of the same type must be from the same mesh. You can use different spatial and temporal </a:t>
-            </a:r>
-            <a:r>
-              <a:rPr lang="en-US" sz="1800" dirty="0" err="1" smtClean="0"/>
-              <a:t>discretizations</a:t>
-            </a:r>
-            <a:r>
-              <a:rPr lang="en-US" sz="1800" dirty="0" smtClean="0"/>
-              <a:t> across file types (the hydrodynamic solution can be 3D full north Atlantic and the meteorology is 2D and cover only a section of it, for example). </a:t>
-            </a:r>
             <a:endParaRPr lang="en-US" sz="1800" dirty="0"/>
           </a:p>
         </p:txBody>
@@ -7015,8 +7029,80 @@
         </p:blipFill>
         <p:spPr>
           <a:xfrm>
-            <a:off x="2909208" y="3936547"/>
-            <a:ext cx="5676900" cy="1162050"/>
+            <a:off x="3013165" y="3328782"/>
+            <a:ext cx="4867275" cy="504825"/>
+          </a:xfrm>
+          <a:prstGeom prst="rect">
+            <a:avLst/>
+          </a:prstGeom>
+        </p:spPr>
+      </p:pic>
+      <p:pic>
+        <p:nvPicPr>
+          <p:cNvPr id="6" name="Picture 5"/>
+          <p:cNvPicPr>
+            <a:picLocks noChangeAspect="1"/>
+          </p:cNvPicPr>
+          <p:nvPr/>
+        </p:nvPicPr>
+        <p:blipFill>
+          <a:blip r:embed="rId3"/>
+          <a:stretch>
+            <a:fillRect/>
+          </a:stretch>
+        </p:blipFill>
+        <p:spPr>
+          <a:xfrm>
+            <a:off x="3013165" y="3900009"/>
+            <a:ext cx="6591300" cy="1009650"/>
+          </a:xfrm>
+          <a:prstGeom prst="rect">
+            <a:avLst/>
+          </a:prstGeom>
+        </p:spPr>
+      </p:pic>
+      <p:pic>
+        <p:nvPicPr>
+          <p:cNvPr id="10" name="Picture 9"/>
+          <p:cNvPicPr>
+            <a:picLocks noChangeAspect="1"/>
+          </p:cNvPicPr>
+          <p:nvPr/>
+        </p:nvPicPr>
+        <p:blipFill>
+          <a:blip r:embed="rId4"/>
+          <a:stretch>
+            <a:fillRect/>
+          </a:stretch>
+        </p:blipFill>
+        <p:spPr>
+          <a:xfrm>
+            <a:off x="3013165" y="4976062"/>
+            <a:ext cx="5829300" cy="1657350"/>
+          </a:xfrm>
+          <a:prstGeom prst="rect">
+            <a:avLst/>
+          </a:prstGeom>
+        </p:spPr>
+      </p:pic>
+      <p:pic>
+        <p:nvPicPr>
+          <p:cNvPr id="5" name="Picture 4"/>
+          <p:cNvPicPr>
+            <a:picLocks noChangeAspect="1"/>
+          </p:cNvPicPr>
+          <p:nvPr/>
+        </p:nvPicPr>
+        <p:blipFill>
+          <a:blip r:embed="rId5"/>
+          <a:stretch>
+            <a:fillRect/>
+          </a:stretch>
+        </p:blipFill>
+        <p:spPr>
+          <a:xfrm>
+            <a:off x="7641634" y="3466758"/>
+            <a:ext cx="1876425" cy="266700"/>
           </a:xfrm>
           <a:prstGeom prst="rect">
             <a:avLst/>
@@ -7026,7 +7112,7 @@
     </p:spTree>
     <p:extLst>
       <p:ext uri="{BB962C8B-B14F-4D97-AF65-F5344CB8AC3E}">
-        <p14:creationId xmlns:p14="http://schemas.microsoft.com/office/powerpoint/2010/main" val="4221249848"/>
+        <p14:creationId xmlns:p14="http://schemas.microsoft.com/office/powerpoint/2010/main" val="1262103311"/>
       </p:ext>
     </p:extLst>
   </p:cSld>
@@ -7070,9 +7156,8 @@
           <a:p>
             <a:r>
               <a:rPr lang="en-US" dirty="0"/>
-              <a:t>How to run a simulation</a:t>
-            </a:r>
-            <a:endParaRPr lang="en-US" dirty="0"/>
+              <a:t>Case setup – workflow example</a:t>
+            </a:r>
           </a:p>
         </p:txBody>
       </p:sp>
@@ -7088,8 +7173,8 @@
         </p:nvSpPr>
         <p:spPr>
           <a:xfrm>
-            <a:off x="685799" y="1872343"/>
-            <a:ext cx="10929257" cy="4463143"/>
+            <a:off x="1097280" y="1872343"/>
+            <a:ext cx="10058400" cy="4463143"/>
           </a:xfrm>
         </p:spPr>
         <p:txBody>
@@ -7102,16 +7187,8 @@
               <a:buNone/>
             </a:pPr>
             <a:r>
-              <a:rPr lang="en-US" sz="1800" dirty="0" smtClean="0"/>
-              <a:t>How do I now run MOHID </a:t>
-            </a:r>
-            <a:r>
-              <a:rPr lang="en-US" sz="1800" dirty="0" err="1" smtClean="0"/>
-              <a:t>Lagrangian</a:t>
-            </a:r>
-            <a:r>
-              <a:rPr lang="en-US" sz="1800" dirty="0" smtClean="0"/>
-              <a:t>?</a:t>
+              <a:rPr lang="en-US" sz="1800" dirty="0"/>
+              <a:t>What about different input files?</a:t>
             </a:r>
           </a:p>
           <a:p>
@@ -7119,100 +7196,67 @@
               <a:buNone/>
             </a:pPr>
             <a:r>
-              <a:rPr lang="en-US" sz="1800" dirty="0" smtClean="0"/>
-              <a:t>The typical chain is data – setup – preprocessor – MOHID </a:t>
-            </a:r>
-            <a:r>
-              <a:rPr lang="en-US" sz="1800" dirty="0" err="1" smtClean="0"/>
-              <a:t>Lagrangian</a:t>
-            </a:r>
-            <a:r>
               <a:rPr lang="en-US" sz="1800" dirty="0"/>
-              <a:t> </a:t>
-            </a:r>
-            <a:r>
-              <a:rPr lang="en-US" sz="1800" dirty="0" smtClean="0"/>
-              <a:t>- postprocessor</a:t>
-            </a:r>
-            <a:br>
-              <a:rPr lang="en-US" sz="1800" dirty="0" smtClean="0"/>
-            </a:br>
-            <a:endParaRPr lang="en-US" sz="1800" dirty="0" smtClean="0"/>
+              <a:t>You must tag the directory containing the files with the type – hydrodynamic, waves, meteorology, water properties…</a:t>
+            </a:r>
           </a:p>
           <a:p>
             <a:pPr marL="0" indent="0">
               <a:buNone/>
             </a:pPr>
             <a:r>
-              <a:rPr lang="en-US" sz="1800" dirty="0" smtClean="0"/>
-              <a:t>In the examples there are windows (.bat) and </a:t>
-            </a:r>
-            <a:r>
-              <a:rPr lang="en-US" sz="1800" dirty="0" err="1" smtClean="0"/>
-              <a:t>unix</a:t>
-            </a:r>
-            <a:r>
-              <a:rPr lang="en-US" sz="1800" dirty="0" smtClean="0"/>
-              <a:t> (.</a:t>
-            </a:r>
-            <a:r>
-              <a:rPr lang="en-US" sz="1800" dirty="0" err="1" smtClean="0"/>
-              <a:t>sh</a:t>
-            </a:r>
-            <a:r>
-              <a:rPr lang="en-US" sz="1800" dirty="0" smtClean="0"/>
-              <a:t>) scripts to run the </a:t>
-            </a:r>
-            <a:r>
-              <a:rPr lang="en-US" sz="1800" dirty="0" smtClean="0"/>
-              <a:t>these steps </a:t>
-            </a:r>
-            <a:r>
-              <a:rPr lang="en-US" sz="1800" dirty="0" smtClean="0"/>
-              <a:t>for </a:t>
-            </a:r>
-            <a:r>
-              <a:rPr lang="en-US" sz="1800" dirty="0" smtClean="0"/>
-              <a:t>a given case</a:t>
-            </a:r>
-            <a:r>
-              <a:rPr lang="en-US" sz="1800" dirty="0" smtClean="0"/>
-              <a:t>, as well as separate ones to run post processing, that can be used while a simulation is running.</a:t>
-            </a:r>
-            <a:endParaRPr lang="en-US" sz="1800" dirty="0" smtClean="0"/>
+              <a:rPr lang="en-US" sz="1800" dirty="0"/>
+              <a:t>This is so they are correctly imported and used accordingly. You can set an arbitrary number of input directories, of any type. All valid .</a:t>
+            </a:r>
+            <a:r>
+              <a:rPr lang="en-US" sz="1800" dirty="0" err="1"/>
+              <a:t>nc</a:t>
+            </a:r>
+            <a:r>
+              <a:rPr lang="en-US" sz="1800" dirty="0"/>
+              <a:t> or .nc4 files under those (or under subdirectories) will be listed for import and used if needed.</a:t>
+            </a:r>
           </a:p>
           <a:p>
             <a:pPr marL="0" indent="0">
               <a:buNone/>
             </a:pPr>
-            <a:r>
-              <a:rPr lang="en-US" sz="1800" dirty="0" smtClean="0"/>
-              <a:t>You </a:t>
-            </a:r>
-            <a:r>
-              <a:rPr lang="en-US" sz="1800" dirty="0" smtClean="0"/>
-              <a:t>need to </a:t>
-            </a:r>
-            <a:r>
-              <a:rPr lang="en-US" sz="1800" dirty="0" smtClean="0"/>
-              <a:t>make </a:t>
-            </a:r>
-            <a:r>
-              <a:rPr lang="en-US" sz="1800" dirty="0" smtClean="0"/>
-              <a:t>sure your configuration file name is correct and the directory to the executables are well set.  </a:t>
-            </a:r>
+            <a:endParaRPr lang="en-US" sz="1800" dirty="0"/>
           </a:p>
           <a:p>
             <a:pPr marL="0" indent="0">
               <a:buNone/>
             </a:pPr>
             <a:endParaRPr lang="en-US" sz="1800" dirty="0"/>
+          </a:p>
+          <a:p>
+            <a:pPr marL="0" indent="0">
+              <a:buNone/>
+            </a:pPr>
+            <a:endParaRPr lang="en-US" sz="1800" dirty="0"/>
+          </a:p>
+          <a:p>
+            <a:pPr marL="0" indent="0">
+              <a:buNone/>
+            </a:pPr>
+            <a:r>
+              <a:rPr lang="en-US" sz="1800" dirty="0"/>
+              <a:t>V0.2 does NOT support multiple domains (either fitted or overlapping). All files of the same type must be from the same mesh. You can use different spatial and temporal </a:t>
+            </a:r>
+            <a:r>
+              <a:rPr lang="en-US" sz="1800" dirty="0" err="1"/>
+              <a:t>discretizations</a:t>
+            </a:r>
+            <a:r>
+              <a:rPr lang="en-US" sz="1800" dirty="0"/>
+              <a:t> across file types (the hydrodynamic solution can be 3D full north Atlantic and the meteorology is 2D and cover only a section of it, for example). </a:t>
+            </a:r>
           </a:p>
         </p:txBody>
       </p:sp>
       <p:pic>
         <p:nvPicPr>
-          <p:cNvPr id="5" name="Picture 4"/>
+          <p:cNvPr id="4" name="Picture 3"/>
           <p:cNvPicPr>
             <a:picLocks noChangeAspect="1"/>
           </p:cNvPicPr>
@@ -7226,6 +7270,183 @@
         </p:blipFill>
         <p:spPr>
           <a:xfrm>
+            <a:off x="2909208" y="3936547"/>
+            <a:ext cx="5676900" cy="1162050"/>
+          </a:xfrm>
+          <a:prstGeom prst="rect">
+            <a:avLst/>
+          </a:prstGeom>
+        </p:spPr>
+      </p:pic>
+    </p:spTree>
+    <p:extLst>
+      <p:ext uri="{BB962C8B-B14F-4D97-AF65-F5344CB8AC3E}">
+        <p14:creationId xmlns:p14="http://schemas.microsoft.com/office/powerpoint/2010/main" val="4221249848"/>
+      </p:ext>
+    </p:extLst>
+  </p:cSld>
+  <p:clrMapOvr>
+    <a:masterClrMapping/>
+  </p:clrMapOvr>
+</p:sld>
+</file>
+
+<file path=ppt/slides/slide24.xml><?xml version="1.0" encoding="utf-8"?>
+<p:sld xmlns:a="http://schemas.openxmlformats.org/drawingml/2006/main" xmlns:r="http://schemas.openxmlformats.org/officeDocument/2006/relationships" xmlns:p="http://schemas.openxmlformats.org/presentationml/2006/main">
+  <p:cSld>
+    <p:spTree>
+      <p:nvGrpSpPr>
+        <p:cNvPr id="1" name=""/>
+        <p:cNvGrpSpPr/>
+        <p:nvPr/>
+      </p:nvGrpSpPr>
+      <p:grpSpPr>
+        <a:xfrm>
+          <a:off x="0" y="0"/>
+          <a:ext cx="0" cy="0"/>
+          <a:chOff x="0" y="0"/>
+          <a:chExt cx="0" cy="0"/>
+        </a:xfrm>
+      </p:grpSpPr>
+      <p:sp>
+        <p:nvSpPr>
+          <p:cNvPr id="2" name="Title 1"/>
+          <p:cNvSpPr>
+            <a:spLocks noGrp="1"/>
+          </p:cNvSpPr>
+          <p:nvPr>
+            <p:ph type="title"/>
+          </p:nvPr>
+        </p:nvSpPr>
+        <p:spPr/>
+        <p:txBody>
+          <a:bodyPr/>
+          <a:lstStyle/>
+          <a:p>
+            <a:r>
+              <a:rPr lang="en-US" dirty="0"/>
+              <a:t>How to run a simulation</a:t>
+            </a:r>
+          </a:p>
+        </p:txBody>
+      </p:sp>
+      <p:sp>
+        <p:nvSpPr>
+          <p:cNvPr id="3" name="Content Placeholder 2"/>
+          <p:cNvSpPr>
+            <a:spLocks noGrp="1"/>
+          </p:cNvSpPr>
+          <p:nvPr>
+            <p:ph idx="1"/>
+          </p:nvPr>
+        </p:nvSpPr>
+        <p:spPr>
+          <a:xfrm>
+            <a:off x="685799" y="1872343"/>
+            <a:ext cx="10929257" cy="4463143"/>
+          </a:xfrm>
+        </p:spPr>
+        <p:txBody>
+          <a:bodyPr>
+            <a:normAutofit/>
+          </a:bodyPr>
+          <a:lstStyle/>
+          <a:p>
+            <a:pPr marL="0" indent="0">
+              <a:buNone/>
+            </a:pPr>
+            <a:r>
+              <a:rPr lang="en-US" sz="1800" dirty="0"/>
+              <a:t>How do I now run MOHID </a:t>
+            </a:r>
+            <a:r>
+              <a:rPr lang="en-US" sz="1800" dirty="0" err="1"/>
+              <a:t>Lagrangian</a:t>
+            </a:r>
+            <a:r>
+              <a:rPr lang="en-US" sz="1800" dirty="0"/>
+              <a:t>?</a:t>
+            </a:r>
+          </a:p>
+          <a:p>
+            <a:pPr marL="0" indent="0">
+              <a:buNone/>
+            </a:pPr>
+            <a:r>
+              <a:rPr lang="en-US" sz="1800" dirty="0"/>
+              <a:t>The typical chain is data – setup – preprocessor – MOHID </a:t>
+            </a:r>
+            <a:r>
+              <a:rPr lang="en-US" sz="1800" dirty="0" err="1"/>
+              <a:t>Lagrangian</a:t>
+            </a:r>
+            <a:r>
+              <a:rPr lang="en-US" sz="1800" dirty="0"/>
+              <a:t> - postprocessor</a:t>
+            </a:r>
+            <a:br>
+              <a:rPr lang="en-US" sz="1800" dirty="0"/>
+            </a:br>
+            <a:endParaRPr lang="en-US" sz="1800" dirty="0"/>
+          </a:p>
+          <a:p>
+            <a:pPr marL="0" indent="0">
+              <a:buNone/>
+            </a:pPr>
+            <a:r>
+              <a:rPr lang="en-US" sz="1800" dirty="0"/>
+              <a:t>In the examples there are windows (.bat) and </a:t>
+            </a:r>
+            <a:r>
+              <a:rPr lang="en-US" sz="1800" dirty="0" err="1"/>
+              <a:t>unix</a:t>
+            </a:r>
+            <a:r>
+              <a:rPr lang="en-US" sz="1800" dirty="0"/>
+              <a:t> (.</a:t>
+            </a:r>
+            <a:r>
+              <a:rPr lang="en-US" sz="1800" dirty="0" err="1"/>
+              <a:t>sh</a:t>
+            </a:r>
+            <a:r>
+              <a:rPr lang="en-US" sz="1800" dirty="0"/>
+              <a:t>) scripts to run the these steps for a given case, as well as separate ones to run post processing, that can be used while a simulation is running.</a:t>
+            </a:r>
+          </a:p>
+          <a:p>
+            <a:pPr marL="0" indent="0">
+              <a:buNone/>
+            </a:pPr>
+            <a:r>
+              <a:rPr lang="en-US" sz="1800" dirty="0"/>
+              <a:t>You need to make sure your configuration file name is correct and the directory to the executables are well set.  </a:t>
+            </a:r>
+          </a:p>
+          <a:p>
+            <a:pPr marL="0" indent="0">
+              <a:buNone/>
+            </a:pPr>
+            <a:endParaRPr lang="en-US" sz="1800" dirty="0"/>
+          </a:p>
+        </p:txBody>
+      </p:sp>
+      <p:pic>
+        <p:nvPicPr>
+          <p:cNvPr id="5" name="Picture 4"/>
+          <p:cNvPicPr>
+            <a:picLocks noChangeAspect="1"/>
+          </p:cNvPicPr>
+          <p:nvPr/>
+        </p:nvPicPr>
+        <p:blipFill>
+          <a:blip r:embed="rId2"/>
+          <a:stretch>
+            <a:fillRect/>
+          </a:stretch>
+        </p:blipFill>
+        <p:spPr>
+          <a:xfrm>
             <a:off x="1526721" y="4103914"/>
             <a:ext cx="5219700" cy="1952625"/>
           </a:xfrm>
@@ -7257,14 +7478,9 @@
           <a:lstStyle/>
           <a:p>
             <a:r>
-              <a:rPr lang="en-US" dirty="0" smtClean="0"/>
-              <a:t>Name of the case and configuration file (the name of your main .xml </a:t>
-            </a:r>
-            <a:r>
-              <a:rPr lang="en-US" dirty="0" smtClean="0"/>
-              <a:t>file)</a:t>
-            </a:r>
-            <a:endParaRPr lang="en-US" dirty="0"/>
+              <a:rPr lang="en-US" dirty="0"/>
+              <a:t>Name of the case and configuration file (the name of your main .xml file)</a:t>
+            </a:r>
           </a:p>
         </p:txBody>
       </p:sp>
@@ -7291,10 +7507,9 @@
           <a:lstStyle/>
           <a:p>
             <a:r>
-              <a:rPr lang="en-US" dirty="0" smtClean="0"/>
+              <a:rPr lang="en-US" dirty="0"/>
               <a:t>Path to the executables</a:t>
             </a:r>
-            <a:endParaRPr lang="en-US" dirty="0"/>
           </a:p>
         </p:txBody>
       </p:sp>
@@ -7412,7 +7627,7 @@
 </p:sld>
 </file>
 
-<file path=ppt/slides/slide24.xml><?xml version="1.0" encoding="utf-8"?>
+<file path=ppt/slides/slide25.xml><?xml version="1.0" encoding="utf-8"?>
 <p:sld xmlns:a="http://schemas.openxmlformats.org/drawingml/2006/main" xmlns:r="http://schemas.openxmlformats.org/officeDocument/2006/relationships" xmlns:p="http://schemas.openxmlformats.org/presentationml/2006/main">
   <p:cSld>
     <p:spTree>
@@ -7471,7 +7686,6 @@
               <a:rPr lang="en-US" dirty="0"/>
               <a:t>How to run a simulation</a:t>
             </a:r>
-            <a:endParaRPr lang="en-US" dirty="0"/>
           </a:p>
         </p:txBody>
       </p:sp>
@@ -7500,7 +7714,7 @@
             <a:pPr marL="0" indent="0">
               <a:buNone/>
             </a:pPr>
-            <a:endParaRPr lang="en-US" sz="1800" dirty="0" smtClean="0"/>
+            <a:endParaRPr lang="en-US" sz="1800" dirty="0"/>
           </a:p>
           <a:p>
             <a:pPr marL="0" indent="0">
@@ -7533,14 +7747,9 @@
           <a:lstStyle/>
           <a:p>
             <a:r>
-              <a:rPr lang="en-US" dirty="0" smtClean="0"/>
-              <a:t>Name of the case and configuration file (the name of your main .xml </a:t>
-            </a:r>
-            <a:r>
-              <a:rPr lang="en-US" dirty="0" smtClean="0"/>
-              <a:t>file, all you need to change in this script to run another case)</a:t>
-            </a:r>
-            <a:endParaRPr lang="en-US" dirty="0"/>
+              <a:rPr lang="en-US" dirty="0"/>
+              <a:t>Name of the case and configuration file (the name of your main .xml file, all you need to change in this script to run another case)</a:t>
+            </a:r>
           </a:p>
         </p:txBody>
       </p:sp>
@@ -7567,18 +7776,9 @@
           <a:lstStyle/>
           <a:p>
             <a:r>
-              <a:rPr lang="en-US" dirty="0" smtClean="0"/>
-              <a:t>Path to the </a:t>
-            </a:r>
-            <a:r>
-              <a:rPr lang="en-US" dirty="0" smtClean="0"/>
-              <a:t>executables – change this </a:t>
-            </a:r>
-            <a:r>
-              <a:rPr lang="en-US" dirty="0" smtClean="0"/>
-              <a:t>to point to the executables if you want to run your cases in some other directory tree</a:t>
-            </a:r>
-            <a:endParaRPr lang="en-US" dirty="0"/>
+              <a:rPr lang="en-US" dirty="0"/>
+              <a:t>Path to the executables – change this to point to the executables if you want to run your cases in some other directory tree</a:t>
+            </a:r>
           </a:p>
         </p:txBody>
       </p:sp>
@@ -7739,10 +7939,9 @@
           <a:lstStyle/>
           <a:p>
             <a:r>
-              <a:rPr lang="en-US" dirty="0" smtClean="0"/>
+              <a:rPr lang="en-US" dirty="0"/>
               <a:t>Creates the output directory – deletes old results if they are present!</a:t>
             </a:r>
-            <a:endParaRPr lang="en-US" dirty="0"/>
           </a:p>
         </p:txBody>
       </p:sp>
@@ -7802,18 +8001,17 @@
           <a:lstStyle/>
           <a:p>
             <a:r>
-              <a:rPr lang="en-US" dirty="0" smtClean="0"/>
+              <a:rPr lang="en-US" dirty="0"/>
               <a:t>Running pre processor, MOHID </a:t>
             </a:r>
             <a:r>
-              <a:rPr lang="en-US" dirty="0" err="1" smtClean="0"/>
+              <a:rPr lang="en-US" dirty="0" err="1"/>
               <a:t>Lagrangian</a:t>
             </a:r>
             <a:r>
-              <a:rPr lang="en-US" dirty="0" smtClean="0"/>
+              <a:rPr lang="en-US" dirty="0"/>
               <a:t> and post processor</a:t>
             </a:r>
-            <a:endParaRPr lang="en-US" dirty="0"/>
           </a:p>
         </p:txBody>
       </p:sp>
@@ -7929,7 +8127,7 @@
 </p:sld>
 </file>
 
-<file path=ppt/slides/slide25.xml><?xml version="1.0" encoding="utf-8"?>
+<file path=ppt/slides/slide26.xml><?xml version="1.0" encoding="utf-8"?>
 <p:sld xmlns:a="http://schemas.openxmlformats.org/drawingml/2006/main" xmlns:r="http://schemas.openxmlformats.org/officeDocument/2006/relationships" xmlns:p="http://schemas.openxmlformats.org/presentationml/2006/main">
   <p:cSld>
     <p:spTree>
@@ -7962,10 +8160,9 @@
           <a:lstStyle/>
           <a:p>
             <a:r>
-              <a:rPr lang="en-US" dirty="0" smtClean="0"/>
+              <a:rPr lang="en-US" dirty="0"/>
               <a:t>Outputs</a:t>
             </a:r>
-            <a:endParaRPr lang="en-US" dirty="0"/>
           </a:p>
         </p:txBody>
       </p:sp>
@@ -7995,7 +8192,7 @@
               <a:buNone/>
             </a:pPr>
             <a:r>
-              <a:rPr lang="en-US" sz="1800" dirty="0" smtClean="0"/>
+              <a:rPr lang="en-US" sz="1800" dirty="0"/>
               <a:t>An output directory will be created (or emptied if it already exists), with the same name as the case, appended with ‘_out’.</a:t>
             </a:r>
           </a:p>
@@ -8010,7 +8207,7 @@
               <a:buNone/>
             </a:pPr>
             <a:r>
-              <a:rPr lang="en-US" sz="1800" dirty="0" smtClean="0"/>
+              <a:rPr lang="en-US" sz="1800" dirty="0"/>
               <a:t>In there several files will be created:</a:t>
             </a:r>
           </a:p>
@@ -8020,7 +8217,7 @@
               <a:buChar char="•"/>
             </a:pPr>
             <a:r>
-              <a:rPr lang="en-US" sz="1800" dirty="0" smtClean="0"/>
+              <a:rPr lang="en-US" sz="1800" dirty="0"/>
               <a:t> A copy of your case configuration file</a:t>
             </a:r>
           </a:p>
@@ -8030,16 +8227,8 @@
               <a:buChar char="•"/>
             </a:pPr>
             <a:r>
-              <a:rPr lang="en-US" sz="1800" dirty="0" smtClean="0"/>
-              <a:t> A </a:t>
-            </a:r>
-            <a:r>
               <a:rPr lang="en-US" sz="1800" dirty="0"/>
-              <a:t>‘casename’</a:t>
-            </a:r>
-            <a:r>
-              <a:rPr lang="en-US" sz="1800" dirty="0" smtClean="0"/>
-              <a:t>.log file with all of the console output</a:t>
+              <a:t> A ‘casename’.log file with all of the console output</a:t>
             </a:r>
           </a:p>
           <a:p>
@@ -8049,11 +8238,7 @@
             </a:pPr>
             <a:r>
               <a:rPr lang="en-US" sz="1800" dirty="0"/>
-              <a:t> </a:t>
-            </a:r>
-            <a:r>
-              <a:rPr lang="en-US" sz="1800" dirty="0" smtClean="0"/>
-              <a:t>A preprocessor output called ‘casename’_inputs.xml</a:t>
+              <a:t> A preprocessor output called ‘casename’_inputs.xml</a:t>
             </a:r>
           </a:p>
           <a:p>
@@ -8062,15 +8247,15 @@
               <a:buChar char="•"/>
             </a:pPr>
             <a:r>
-              <a:rPr lang="en-US" sz="1800" dirty="0" smtClean="0"/>
+              <a:rPr lang="en-US" sz="1800" dirty="0"/>
               <a:t> A Bounding box and blocks .</a:t>
             </a:r>
             <a:r>
-              <a:rPr lang="en-US" sz="1800" dirty="0" err="1" smtClean="0"/>
+              <a:rPr lang="en-US" sz="1800" dirty="0" err="1"/>
               <a:t>vtu</a:t>
             </a:r>
             <a:r>
-              <a:rPr lang="en-US" sz="1800" dirty="0" smtClean="0"/>
+              <a:rPr lang="en-US" sz="1800" dirty="0"/>
               <a:t> files (these are just for visualization)</a:t>
             </a:r>
           </a:p>
@@ -8080,15 +8265,15 @@
               <a:buChar char="•"/>
             </a:pPr>
             <a:r>
-              <a:rPr lang="en-US" sz="1800" dirty="0" smtClean="0"/>
+              <a:rPr lang="en-US" sz="1800" dirty="0"/>
               <a:t> A series of .</a:t>
             </a:r>
             <a:r>
-              <a:rPr lang="en-US" sz="1800" dirty="0" err="1" smtClean="0"/>
+              <a:rPr lang="en-US" sz="1800" dirty="0" err="1"/>
               <a:t>vtu</a:t>
             </a:r>
             <a:r>
-              <a:rPr lang="en-US" sz="1800" dirty="0" smtClean="0"/>
+              <a:rPr lang="en-US" sz="1800" dirty="0"/>
               <a:t> files with simulation heavy data (all the particles and variables)</a:t>
             </a:r>
           </a:p>
@@ -8098,15 +8283,15 @@
               <a:buChar char="•"/>
             </a:pPr>
             <a:r>
-              <a:rPr lang="en-US" sz="1800" dirty="0" smtClean="0"/>
+              <a:rPr lang="en-US" sz="1800" dirty="0"/>
               <a:t> A .</a:t>
             </a:r>
             <a:r>
-              <a:rPr lang="en-US" sz="1800" dirty="0" err="1" smtClean="0"/>
+              <a:rPr lang="en-US" sz="1800" dirty="0" err="1"/>
               <a:t>pdv</a:t>
             </a:r>
             <a:r>
-              <a:rPr lang="en-US" sz="1800" dirty="0" smtClean="0"/>
+              <a:rPr lang="en-US" sz="1800" dirty="0"/>
               <a:t> file, with simulation light data (indexes and time-stamps heavy data)</a:t>
             </a:r>
           </a:p>
@@ -8116,7 +8301,7 @@
               <a:buChar char="•"/>
             </a:pPr>
             <a:r>
-              <a:rPr lang="en-US" sz="1800" dirty="0" smtClean="0"/>
+              <a:rPr lang="en-US" sz="1800" dirty="0"/>
               <a:t> A directory for each post processing request, with processed data </a:t>
             </a:r>
           </a:p>
@@ -8125,14 +8310,14 @@
               <a:buFont typeface="Arial" panose="020B0604020202020204" pitchFamily="34" charset="0"/>
               <a:buChar char="•"/>
             </a:pPr>
-            <a:endParaRPr lang="en-US" sz="1800" dirty="0" smtClean="0"/>
+            <a:endParaRPr lang="en-US" sz="1800" dirty="0"/>
           </a:p>
           <a:p>
             <a:pPr>
               <a:buFont typeface="Arial" panose="020B0604020202020204" pitchFamily="34" charset="0"/>
               <a:buChar char="•"/>
             </a:pPr>
-            <a:endParaRPr lang="en-US" sz="1800" dirty="0" smtClean="0"/>
+            <a:endParaRPr lang="en-US" sz="1800" dirty="0"/>
           </a:p>
           <a:p>
             <a:pPr marL="0" indent="0">
@@ -8165,18 +8350,17 @@
           <a:lstStyle/>
           <a:p>
             <a:r>
-              <a:rPr lang="en-US" dirty="0" smtClean="0"/>
+              <a:rPr lang="en-US" dirty="0"/>
               <a:t>You need </a:t>
             </a:r>
             <a:r>
-              <a:rPr lang="en-US" dirty="0" err="1" smtClean="0"/>
+              <a:rPr lang="en-US" dirty="0" err="1"/>
               <a:t>Paraview</a:t>
             </a:r>
             <a:r>
-              <a:rPr lang="en-US" dirty="0" smtClean="0"/>
+              <a:rPr lang="en-US" dirty="0"/>
               <a:t> to plot this</a:t>
             </a:r>
-            <a:endParaRPr lang="en-US" dirty="0"/>
           </a:p>
         </p:txBody>
       </p:sp>
@@ -8242,26 +8426,25 @@
           <a:p>
             <a:pPr algn="just"/>
             <a:r>
-              <a:rPr lang="en-US" dirty="0" smtClean="0"/>
+              <a:rPr lang="en-US" dirty="0"/>
               <a:t>This lists and sorts all of the input </a:t>
             </a:r>
             <a:r>
-              <a:rPr lang="en-US" dirty="0" err="1" smtClean="0"/>
+              <a:rPr lang="en-US" dirty="0" err="1"/>
               <a:t>NetCDF</a:t>
             </a:r>
             <a:r>
-              <a:rPr lang="en-US" dirty="0" smtClean="0"/>
+              <a:rPr lang="en-US" dirty="0"/>
               <a:t> files so MOHID </a:t>
             </a:r>
             <a:r>
-              <a:rPr lang="en-US" dirty="0" err="1" smtClean="0"/>
+              <a:rPr lang="en-US" dirty="0" err="1"/>
               <a:t>Lagrangian</a:t>
             </a:r>
             <a:r>
-              <a:rPr lang="en-US" dirty="0" smtClean="0"/>
+              <a:rPr lang="en-US" dirty="0"/>
               <a:t> know what to read. It also shows the dates of the files, so you can correct your configuration start and end dates based on this output.</a:t>
             </a:r>
-            <a:endParaRPr lang="en-US" dirty="0"/>
           </a:p>
         </p:txBody>
       </p:sp>
@@ -8313,7 +8496,7 @@
 </p:sld>
 </file>
 
-<file path=ppt/slides/slide26.xml><?xml version="1.0" encoding="utf-8"?>
+<file path=ppt/slides/slide27.xml><?xml version="1.0" encoding="utf-8"?>
 <p:sld xmlns:a="http://schemas.openxmlformats.org/drawingml/2006/main" xmlns:r="http://schemas.openxmlformats.org/officeDocument/2006/relationships" xmlns:p="http://schemas.openxmlformats.org/presentationml/2006/main">
   <p:cSld>
     <p:spTree>
@@ -8346,11 +8529,11 @@
           <a:lstStyle/>
           <a:p>
             <a:r>
-              <a:rPr lang="en-US" dirty="0" smtClean="0"/>
+              <a:rPr lang="en-US" dirty="0"/>
               <a:t>Outputs – Using </a:t>
             </a:r>
             <a:r>
-              <a:rPr lang="en-US" dirty="0" err="1" smtClean="0"/>
+              <a:rPr lang="en-US" dirty="0" err="1"/>
               <a:t>Paraview</a:t>
             </a:r>
             <a:endParaRPr lang="en-US" dirty="0"/>
@@ -8383,31 +8566,31 @@
               <a:buNone/>
             </a:pPr>
             <a:r>
-              <a:rPr lang="en-US" sz="1800" dirty="0" smtClean="0"/>
+              <a:rPr lang="en-US" sz="1800" dirty="0"/>
               <a:t>Plenty of </a:t>
             </a:r>
             <a:r>
-              <a:rPr lang="en-US" sz="1800" dirty="0" err="1" smtClean="0"/>
+              <a:rPr lang="en-US" sz="1800" dirty="0" err="1"/>
               <a:t>Paraview</a:t>
             </a:r>
             <a:r>
-              <a:rPr lang="en-US" sz="1800" dirty="0" smtClean="0"/>
+              <a:rPr lang="en-US" sz="1800" dirty="0"/>
               <a:t> tutorials exist online, it is a mature software and is used by many to view, post-process, explore and render scientific spatial data. It is useful in our context – it reads </a:t>
             </a:r>
             <a:r>
-              <a:rPr lang="en-US" sz="1800" dirty="0" err="1" smtClean="0"/>
+              <a:rPr lang="en-US" sz="1800" dirty="0" err="1"/>
               <a:t>NetCDF</a:t>
             </a:r>
             <a:r>
-              <a:rPr lang="en-US" sz="1800" dirty="0" smtClean="0"/>
+              <a:rPr lang="en-US" sz="1800" dirty="0"/>
               <a:t> CF files and can read our output files (.</a:t>
             </a:r>
             <a:r>
-              <a:rPr lang="en-US" sz="1800" dirty="0" err="1" smtClean="0"/>
+              <a:rPr lang="en-US" sz="1800" dirty="0" err="1"/>
               <a:t>vtu</a:t>
             </a:r>
             <a:r>
-              <a:rPr lang="en-US" sz="1800" dirty="0" smtClean="0"/>
+              <a:rPr lang="en-US" sz="1800" dirty="0"/>
               <a:t>) with millions of particles on screen.</a:t>
             </a:r>
           </a:p>
@@ -8421,7 +8604,7 @@
             <a:pPr marL="0" indent="0">
               <a:buNone/>
             </a:pPr>
-            <a:endParaRPr lang="en-US" sz="1800" dirty="0" smtClean="0"/>
+            <a:endParaRPr lang="en-US" sz="1800" dirty="0"/>
           </a:p>
           <a:p>
             <a:pPr marL="0" indent="0">
@@ -8454,11 +8637,11 @@
           <a:lstStyle/>
           <a:p>
             <a:r>
-              <a:rPr lang="en-US" dirty="0" smtClean="0"/>
+              <a:rPr lang="en-US" dirty="0"/>
               <a:t>Open </a:t>
             </a:r>
             <a:r>
-              <a:rPr lang="en-US" dirty="0" err="1" smtClean="0"/>
+              <a:rPr lang="en-US" dirty="0" err="1"/>
               <a:t>Paraview</a:t>
             </a:r>
             <a:endParaRPr lang="en-US" dirty="0"/>
@@ -8488,10 +8671,9 @@
           <a:lstStyle/>
           <a:p>
             <a:r>
-              <a:rPr lang="en-US" dirty="0" smtClean="0"/>
+              <a:rPr lang="en-US" dirty="0"/>
               <a:t>Open Files</a:t>
             </a:r>
-            <a:endParaRPr lang="en-US" dirty="0"/>
           </a:p>
         </p:txBody>
       </p:sp>
@@ -8518,10 +8700,9 @@
           <a:lstStyle/>
           <a:p>
             <a:r>
-              <a:rPr lang="en-US" dirty="0" smtClean="0"/>
+              <a:rPr lang="en-US" dirty="0"/>
               <a:t>Simulation ended?</a:t>
             </a:r>
-            <a:endParaRPr lang="en-US" dirty="0"/>
           </a:p>
         </p:txBody>
       </p:sp>
@@ -8548,18 +8729,17 @@
           <a:lstStyle/>
           <a:p>
             <a:r>
-              <a:rPr lang="en-US" dirty="0" smtClean="0"/>
+              <a:rPr lang="en-US" dirty="0"/>
               <a:t>Open .</a:t>
             </a:r>
             <a:r>
-              <a:rPr lang="en-US" dirty="0" err="1" smtClean="0"/>
+              <a:rPr lang="en-US" dirty="0" err="1"/>
               <a:t>pdv</a:t>
             </a:r>
             <a:r>
-              <a:rPr lang="en-US" dirty="0" smtClean="0"/>
+              <a:rPr lang="en-US" dirty="0"/>
               <a:t> file</a:t>
             </a:r>
-            <a:endParaRPr lang="en-US" dirty="0"/>
           </a:p>
         </p:txBody>
       </p:sp>
@@ -8586,10 +8766,9 @@
           <a:lstStyle/>
           <a:p>
             <a:r>
-              <a:rPr lang="en-US" dirty="0" smtClean="0"/>
+              <a:rPr lang="en-US" dirty="0"/>
               <a:t>Open series of .vu files</a:t>
             </a:r>
-            <a:endParaRPr lang="en-US" dirty="0"/>
           </a:p>
         </p:txBody>
       </p:sp>
@@ -8616,10 +8795,9 @@
           <a:lstStyle/>
           <a:p>
             <a:r>
-              <a:rPr lang="en-US" dirty="0" smtClean="0"/>
+              <a:rPr lang="en-US" dirty="0"/>
               <a:t>no</a:t>
             </a:r>
-            <a:endParaRPr lang="en-US" dirty="0"/>
           </a:p>
         </p:txBody>
       </p:sp>
@@ -8646,10 +8824,9 @@
           <a:lstStyle/>
           <a:p>
             <a:r>
-              <a:rPr lang="en-US" dirty="0" smtClean="0"/>
+              <a:rPr lang="en-US" dirty="0"/>
               <a:t>yes</a:t>
             </a:r>
-            <a:endParaRPr lang="en-US" dirty="0"/>
           </a:p>
         </p:txBody>
       </p:sp>
@@ -8882,7 +9059,7 @@
 </p:sld>
 </file>
 
-<file path=ppt/slides/slide27.xml><?xml version="1.0" encoding="utf-8"?>
+<file path=ppt/slides/slide28.xml><?xml version="1.0" encoding="utf-8"?>
 <p:sld xmlns:a="http://schemas.openxmlformats.org/drawingml/2006/main" xmlns:r="http://schemas.openxmlformats.org/officeDocument/2006/relationships" xmlns:p="http://schemas.openxmlformats.org/presentationml/2006/main">
   <p:cSld>
     <p:spTree>
@@ -8915,18 +9092,17 @@
           <a:lstStyle/>
           <a:p>
             <a:r>
-              <a:rPr lang="en-US" dirty="0" smtClean="0"/>
+              <a:rPr lang="en-US" dirty="0"/>
               <a:t>Outputs – Using </a:t>
             </a:r>
             <a:r>
-              <a:rPr lang="en-US" dirty="0" err="1" smtClean="0"/>
+              <a:rPr lang="en-US" dirty="0" err="1"/>
               <a:t>Paraview</a:t>
             </a:r>
             <a:r>
-              <a:rPr lang="en-US" dirty="0" smtClean="0"/>
+              <a:rPr lang="en-US" dirty="0"/>
               <a:t> - tips</a:t>
             </a:r>
-            <a:endParaRPr lang="en-US" dirty="0"/>
           </a:p>
         </p:txBody>
       </p:sp>
@@ -8957,11 +9133,11 @@
               <a:buChar char="•"/>
             </a:pPr>
             <a:r>
-              <a:rPr lang="en-US" sz="1800" dirty="0" err="1" smtClean="0"/>
+              <a:rPr lang="en-US" sz="1800" dirty="0" err="1"/>
               <a:t>Paraview</a:t>
             </a:r>
             <a:r>
-              <a:rPr lang="en-US" sz="1800" dirty="0" smtClean="0"/>
+              <a:rPr lang="en-US" sz="1800" dirty="0"/>
               <a:t> is coordinate system agnostic – This means that our horizontal units (degrees) are not compatible with our vertical units (m) – apply a transform filter and scale your data on the horizontal dimension so it looks appropriate.</a:t>
             </a:r>
           </a:p>
@@ -8970,7 +9146,7 @@
               <a:buFont typeface="Arial" panose="020B0604020202020204" pitchFamily="34" charset="0"/>
               <a:buChar char="•"/>
             </a:pPr>
-            <a:endParaRPr lang="en-US" sz="1800" dirty="0" smtClean="0"/>
+            <a:endParaRPr lang="en-US" sz="1800" dirty="0"/>
           </a:p>
           <a:p>
             <a:pPr>
@@ -8979,18 +9155,14 @@
             </a:pPr>
             <a:r>
               <a:rPr lang="en-US" sz="1800" dirty="0"/>
-              <a:t> </a:t>
-            </a:r>
-            <a:r>
-              <a:rPr lang="en-US" sz="1800" dirty="0" smtClean="0"/>
-              <a:t>At the moment animating currents and particles simultaneously (synchronized in time) is not trivial – Our time stamp is fixed (seconds since 1950-01-01) and the time stamp of the input </a:t>
-            </a:r>
-            <a:r>
-              <a:rPr lang="en-US" sz="1800" dirty="0" err="1" smtClean="0"/>
+              <a:t> At the moment animating currents and particles simultaneously (synchronized in time) is not trivial – Our time stamp is fixed (seconds since 1950-01-01) and the time stamp of the input </a:t>
+            </a:r>
+            <a:r>
+              <a:rPr lang="en-US" sz="1800" dirty="0" err="1"/>
               <a:t>NetCDF</a:t>
             </a:r>
             <a:r>
-              <a:rPr lang="en-US" sz="1800" dirty="0" smtClean="0"/>
+              <a:rPr lang="en-US" sz="1800" dirty="0"/>
               <a:t> may be different, or with different units (hours instead of seconds). Use NCO to change the input to match or wait for further post-processing tools</a:t>
             </a:r>
           </a:p>
@@ -8999,7 +9171,7 @@
               <a:buFont typeface="Arial" panose="020B0604020202020204" pitchFamily="34" charset="0"/>
               <a:buChar char="•"/>
             </a:pPr>
-            <a:endParaRPr lang="en-US" sz="1800" dirty="0" smtClean="0"/>
+            <a:endParaRPr lang="en-US" sz="1800" dirty="0"/>
           </a:p>
           <a:p>
             <a:pPr>
@@ -9007,11 +9179,11 @@
               <a:buChar char="•"/>
             </a:pPr>
             <a:r>
-              <a:rPr lang="en-US" sz="1800" dirty="0" err="1" smtClean="0"/>
+              <a:rPr lang="en-US" sz="1800" dirty="0" err="1"/>
               <a:t>Ploting</a:t>
             </a:r>
             <a:r>
-              <a:rPr lang="en-US" sz="1800" dirty="0" smtClean="0"/>
+              <a:rPr lang="en-US" sz="1800" dirty="0"/>
               <a:t> the bathymetry in 3D (if available on a </a:t>
             </a:r>
             <a:r>
@@ -9020,45 +9192,41 @@
             </a:r>
             <a:r>
               <a:rPr lang="en-US" sz="1800" dirty="0"/>
-              <a:t> </a:t>
-            </a:r>
-            <a:r>
-              <a:rPr lang="en-US" sz="1800" dirty="0" smtClean="0"/>
-              <a:t>file): read the file, set dimensions to the 2D plane (</a:t>
-            </a:r>
-            <a:r>
-              <a:rPr lang="en-US" sz="1800" dirty="0" err="1" smtClean="0"/>
+              <a:t> file): read the file, set dimensions to the 2D plane (</a:t>
+            </a:r>
+            <a:r>
+              <a:rPr lang="en-US" sz="1800" dirty="0" err="1"/>
               <a:t>lon</a:t>
             </a:r>
             <a:r>
-              <a:rPr lang="en-US" sz="1800" dirty="0" smtClean="0"/>
+              <a:rPr lang="en-US" sz="1800" dirty="0"/>
               <a:t>, </a:t>
             </a:r>
             <a:r>
-              <a:rPr lang="en-US" sz="1800" dirty="0" err="1" smtClean="0"/>
+              <a:rPr lang="en-US" sz="1800" dirty="0" err="1"/>
               <a:t>lat</a:t>
             </a:r>
             <a:r>
-              <a:rPr lang="en-US" sz="1800" dirty="0" smtClean="0"/>
+              <a:rPr lang="en-US" sz="1800" dirty="0"/>
               <a:t> typically), not as spherical coordinates. Use the </a:t>
             </a:r>
             <a:r>
-              <a:rPr lang="en-US" sz="1800" i="1" dirty="0" smtClean="0"/>
+              <a:rPr lang="en-US" sz="1800" i="1" dirty="0"/>
               <a:t>warp by scalar</a:t>
             </a:r>
             <a:r>
-              <a:rPr lang="en-US" sz="1800" dirty="0" smtClean="0"/>
+              <a:rPr lang="en-US" sz="1800" dirty="0"/>
               <a:t> filter to deform the bathymetry field using a given scale.</a:t>
             </a:r>
           </a:p>
           <a:p>
-            <a:endParaRPr lang="en-US" sz="1800" dirty="0" smtClean="0"/>
+            <a:endParaRPr lang="en-US" sz="1800" dirty="0"/>
           </a:p>
           <a:p>
             <a:pPr marL="0" indent="0">
               <a:buNone/>
             </a:pPr>
-            <a:endParaRPr lang="en-US" sz="1800" dirty="0" smtClean="0"/>
+            <a:endParaRPr lang="en-US" sz="1800" dirty="0"/>
           </a:p>
           <a:p>
             <a:pPr marL="0" indent="0">
@@ -9340,21 +9508,21 @@
               <a:buFont typeface="Calibri" panose="020F0502020204030204" pitchFamily="34" charset="0"/>
               <a:buNone/>
             </a:pPr>
-            <a:endParaRPr lang="en-US" sz="1800" dirty="0" smtClean="0"/>
+            <a:endParaRPr lang="en-US" sz="1800" dirty="0"/>
           </a:p>
           <a:p>
             <a:pPr marL="0" indent="0">
               <a:buFont typeface="Calibri" panose="020F0502020204030204" pitchFamily="34" charset="0"/>
               <a:buNone/>
             </a:pPr>
-            <a:endParaRPr lang="en-US" sz="1800" dirty="0" smtClean="0"/>
+            <a:endParaRPr lang="en-US" sz="1800" dirty="0"/>
           </a:p>
           <a:p>
             <a:pPr marL="0" indent="0">
               <a:buFont typeface="Calibri" panose="020F0502020204030204" pitchFamily="34" charset="0"/>
               <a:buNone/>
             </a:pPr>
-            <a:endParaRPr lang="en-US" sz="1800" dirty="0" smtClean="0"/>
+            <a:endParaRPr lang="en-US" sz="1800" dirty="0"/>
           </a:p>
           <a:p>
             <a:pPr marL="0" indent="0">
@@ -9378,7 +9546,7 @@
 </p:sld>
 </file>
 
-<file path=ppt/slides/slide28.xml><?xml version="1.0" encoding="utf-8"?>
+<file path=ppt/slides/slide29.xml><?xml version="1.0" encoding="utf-8"?>
 <p:sld xmlns:a="http://schemas.openxmlformats.org/drawingml/2006/main" xmlns:r="http://schemas.openxmlformats.org/officeDocument/2006/relationships" xmlns:p="http://schemas.openxmlformats.org/presentationml/2006/main">
   <p:cSld>
     <p:spTree>
@@ -9411,10 +9579,9 @@
           <a:lstStyle/>
           <a:p>
             <a:r>
-              <a:rPr lang="en-US" dirty="0" smtClean="0"/>
+              <a:rPr lang="en-US" dirty="0"/>
               <a:t>Post processing</a:t>
             </a:r>
-            <a:endParaRPr lang="en-US" dirty="0"/>
           </a:p>
         </p:txBody>
       </p:sp>
@@ -9445,15 +9612,15 @@
               <a:buChar char="•"/>
             </a:pPr>
             <a:r>
-              <a:rPr lang="en-US" sz="1800" dirty="0" smtClean="0"/>
+              <a:rPr lang="en-US" sz="1800" dirty="0"/>
               <a:t>At the moment, to explore raw data  </a:t>
             </a:r>
             <a:r>
-              <a:rPr lang="en-US" sz="1800" dirty="0" err="1" smtClean="0"/>
+              <a:rPr lang="en-US" sz="1800" dirty="0" err="1"/>
               <a:t>Paraview</a:t>
             </a:r>
             <a:r>
-              <a:rPr lang="en-US" sz="1800" dirty="0" smtClean="0"/>
+              <a:rPr lang="en-US" sz="1800" dirty="0"/>
               <a:t> is the gate for post-processing. Explore the filters and settings, it is a very complete suite.</a:t>
             </a:r>
           </a:p>
@@ -9463,11 +9630,11 @@
               <a:buChar char="•"/>
             </a:pPr>
             <a:r>
-              <a:rPr lang="en-US" sz="1800" dirty="0" err="1" smtClean="0"/>
+              <a:rPr lang="en-US" sz="1800" dirty="0" err="1"/>
               <a:t>Paraview</a:t>
             </a:r>
             <a:r>
-              <a:rPr lang="en-US" sz="1800" dirty="0" smtClean="0"/>
+              <a:rPr lang="en-US" sz="1800" dirty="0"/>
               <a:t> supports exporting data to other formats. Using routines you already have may require exporting particle data as a .csv file and using it with your other codes</a:t>
             </a:r>
           </a:p>
@@ -9477,11 +9644,11 @@
               <a:buChar char="•"/>
             </a:pPr>
             <a:r>
-              <a:rPr lang="en-US" sz="1800" dirty="0" err="1" smtClean="0"/>
+              <a:rPr lang="en-US" sz="1800" dirty="0" err="1"/>
               <a:t>Paraview</a:t>
             </a:r>
             <a:r>
-              <a:rPr lang="en-US" sz="1800" dirty="0" smtClean="0"/>
+              <a:rPr lang="en-US" sz="1800" dirty="0"/>
               <a:t> supports python scripting: a suite of scripts is being prepared to simplify and automate typical workflows</a:t>
             </a:r>
           </a:p>
@@ -9497,7 +9664,7 @@
               <a:buNone/>
             </a:pPr>
             <a:r>
-              <a:rPr lang="en-US" sz="1800" dirty="0" smtClean="0"/>
+              <a:rPr lang="en-US" sz="1800" dirty="0"/>
               <a:t>V0.2 introduces our post processor</a:t>
             </a:r>
           </a:p>
@@ -9507,15 +9674,15 @@
               <a:buChar char="•"/>
             </a:pPr>
             <a:r>
-              <a:rPr lang="en-US" sz="1800" dirty="0" smtClean="0"/>
+              <a:rPr lang="en-US" sz="1800" dirty="0"/>
               <a:t> Interpolates raw data to a grid (</a:t>
             </a:r>
             <a:r>
-              <a:rPr lang="en-US" sz="1800" dirty="0" err="1" smtClean="0"/>
+              <a:rPr lang="en-US" sz="1800" dirty="0" err="1"/>
               <a:t>Lagrangian</a:t>
             </a:r>
             <a:r>
-              <a:rPr lang="en-US" sz="1800" dirty="0" smtClean="0"/>
+              <a:rPr lang="en-US" sz="1800" dirty="0"/>
               <a:t> to Eulerian results), both globally and by source</a:t>
             </a:r>
           </a:p>
@@ -9525,7 +9692,7 @@
               <a:buChar char="•"/>
             </a:pPr>
             <a:r>
-              <a:rPr lang="en-US" sz="1800" dirty="0" smtClean="0"/>
+              <a:rPr lang="en-US" sz="1800" dirty="0"/>
               <a:t> Produces cell averages of any output variable and creates synthetic variables (concentration, residence time)</a:t>
             </a:r>
           </a:p>
@@ -9536,41 +9703,32 @@
             </a:pPr>
             <a:r>
               <a:rPr lang="en-US" sz="1800" dirty="0"/>
-              <a:t> </a:t>
-            </a:r>
-            <a:r>
-              <a:rPr lang="en-US" sz="1800" dirty="0" smtClean="0"/>
-              <a:t>Writes the data in </a:t>
-            </a:r>
-            <a:r>
-              <a:rPr lang="en-US" sz="1800" dirty="0" err="1" smtClean="0"/>
+              <a:t> Writes the data in </a:t>
+            </a:r>
+            <a:r>
+              <a:rPr lang="en-US" sz="1800" dirty="0" err="1"/>
               <a:t>OpenDAP</a:t>
             </a:r>
             <a:r>
-              <a:rPr lang="en-US" sz="1800" dirty="0" smtClean="0"/>
+              <a:rPr lang="en-US" sz="1800" dirty="0"/>
               <a:t>, </a:t>
             </a:r>
             <a:r>
-              <a:rPr lang="en-US" sz="1800" dirty="0" err="1" smtClean="0"/>
+              <a:rPr lang="en-US" sz="1800" dirty="0" err="1"/>
               <a:t>Thredds</a:t>
             </a:r>
             <a:r>
-              <a:rPr lang="en-US" sz="1800" dirty="0" smtClean="0"/>
+              <a:rPr lang="en-US" sz="1800" dirty="0"/>
               <a:t> ready </a:t>
             </a:r>
             <a:r>
-              <a:rPr lang="en-US" sz="1800" dirty="0" err="1" smtClean="0"/>
+              <a:rPr lang="en-US" sz="1800" dirty="0" err="1"/>
               <a:t>netCDF</a:t>
             </a:r>
             <a:r>
-              <a:rPr lang="en-US" sz="1800" dirty="0" smtClean="0"/>
-              <a:t> CF – results are immediately publishable and importable in any </a:t>
-            </a:r>
-            <a:r>
-              <a:rPr lang="en-US" sz="1800" dirty="0" smtClean="0"/>
-              <a:t>compliant framework</a:t>
-            </a:r>
-            <a:endParaRPr lang="en-US" sz="1800" dirty="0"/>
+              <a:rPr lang="en-US" sz="1800" dirty="0"/>
+              <a:t> CF – results are immediately publishable and importable in any compliant framework</a:t>
+            </a:r>
           </a:p>
           <a:p>
             <a:pPr>
@@ -9578,7 +9736,7 @@
               <a:buChar char="•"/>
             </a:pPr>
             <a:r>
-              <a:rPr lang="en-US" sz="1800" dirty="0" smtClean="0"/>
+              <a:rPr lang="en-US" sz="1800" dirty="0"/>
               <a:t> Converts raw data to MOHID formatted .hdf5 files</a:t>
             </a:r>
           </a:p>
@@ -9586,7 +9744,7 @@
             <a:pPr marL="0" indent="0">
               <a:buNone/>
             </a:pPr>
-            <a:endParaRPr lang="en-US" sz="1800" dirty="0" smtClean="0"/>
+            <a:endParaRPr lang="en-US" sz="1800" dirty="0"/>
           </a:p>
           <a:p>
             <a:pPr marL="0" indent="0">
@@ -9868,21 +10026,21 @@
               <a:buFont typeface="Calibri" panose="020F0502020204030204" pitchFamily="34" charset="0"/>
               <a:buNone/>
             </a:pPr>
-            <a:endParaRPr lang="en-US" sz="1800" dirty="0" smtClean="0"/>
+            <a:endParaRPr lang="en-US" sz="1800" dirty="0"/>
           </a:p>
           <a:p>
             <a:pPr marL="0" indent="0">
               <a:buFont typeface="Calibri" panose="020F0502020204030204" pitchFamily="34" charset="0"/>
               <a:buNone/>
             </a:pPr>
-            <a:endParaRPr lang="en-US" sz="1800" dirty="0" smtClean="0"/>
+            <a:endParaRPr lang="en-US" sz="1800" dirty="0"/>
           </a:p>
           <a:p>
             <a:pPr marL="0" indent="0">
               <a:buFont typeface="Calibri" panose="020F0502020204030204" pitchFamily="34" charset="0"/>
               <a:buNone/>
             </a:pPr>
-            <a:endParaRPr lang="en-US" sz="1800" dirty="0" smtClean="0"/>
+            <a:endParaRPr lang="en-US" sz="1800" dirty="0"/>
           </a:p>
           <a:p>
             <a:pPr marL="0" indent="0">
@@ -9906,7 +10064,7 @@
 </p:sld>
 </file>
 
-<file path=ppt/slides/slide29.xml><?xml version="1.0" encoding="utf-8"?>
+<file path=ppt/slides/slide3.xml><?xml version="1.0" encoding="utf-8"?>
 <p:sld xmlns:a="http://schemas.openxmlformats.org/drawingml/2006/main" xmlns:r="http://schemas.openxmlformats.org/officeDocument/2006/relationships" xmlns:p="http://schemas.openxmlformats.org/presentationml/2006/main">
   <p:cSld>
     <p:spTree>
@@ -9939,10 +10097,9 @@
           <a:lstStyle/>
           <a:p>
             <a:r>
-              <a:rPr lang="en-US" dirty="0" smtClean="0"/>
-              <a:t>Post processing</a:t>
-            </a:r>
-            <a:endParaRPr lang="en-US" dirty="0"/>
+              <a:rPr lang="en-US" dirty="0"/>
+              <a:t>Context</a:t>
+            </a:r>
           </a:p>
         </p:txBody>
       </p:sp>
@@ -9956,6 +10113,156 @@
             <p:ph idx="1"/>
           </p:nvPr>
         </p:nvSpPr>
+        <p:spPr/>
+        <p:txBody>
+          <a:bodyPr/>
+          <a:lstStyle/>
+          <a:p>
+            <a:r>
+              <a:rPr lang="en-US" dirty="0"/>
+              <a:t>MOHID </a:t>
+            </a:r>
+            <a:r>
+              <a:rPr lang="en-US" dirty="0" err="1"/>
+              <a:t>Lagrangian</a:t>
+            </a:r>
+            <a:r>
+              <a:rPr lang="en-US" dirty="0"/>
+              <a:t> is:</a:t>
+            </a:r>
+          </a:p>
+          <a:p>
+            <a:pPr>
+              <a:buFont typeface="Arial" panose="020B0604020202020204" pitchFamily="34" charset="0"/>
+              <a:buChar char="•"/>
+            </a:pPr>
+            <a:r>
+              <a:rPr lang="en-US" dirty="0"/>
+              <a:t> A unidirectional </a:t>
+            </a:r>
+            <a:r>
+              <a:rPr lang="en-US" dirty="0" err="1"/>
+              <a:t>Lagrangian</a:t>
+            </a:r>
+            <a:r>
+              <a:rPr lang="en-US" dirty="0"/>
+              <a:t> particle simulator</a:t>
+            </a:r>
+          </a:p>
+          <a:p>
+            <a:pPr>
+              <a:buFont typeface="Arial" panose="020B0604020202020204" pitchFamily="34" charset="0"/>
+              <a:buChar char="•"/>
+            </a:pPr>
+            <a:r>
+              <a:rPr lang="en-US" dirty="0"/>
+              <a:t> Made to easily extend the physical models acting on the particles</a:t>
+            </a:r>
+          </a:p>
+          <a:p>
+            <a:pPr>
+              <a:buFont typeface="Arial" panose="020B0604020202020204" pitchFamily="34" charset="0"/>
+              <a:buChar char="•"/>
+            </a:pPr>
+            <a:r>
+              <a:rPr lang="en-US" dirty="0"/>
+              <a:t> Made to support large scale modelling in both space and time</a:t>
+            </a:r>
+          </a:p>
+          <a:p>
+            <a:pPr>
+              <a:buFont typeface="Arial" panose="020B0604020202020204" pitchFamily="34" charset="0"/>
+              <a:buChar char="•"/>
+            </a:pPr>
+            <a:r>
+              <a:rPr lang="en-US" dirty="0"/>
+              <a:t> Made to support medium independent simulations</a:t>
+            </a:r>
+          </a:p>
+          <a:p>
+            <a:pPr>
+              <a:buFont typeface="Arial" panose="020B0604020202020204" pitchFamily="34" charset="0"/>
+              <a:buChar char="•"/>
+            </a:pPr>
+            <a:r>
+              <a:rPr lang="en-US" dirty="0"/>
+              <a:t> Made to support large tracer numbers</a:t>
+            </a:r>
+          </a:p>
+          <a:p>
+            <a:pPr>
+              <a:buFont typeface="Arial" panose="020B0604020202020204" pitchFamily="34" charset="0"/>
+              <a:buChar char="•"/>
+            </a:pPr>
+            <a:r>
+              <a:rPr lang="en-US" dirty="0"/>
+              <a:t> A cross platform, shared memory parallel tool</a:t>
+            </a:r>
+          </a:p>
+        </p:txBody>
+      </p:sp>
+    </p:spTree>
+    <p:extLst>
+      <p:ext uri="{BB962C8B-B14F-4D97-AF65-F5344CB8AC3E}">
+        <p14:creationId xmlns:p14="http://schemas.microsoft.com/office/powerpoint/2010/main" val="3919655784"/>
+      </p:ext>
+    </p:extLst>
+  </p:cSld>
+  <p:clrMapOvr>
+    <a:masterClrMapping/>
+  </p:clrMapOvr>
+</p:sld>
+</file>
+
+<file path=ppt/slides/slide30.xml><?xml version="1.0" encoding="utf-8"?>
+<p:sld xmlns:a="http://schemas.openxmlformats.org/drawingml/2006/main" xmlns:r="http://schemas.openxmlformats.org/officeDocument/2006/relationships" xmlns:p="http://schemas.openxmlformats.org/presentationml/2006/main">
+  <p:cSld>
+    <p:spTree>
+      <p:nvGrpSpPr>
+        <p:cNvPr id="1" name=""/>
+        <p:cNvGrpSpPr/>
+        <p:nvPr/>
+      </p:nvGrpSpPr>
+      <p:grpSpPr>
+        <a:xfrm>
+          <a:off x="0" y="0"/>
+          <a:ext cx="0" cy="0"/>
+          <a:chOff x="0" y="0"/>
+          <a:chExt cx="0" cy="0"/>
+        </a:xfrm>
+      </p:grpSpPr>
+      <p:sp>
+        <p:nvSpPr>
+          <p:cNvPr id="2" name="Title 1"/>
+          <p:cNvSpPr>
+            <a:spLocks noGrp="1"/>
+          </p:cNvSpPr>
+          <p:nvPr>
+            <p:ph type="title"/>
+          </p:nvPr>
+        </p:nvSpPr>
+        <p:spPr/>
+        <p:txBody>
+          <a:bodyPr/>
+          <a:lstStyle/>
+          <a:p>
+            <a:r>
+              <a:rPr lang="en-US" dirty="0"/>
+              <a:t>Post processing</a:t>
+            </a:r>
+          </a:p>
+        </p:txBody>
+      </p:sp>
+      <p:sp>
+        <p:nvSpPr>
+          <p:cNvPr id="3" name="Content Placeholder 2"/>
+          <p:cNvSpPr>
+            <a:spLocks noGrp="1"/>
+          </p:cNvSpPr>
+          <p:nvPr>
+            <p:ph idx="1"/>
+          </p:nvPr>
+        </p:nvSpPr>
         <p:spPr>
           <a:xfrm>
             <a:off x="1097280" y="2231571"/>
@@ -9972,7 +10279,7 @@
               <a:buNone/>
             </a:pPr>
             <a:r>
-              <a:rPr lang="en-US" sz="1800" dirty="0" smtClean="0"/>
+              <a:rPr lang="en-US" sz="1800" dirty="0"/>
               <a:t>Post processing works by ‘scripting’ a recipe to follow, and the user can design an arbitrary number of recipes and request them to be run automatically after the simulation. These can also be run during runtime, on the available files.</a:t>
             </a:r>
           </a:p>
@@ -9980,22 +10287,22 @@
             <a:pPr marL="0" indent="0">
               <a:buNone/>
             </a:pPr>
-            <a:endParaRPr lang="en-US" sz="1800" dirty="0" smtClean="0"/>
+            <a:endParaRPr lang="en-US" sz="1800" dirty="0"/>
           </a:p>
           <a:p>
             <a:pPr marL="0" indent="0">
               <a:buNone/>
             </a:pPr>
-            <a:endParaRPr lang="en-US" sz="1800" dirty="0" smtClean="0"/>
-          </a:p>
-          <a:p>
-            <a:endParaRPr lang="en-US" sz="1800" dirty="0" smtClean="0"/>
+            <a:endParaRPr lang="en-US" sz="1800" dirty="0"/>
+          </a:p>
+          <a:p>
+            <a:endParaRPr lang="en-US" sz="1800" dirty="0"/>
           </a:p>
           <a:p>
             <a:pPr marL="0" indent="0">
               <a:buNone/>
             </a:pPr>
-            <a:endParaRPr lang="en-US" sz="1800" dirty="0" smtClean="0"/>
+            <a:endParaRPr lang="en-US" sz="1800" dirty="0"/>
           </a:p>
           <a:p>
             <a:pPr marL="0" indent="0">
@@ -10277,21 +10584,21 @@
               <a:buFont typeface="Calibri" panose="020F0502020204030204" pitchFamily="34" charset="0"/>
               <a:buNone/>
             </a:pPr>
-            <a:endParaRPr lang="en-US" sz="1800" dirty="0" smtClean="0"/>
+            <a:endParaRPr lang="en-US" sz="1800" dirty="0"/>
           </a:p>
           <a:p>
             <a:pPr marL="0" indent="0">
               <a:buFont typeface="Calibri" panose="020F0502020204030204" pitchFamily="34" charset="0"/>
               <a:buNone/>
             </a:pPr>
-            <a:endParaRPr lang="en-US" sz="1800" dirty="0" smtClean="0"/>
+            <a:endParaRPr lang="en-US" sz="1800" dirty="0"/>
           </a:p>
           <a:p>
             <a:pPr marL="0" indent="0">
               <a:buFont typeface="Calibri" panose="020F0502020204030204" pitchFamily="34" charset="0"/>
               <a:buNone/>
             </a:pPr>
-            <a:endParaRPr lang="en-US" sz="1800" dirty="0" smtClean="0"/>
+            <a:endParaRPr lang="en-US" sz="1800" dirty="0"/>
           </a:p>
           <a:p>
             <a:pPr marL="0" indent="0">
@@ -10349,16 +10656,15 @@
           <a:lstStyle/>
           <a:p>
             <a:r>
-              <a:rPr lang="en-US" dirty="0" smtClean="0"/>
+              <a:rPr lang="en-US" dirty="0"/>
               <a:t>This is an example recipe file.</a:t>
             </a:r>
           </a:p>
           <a:p>
             <a:r>
-              <a:rPr lang="en-US" dirty="0" smtClean="0"/>
+              <a:rPr lang="en-US" dirty="0"/>
               <a:t>It interpolates velocity magnitudes, on a mesh defined by the bounding box of the simulation it is attached to, discretized in 100x100 cells.</a:t>
             </a:r>
-            <a:endParaRPr lang="en-US" dirty="0"/>
           </a:p>
         </p:txBody>
       </p:sp>
@@ -10375,163 +10681,7 @@
 </p:sld>
 </file>
 
-<file path=ppt/slides/slide3.xml><?xml version="1.0" encoding="utf-8"?>
-<p:sld xmlns:a="http://schemas.openxmlformats.org/drawingml/2006/main" xmlns:r="http://schemas.openxmlformats.org/officeDocument/2006/relationships" xmlns:p="http://schemas.openxmlformats.org/presentationml/2006/main">
-  <p:cSld>
-    <p:spTree>
-      <p:nvGrpSpPr>
-        <p:cNvPr id="1" name=""/>
-        <p:cNvGrpSpPr/>
-        <p:nvPr/>
-      </p:nvGrpSpPr>
-      <p:grpSpPr>
-        <a:xfrm>
-          <a:off x="0" y="0"/>
-          <a:ext cx="0" cy="0"/>
-          <a:chOff x="0" y="0"/>
-          <a:chExt cx="0" cy="0"/>
-        </a:xfrm>
-      </p:grpSpPr>
-      <p:sp>
-        <p:nvSpPr>
-          <p:cNvPr id="2" name="Title 1"/>
-          <p:cNvSpPr>
-            <a:spLocks noGrp="1"/>
-          </p:cNvSpPr>
-          <p:nvPr>
-            <p:ph type="title"/>
-          </p:nvPr>
-        </p:nvSpPr>
-        <p:spPr/>
-        <p:txBody>
-          <a:bodyPr/>
-          <a:lstStyle/>
-          <a:p>
-            <a:r>
-              <a:rPr lang="en-US" dirty="0" smtClean="0"/>
-              <a:t>Context</a:t>
-            </a:r>
-            <a:endParaRPr lang="en-US" dirty="0"/>
-          </a:p>
-        </p:txBody>
-      </p:sp>
-      <p:sp>
-        <p:nvSpPr>
-          <p:cNvPr id="3" name="Content Placeholder 2"/>
-          <p:cNvSpPr>
-            <a:spLocks noGrp="1"/>
-          </p:cNvSpPr>
-          <p:nvPr>
-            <p:ph idx="1"/>
-          </p:nvPr>
-        </p:nvSpPr>
-        <p:spPr/>
-        <p:txBody>
-          <a:bodyPr/>
-          <a:lstStyle/>
-          <a:p>
-            <a:r>
-              <a:rPr lang="en-US" dirty="0" smtClean="0"/>
-              <a:t>MOHID </a:t>
-            </a:r>
-            <a:r>
-              <a:rPr lang="en-US" dirty="0" err="1" smtClean="0"/>
-              <a:t>Lagrangian</a:t>
-            </a:r>
-            <a:r>
-              <a:rPr lang="en-US" dirty="0"/>
-              <a:t> </a:t>
-            </a:r>
-            <a:r>
-              <a:rPr lang="en-US" dirty="0" smtClean="0"/>
-              <a:t>is:</a:t>
-            </a:r>
-          </a:p>
-          <a:p>
-            <a:pPr>
-              <a:buFont typeface="Arial" panose="020B0604020202020204" pitchFamily="34" charset="0"/>
-              <a:buChar char="•"/>
-            </a:pPr>
-            <a:r>
-              <a:rPr lang="en-US" dirty="0" smtClean="0"/>
-              <a:t> A unidirectional </a:t>
-            </a:r>
-            <a:r>
-              <a:rPr lang="en-US" dirty="0" err="1" smtClean="0"/>
-              <a:t>Lagrangian</a:t>
-            </a:r>
-            <a:r>
-              <a:rPr lang="en-US" dirty="0" smtClean="0"/>
-              <a:t> particle simulator</a:t>
-            </a:r>
-          </a:p>
-          <a:p>
-            <a:pPr>
-              <a:buFont typeface="Arial" panose="020B0604020202020204" pitchFamily="34" charset="0"/>
-              <a:buChar char="•"/>
-            </a:pPr>
-            <a:r>
-              <a:rPr lang="en-US" dirty="0" smtClean="0"/>
-              <a:t> Made to easily extend the physical models acting on the particles</a:t>
-            </a:r>
-          </a:p>
-          <a:p>
-            <a:pPr>
-              <a:buFont typeface="Arial" panose="020B0604020202020204" pitchFamily="34" charset="0"/>
-              <a:buChar char="•"/>
-            </a:pPr>
-            <a:r>
-              <a:rPr lang="en-US" dirty="0" smtClean="0"/>
-              <a:t> Made to support large scale modelling in both space and time</a:t>
-            </a:r>
-          </a:p>
-          <a:p>
-            <a:pPr>
-              <a:buFont typeface="Arial" panose="020B0604020202020204" pitchFamily="34" charset="0"/>
-              <a:buChar char="•"/>
-            </a:pPr>
-            <a:r>
-              <a:rPr lang="en-US" dirty="0" smtClean="0"/>
-              <a:t> Made to support medium independent simulations</a:t>
-            </a:r>
-          </a:p>
-          <a:p>
-            <a:pPr>
-              <a:buFont typeface="Arial" panose="020B0604020202020204" pitchFamily="34" charset="0"/>
-              <a:buChar char="•"/>
-            </a:pPr>
-            <a:r>
-              <a:rPr lang="en-US" dirty="0" smtClean="0"/>
-              <a:t> Made to support large tracer numbers</a:t>
-            </a:r>
-          </a:p>
-          <a:p>
-            <a:pPr>
-              <a:buFont typeface="Arial" panose="020B0604020202020204" pitchFamily="34" charset="0"/>
-              <a:buChar char="•"/>
-            </a:pPr>
-            <a:r>
-              <a:rPr lang="en-US" dirty="0" smtClean="0"/>
-              <a:t> A cross platform, shared memory parallel tool</a:t>
-            </a:r>
-            <a:endParaRPr lang="en-US" dirty="0"/>
-          </a:p>
-        </p:txBody>
-      </p:sp>
-    </p:spTree>
-    <p:extLst>
-      <p:ext uri="{BB962C8B-B14F-4D97-AF65-F5344CB8AC3E}">
-        <p14:creationId xmlns:p14="http://schemas.microsoft.com/office/powerpoint/2010/main" val="3919655784"/>
-      </p:ext>
-    </p:extLst>
-  </p:cSld>
-  <p:clrMapOvr>
-    <a:masterClrMapping/>
-  </p:clrMapOvr>
-</p:sld>
-</file>
-
-<file path=ppt/slides/slide30.xml><?xml version="1.0" encoding="utf-8"?>
+<file path=ppt/slides/slide31.xml><?xml version="1.0" encoding="utf-8"?>
 <p:sld xmlns:a="http://schemas.openxmlformats.org/drawingml/2006/main" xmlns:r="http://schemas.openxmlformats.org/officeDocument/2006/relationships" xmlns:p="http://schemas.openxmlformats.org/presentationml/2006/main">
   <p:cSld>
     <p:spTree>
@@ -10588,10 +10738,9 @@
           <a:lstStyle/>
           <a:p>
             <a:r>
-              <a:rPr lang="en-US" dirty="0" smtClean="0"/>
+              <a:rPr lang="en-US" dirty="0"/>
               <a:t>Post processing</a:t>
             </a:r>
-            <a:endParaRPr lang="en-US" dirty="0"/>
           </a:p>
         </p:txBody>
       </p:sp>
@@ -10867,21 +11016,21 @@
               <a:buFont typeface="Calibri" panose="020F0502020204030204" pitchFamily="34" charset="0"/>
               <a:buNone/>
             </a:pPr>
-            <a:endParaRPr lang="en-US" sz="1800" dirty="0" smtClean="0"/>
+            <a:endParaRPr lang="en-US" sz="1800" dirty="0"/>
           </a:p>
           <a:p>
             <a:pPr marL="0" indent="0">
               <a:buFont typeface="Calibri" panose="020F0502020204030204" pitchFamily="34" charset="0"/>
               <a:buNone/>
             </a:pPr>
-            <a:endParaRPr lang="en-US" sz="1800" dirty="0" smtClean="0"/>
+            <a:endParaRPr lang="en-US" sz="1800" dirty="0"/>
           </a:p>
           <a:p>
             <a:pPr marL="0" indent="0">
               <a:buFont typeface="Calibri" panose="020F0502020204030204" pitchFamily="34" charset="0"/>
               <a:buNone/>
             </a:pPr>
-            <a:endParaRPr lang="en-US" sz="1800" dirty="0" smtClean="0"/>
+            <a:endParaRPr lang="en-US" sz="1800" dirty="0"/>
           </a:p>
           <a:p>
             <a:pPr marL="0" indent="0">
@@ -10915,10 +11064,9 @@
           <a:lstStyle/>
           <a:p>
             <a:r>
-              <a:rPr lang="en-US" dirty="0" smtClean="0"/>
+              <a:rPr lang="en-US" dirty="0"/>
               <a:t>Selecting a time interval to process</a:t>
             </a:r>
-            <a:endParaRPr lang="en-US" dirty="0"/>
           </a:p>
         </p:txBody>
       </p:sp>
@@ -10945,10 +11093,9 @@
           <a:lstStyle/>
           <a:p>
             <a:r>
-              <a:rPr lang="en-US" dirty="0" smtClean="0"/>
+              <a:rPr lang="en-US" dirty="0"/>
               <a:t>Selecting a space interval to process</a:t>
             </a:r>
-            <a:endParaRPr lang="en-US" dirty="0"/>
           </a:p>
         </p:txBody>
       </p:sp>
@@ -10975,10 +11122,9 @@
           <a:lstStyle/>
           <a:p>
             <a:r>
-              <a:rPr lang="en-US" dirty="0" smtClean="0"/>
+              <a:rPr lang="en-US" dirty="0"/>
               <a:t>Selecting the variables to process</a:t>
             </a:r>
-            <a:endParaRPr lang="en-US" dirty="0"/>
           </a:p>
         </p:txBody>
       </p:sp>
@@ -11005,10 +11151,9 @@
           <a:lstStyle/>
           <a:p>
             <a:r>
-              <a:rPr lang="en-US" dirty="0" smtClean="0"/>
+              <a:rPr lang="en-US" dirty="0"/>
               <a:t>Filtering the results by beached status</a:t>
             </a:r>
-            <a:endParaRPr lang="en-US" dirty="0"/>
           </a:p>
         </p:txBody>
       </p:sp>
@@ -11035,18 +11180,17 @@
           <a:lstStyle/>
           <a:p>
             <a:r>
-              <a:rPr lang="en-US" dirty="0" smtClean="0"/>
+              <a:rPr lang="en-US" dirty="0"/>
               <a:t>Converting all the files to MOHID .hdf5 </a:t>
             </a:r>
             <a:r>
-              <a:rPr lang="en-US" dirty="0" err="1" smtClean="0"/>
+              <a:rPr lang="en-US" dirty="0" err="1"/>
               <a:t>Lagrangian</a:t>
             </a:r>
             <a:r>
-              <a:rPr lang="en-US" dirty="0" smtClean="0"/>
+              <a:rPr lang="en-US" dirty="0"/>
               <a:t> format</a:t>
             </a:r>
-            <a:endParaRPr lang="en-US" dirty="0"/>
           </a:p>
         </p:txBody>
       </p:sp>
@@ -11305,10 +11449,9 @@
           <a:lstStyle/>
           <a:p>
             <a:r>
-              <a:rPr lang="en-US" dirty="0" smtClean="0"/>
+              <a:rPr lang="en-US" dirty="0"/>
               <a:t>Features on V0.2</a:t>
             </a:r>
-            <a:endParaRPr lang="en-US" dirty="0"/>
           </a:p>
         </p:txBody>
       </p:sp>
@@ -11332,7 +11475,7 @@
               <a:buChar char="•"/>
             </a:pPr>
             <a:r>
-              <a:rPr lang="en-US" dirty="0" smtClean="0"/>
+              <a:rPr lang="en-US" dirty="0"/>
               <a:t> Define tracer sources in space and time using basic shapes and file defined polygons</a:t>
             </a:r>
           </a:p>
@@ -11343,18 +11486,14 @@
             </a:pPr>
             <a:r>
               <a:rPr lang="en-US" dirty="0"/>
-              <a:t> </a:t>
-            </a:r>
-            <a:r>
-              <a:rPr lang="en-US" dirty="0" smtClean="0"/>
-              <a:t>Import currents data from .</a:t>
-            </a:r>
-            <a:r>
-              <a:rPr lang="en-US" dirty="0" err="1" smtClean="0"/>
+              <a:t> Import currents data from .</a:t>
+            </a:r>
+            <a:r>
+              <a:rPr lang="en-US" dirty="0" err="1"/>
               <a:t>nc</a:t>
             </a:r>
             <a:r>
-              <a:rPr lang="en-US" dirty="0" smtClean="0"/>
+              <a:rPr lang="en-US" dirty="0"/>
               <a:t> or .nc4 files, using CF conventions</a:t>
             </a:r>
           </a:p>
@@ -11365,11 +11504,7 @@
             </a:pPr>
             <a:r>
               <a:rPr lang="en-US" dirty="0"/>
-              <a:t> </a:t>
-            </a:r>
-            <a:r>
-              <a:rPr lang="en-US" dirty="0" smtClean="0"/>
-              <a:t>Import 3D/2D/regular/irregular structured meshes – not curvilinear</a:t>
+              <a:t> Import 3D/2D/regular/irregular structured meshes – not curvilinear</a:t>
             </a:r>
           </a:p>
           <a:p>
@@ -11379,11 +11514,7 @@
             </a:pPr>
             <a:r>
               <a:rPr lang="en-US" dirty="0"/>
-              <a:t> </a:t>
-            </a:r>
-            <a:r>
-              <a:rPr lang="en-US" dirty="0" smtClean="0"/>
-              <a:t>Import data from a file series automatically </a:t>
+              <a:t> Import data from a file series automatically </a:t>
             </a:r>
           </a:p>
           <a:p>
@@ -11393,11 +11524,7 @@
             </a:pPr>
             <a:r>
               <a:rPr lang="en-US" dirty="0"/>
-              <a:t> </a:t>
-            </a:r>
-            <a:r>
-              <a:rPr lang="en-US" dirty="0" smtClean="0"/>
-              <a:t>One domain per simulation – no fitted or overlaid domains</a:t>
+              <a:t> One domain per simulation – no fitted or overlaid domains</a:t>
             </a:r>
           </a:p>
           <a:p>
@@ -11407,34 +11534,30 @@
             </a:pPr>
             <a:r>
               <a:rPr lang="en-US" dirty="0"/>
-              <a:t> </a:t>
-            </a:r>
-            <a:r>
-              <a:rPr lang="en-US" dirty="0" smtClean="0"/>
-              <a:t>Provides 1</a:t>
-            </a:r>
-            <a:r>
-              <a:rPr lang="en-US" baseline="30000" dirty="0" smtClean="0"/>
+              <a:t> Provides 1</a:t>
+            </a:r>
+            <a:r>
+              <a:rPr lang="en-US" baseline="30000" dirty="0"/>
               <a:t>st</a:t>
             </a:r>
             <a:r>
-              <a:rPr lang="en-US" dirty="0" smtClean="0"/>
+              <a:rPr lang="en-US" dirty="0"/>
               <a:t>, 2</a:t>
             </a:r>
             <a:r>
-              <a:rPr lang="en-US" baseline="30000" dirty="0" smtClean="0"/>
+              <a:rPr lang="en-US" baseline="30000" dirty="0"/>
               <a:t>nd</a:t>
             </a:r>
             <a:r>
-              <a:rPr lang="en-US" dirty="0" smtClean="0"/>
+              <a:rPr lang="en-US" dirty="0"/>
               <a:t> and 4</a:t>
             </a:r>
             <a:r>
-              <a:rPr lang="en-US" baseline="30000" dirty="0" smtClean="0"/>
+              <a:rPr lang="en-US" baseline="30000" dirty="0"/>
               <a:t>th</a:t>
             </a:r>
             <a:r>
-              <a:rPr lang="en-US" dirty="0" smtClean="0"/>
+              <a:rPr lang="en-US" dirty="0"/>
               <a:t> order integrators</a:t>
             </a:r>
           </a:p>
@@ -11444,15 +11567,15 @@
               <a:buChar char="•"/>
             </a:pPr>
             <a:r>
-              <a:rPr lang="en-US" dirty="0" smtClean="0"/>
+              <a:rPr lang="en-US" dirty="0"/>
               <a:t> Physics kernels for </a:t>
             </a:r>
             <a:r>
-              <a:rPr lang="en-US" dirty="0" err="1" smtClean="0"/>
+              <a:rPr lang="en-US" dirty="0" err="1"/>
               <a:t>Lagrangian</a:t>
             </a:r>
             <a:r>
-              <a:rPr lang="en-US" dirty="0" smtClean="0"/>
+              <a:rPr lang="en-US" dirty="0"/>
               <a:t> kinematics </a:t>
             </a:r>
           </a:p>
@@ -11463,11 +11586,7 @@
             </a:pPr>
             <a:r>
               <a:rPr lang="en-US" dirty="0"/>
-              <a:t> </a:t>
-            </a:r>
-            <a:r>
-              <a:rPr lang="en-US" dirty="0" smtClean="0"/>
-              <a:t>Automatic land, beaching and bed interaction masks (assuming CF compliant input files)</a:t>
+              <a:t> Automatic land, beaching and bed interaction masks (assuming CF compliant input files)</a:t>
             </a:r>
           </a:p>
           <a:p>
@@ -11475,10 +11594,9 @@
               <a:buNone/>
             </a:pPr>
             <a:r>
-              <a:rPr lang="en-US" dirty="0" smtClean="0"/>
+              <a:rPr lang="en-US" dirty="0"/>
               <a:t>  </a:t>
             </a:r>
-            <a:endParaRPr lang="en-US" dirty="0"/>
           </a:p>
         </p:txBody>
       </p:sp>
@@ -11528,10 +11646,9 @@
           <a:lstStyle/>
           <a:p>
             <a:r>
-              <a:rPr lang="en-US" dirty="0" smtClean="0"/>
+              <a:rPr lang="en-US" dirty="0"/>
               <a:t>Features on V0.2</a:t>
             </a:r>
-            <a:endParaRPr lang="en-US" dirty="0"/>
           </a:p>
         </p:txBody>
       </p:sp>
@@ -11555,7 +11672,7 @@
               <a:buChar char="•"/>
             </a:pPr>
             <a:r>
-              <a:rPr lang="en-US" dirty="0" smtClean="0"/>
+              <a:rPr lang="en-US" dirty="0"/>
               <a:t> Basic litter modelling physics kernels (degradation)</a:t>
             </a:r>
           </a:p>
@@ -11566,11 +11683,7 @@
             </a:pPr>
             <a:r>
               <a:rPr lang="en-US" dirty="0"/>
-              <a:t> </a:t>
-            </a:r>
-            <a:r>
-              <a:rPr lang="en-US" dirty="0" smtClean="0"/>
-              <a:t>Diffusion (random walk based on mixing length estimate)</a:t>
+              <a:t> Diffusion (random walk based on mixing length estimate)</a:t>
             </a:r>
           </a:p>
           <a:p>
@@ -11580,17 +11693,13 @@
             </a:pPr>
             <a:r>
               <a:rPr lang="en-US" dirty="0"/>
-              <a:t> </a:t>
-            </a:r>
-            <a:r>
-              <a:rPr lang="en-US" dirty="0" smtClean="0"/>
-              <a:t>Beaching </a:t>
-            </a:r>
-            <a:r>
-              <a:rPr lang="en-US" dirty="0" err="1" smtClean="0"/>
+              <a:t> Beaching </a:t>
+            </a:r>
+            <a:r>
+              <a:rPr lang="en-US" dirty="0" err="1"/>
               <a:t>behaviour</a:t>
             </a:r>
-            <a:endParaRPr lang="en-US" dirty="0" smtClean="0"/>
+            <a:endParaRPr lang="en-US" dirty="0"/>
           </a:p>
           <a:p>
             <a:pPr>
@@ -11602,11 +11711,11 @@
               <a:t> </a:t>
             </a:r>
             <a:r>
-              <a:rPr lang="en-US" dirty="0" err="1" smtClean="0"/>
+              <a:rPr lang="en-US" dirty="0" err="1"/>
               <a:t>Windage</a:t>
             </a:r>
             <a:r>
-              <a:rPr lang="en-US" dirty="0" smtClean="0"/>
+              <a:rPr lang="en-US" dirty="0"/>
               <a:t> and Stokes drift effects</a:t>
             </a:r>
           </a:p>
@@ -11617,21 +11726,16 @@
             </a:pPr>
             <a:r>
               <a:rPr lang="en-US" dirty="0"/>
-              <a:t> </a:t>
-            </a:r>
-            <a:r>
-              <a:rPr lang="en-US" dirty="0" smtClean="0"/>
-              <a:t>Python based, postprocessor suite in order to interpolate solutions and cast them on </a:t>
-            </a:r>
-            <a:r>
-              <a:rPr lang="en-US" dirty="0" err="1" smtClean="0"/>
+              <a:t> Python based, postprocessor suite in order to interpolate solutions and cast them on </a:t>
+            </a:r>
+            <a:r>
+              <a:rPr lang="en-US" dirty="0" err="1"/>
               <a:t>NetCDF</a:t>
             </a:r>
             <a:r>
-              <a:rPr lang="en-US" dirty="0" smtClean="0"/>
+              <a:rPr lang="en-US" dirty="0"/>
               <a:t> CF compliant grids, so they can be published and explored </a:t>
             </a:r>
-            <a:endParaRPr lang="en-US" dirty="0"/>
           </a:p>
         </p:txBody>
       </p:sp>
@@ -11681,10 +11785,9 @@
           <a:lstStyle/>
           <a:p>
             <a:r>
-              <a:rPr lang="en-US" dirty="0" smtClean="0"/>
+              <a:rPr lang="en-US" dirty="0"/>
               <a:t>Requirements</a:t>
             </a:r>
-            <a:endParaRPr lang="en-US" dirty="0"/>
           </a:p>
         </p:txBody>
       </p:sp>
@@ -11750,15 +11853,7 @@
             </a:r>
             <a:r>
               <a:rPr lang="en-US" dirty="0"/>
-              <a:t> </a:t>
-            </a:r>
-            <a:r>
-              <a:rPr lang="en-US" dirty="0" smtClean="0"/>
-              <a:t>if </a:t>
-            </a:r>
-            <a:r>
-              <a:rPr lang="en-US" dirty="0"/>
-              <a:t>using Linux</a:t>
+              <a:t> if using Linux</a:t>
             </a:r>
           </a:p>
           <a:p>
@@ -11784,29 +11879,24 @@
             </a:pPr>
             <a:r>
               <a:rPr lang="en-US" dirty="0"/>
-              <a:t> python 3</a:t>
-            </a:r>
-            <a:r>
-              <a:rPr lang="en-US" dirty="0" smtClean="0"/>
-              <a:t>+ (with </a:t>
-            </a:r>
-            <a:r>
-              <a:rPr lang="en-US" dirty="0" err="1" smtClean="0"/>
+              <a:t> python 3+ (with </a:t>
+            </a:r>
+            <a:r>
+              <a:rPr lang="en-US" dirty="0" err="1"/>
               <a:t>xarray</a:t>
             </a:r>
             <a:r>
-              <a:rPr lang="en-US" dirty="0" smtClean="0"/>
+              <a:rPr lang="en-US" dirty="0"/>
               <a:t>, </a:t>
             </a:r>
             <a:r>
-              <a:rPr lang="en-US" dirty="0" err="1" smtClean="0"/>
+              <a:rPr lang="en-US" dirty="0" err="1"/>
               <a:t>vtk</a:t>
             </a:r>
             <a:r>
-              <a:rPr lang="en-US" dirty="0" smtClean="0"/>
+              <a:rPr lang="en-US" dirty="0"/>
               <a:t> and netcdf4 libs installed)</a:t>
             </a:r>
-            <a:endParaRPr lang="en-US" dirty="0"/>
           </a:p>
           <a:p>
             <a:pPr>
@@ -11887,10 +11977,9 @@
           <a:lstStyle/>
           <a:p>
             <a:r>
-              <a:rPr lang="en-US" dirty="0" smtClean="0"/>
+              <a:rPr lang="en-US" dirty="0"/>
               <a:t>Input files</a:t>
             </a:r>
-            <a:endParaRPr lang="en-US" dirty="0"/>
           </a:p>
         </p:txBody>
       </p:sp>
@@ -11910,7 +11999,7 @@
           <a:lstStyle/>
           <a:p>
             <a:r>
-              <a:rPr lang="en-US" dirty="0" smtClean="0"/>
+              <a:rPr lang="en-US" dirty="0"/>
               <a:t>To set up a case:</a:t>
             </a:r>
           </a:p>
@@ -11921,11 +12010,7 @@
             </a:pPr>
             <a:r>
               <a:rPr lang="en-US" dirty="0"/>
-              <a:t> </a:t>
-            </a:r>
-            <a:r>
-              <a:rPr lang="en-US" dirty="0" smtClean="0"/>
-              <a:t>Case definition file (.xml)</a:t>
+              <a:t> Case definition file (.xml)</a:t>
             </a:r>
           </a:p>
           <a:p>
@@ -11935,11 +12020,7 @@
             </a:pPr>
             <a:r>
               <a:rPr lang="en-US" dirty="0"/>
-              <a:t> </a:t>
-            </a:r>
-            <a:r>
-              <a:rPr lang="en-US" dirty="0" smtClean="0"/>
-              <a:t>Tracer library file (optional, .xml)</a:t>
+              <a:t> Tracer library file (optional, .xml)</a:t>
             </a:r>
           </a:p>
           <a:p>
@@ -11948,16 +12029,8 @@
               <a:buChar char="•"/>
             </a:pPr>
             <a:r>
-              <a:rPr lang="en-US" dirty="0" smtClean="0"/>
-              <a:t> Variable output control </a:t>
-            </a:r>
-            <a:r>
-              <a:rPr lang="en-US" dirty="0"/>
-              <a:t>file (optional, .xml</a:t>
-            </a:r>
-            <a:r>
-              <a:rPr lang="en-US" dirty="0" smtClean="0"/>
-              <a:t>)</a:t>
+              <a:rPr lang="en-US" dirty="0"/>
+              <a:t> Variable output control file (optional, .xml)</a:t>
             </a:r>
           </a:p>
           <a:p>
@@ -11970,20 +12043,12 @@
               <a:t> </a:t>
             </a:r>
             <a:r>
-              <a:rPr lang="en-US" dirty="0" err="1" smtClean="0"/>
+              <a:rPr lang="en-US" dirty="0" err="1"/>
               <a:t>NetCDF</a:t>
             </a:r>
             <a:r>
-              <a:rPr lang="en-US" dirty="0" smtClean="0"/>
-              <a:t> variable library file (</a:t>
-            </a:r>
-            <a:r>
-              <a:rPr lang="en-US" dirty="0"/>
-              <a:t>optional</a:t>
-            </a:r>
-            <a:r>
-              <a:rPr lang="en-US" dirty="0" smtClean="0"/>
-              <a:t>, .xml)</a:t>
+              <a:rPr lang="en-US" dirty="0"/>
+              <a:t> variable library file (optional, .xml)</a:t>
             </a:r>
           </a:p>
           <a:p>
@@ -11992,18 +12057,17 @@
               <a:buChar char="•"/>
             </a:pPr>
             <a:r>
-              <a:rPr lang="en-US" dirty="0" smtClean="0"/>
+              <a:rPr lang="en-US" dirty="0"/>
               <a:t> Input data (.</a:t>
             </a:r>
             <a:r>
-              <a:rPr lang="en-US" dirty="0" err="1" smtClean="0"/>
+              <a:rPr lang="en-US" dirty="0" err="1"/>
               <a:t>nc</a:t>
             </a:r>
             <a:r>
-              <a:rPr lang="en-US" dirty="0" smtClean="0"/>
+              <a:rPr lang="en-US" dirty="0"/>
               <a:t> or .nc4 file/s)</a:t>
             </a:r>
-            <a:endParaRPr lang="en-US" dirty="0"/>
           </a:p>
         </p:txBody>
       </p:sp>
@@ -12053,10 +12117,9 @@
           <a:lstStyle/>
           <a:p>
             <a:r>
-              <a:rPr lang="en-US" dirty="0" smtClean="0"/>
+              <a:rPr lang="en-US" dirty="0"/>
               <a:t>Input files – case definition</a:t>
             </a:r>
-            <a:endParaRPr lang="en-US" dirty="0"/>
           </a:p>
         </p:txBody>
       </p:sp>
@@ -12076,7 +12139,7 @@
           <a:lstStyle/>
           <a:p>
             <a:r>
-              <a:rPr lang="en-US" dirty="0" smtClean="0"/>
+              <a:rPr lang="en-US" dirty="0"/>
               <a:t>A case definition file contains several sections and typically has the following structure</a:t>
             </a:r>
           </a:p>
@@ -12086,7 +12149,7 @@
               <a:buChar char="•"/>
             </a:pPr>
             <a:r>
-              <a:rPr lang="en-US" dirty="0" smtClean="0"/>
+              <a:rPr lang="en-US" dirty="0"/>
               <a:t>Case</a:t>
             </a:r>
           </a:p>
@@ -12106,16 +12169,8 @@
               <a:buChar char="•"/>
             </a:pPr>
             <a:r>
-              <a:rPr lang="en-US" dirty="0" smtClean="0"/>
-              <a:t>Parameters – dates, formats, numerical schemes, output </a:t>
-            </a:r>
-            <a:r>
-              <a:rPr lang="en-US" dirty="0"/>
-              <a:t>frequency</a:t>
-            </a:r>
-            <a:r>
-              <a:rPr lang="en-US" dirty="0" smtClean="0"/>
-              <a:t>,…</a:t>
+              <a:rPr lang="en-US" dirty="0"/>
+              <a:t>Parameters – dates, formats, numerical schemes, output frequency,…</a:t>
             </a:r>
           </a:p>
           <a:p>
@@ -12124,16 +12179,8 @@
               <a:buChar char="•"/>
             </a:pPr>
             <a:r>
-              <a:rPr lang="en-US" dirty="0" smtClean="0"/>
-              <a:t>Post </a:t>
-            </a:r>
-            <a:r>
-              <a:rPr lang="en-US" dirty="0"/>
-              <a:t>processing </a:t>
-            </a:r>
-            <a:r>
-              <a:rPr lang="en-US" dirty="0" smtClean="0"/>
-              <a:t>cycles requests</a:t>
+              <a:rPr lang="en-US" dirty="0"/>
+              <a:t>Post processing cycles requests</a:t>
             </a:r>
           </a:p>
           <a:p>
@@ -12142,12 +12189,8 @@
               <a:buChar char="•"/>
             </a:pPr>
             <a:r>
-              <a:rPr lang="en-US" dirty="0" smtClean="0"/>
-              <a:t>Variable </a:t>
-            </a:r>
-            <a:r>
-              <a:rPr lang="en-US" dirty="0"/>
-              <a:t>naming – file containing variable name correspondences in </a:t>
+              <a:rPr lang="en-US" dirty="0"/>
+              <a:t>Variable naming – file containing variable name correspondences in </a:t>
             </a:r>
             <a:r>
               <a:rPr lang="en-US" dirty="0" err="1"/>
@@ -12163,7 +12206,7 @@
               <a:buFont typeface="Arial" panose="020B0604020202020204" pitchFamily="34" charset="0"/>
               <a:buChar char="•"/>
             </a:pPr>
-            <a:endParaRPr lang="en-US" dirty="0" smtClean="0"/>
+            <a:endParaRPr lang="en-US" dirty="0"/>
           </a:p>
           <a:p>
             <a:pPr lvl="1">
@@ -12171,7 +12214,7 @@
               <a:buChar char="•"/>
             </a:pPr>
             <a:r>
-              <a:rPr lang="en-US" dirty="0" smtClean="0"/>
+              <a:rPr lang="en-US" dirty="0"/>
               <a:t>Case definitions</a:t>
             </a:r>
           </a:p>
@@ -12229,7 +12272,7 @@
               <a:buChar char="•"/>
             </a:pPr>
             <a:r>
-              <a:rPr lang="en-US" dirty="0" smtClean="0"/>
+              <a:rPr lang="en-US" dirty="0"/>
               <a:t>Case constants –beaching level and intensity, diffusion coefficient, …</a:t>
             </a:r>
           </a:p>
@@ -12281,10 +12324,9 @@
           <a:lstStyle/>
           <a:p>
             <a:r>
-              <a:rPr lang="en-US" dirty="0" smtClean="0"/>
+              <a:rPr lang="en-US" dirty="0"/>
               <a:t>Input files – tracer library</a:t>
             </a:r>
-            <a:endParaRPr lang="en-US" dirty="0"/>
           </a:p>
         </p:txBody>
       </p:sp>
@@ -12311,7 +12353,7 @@
           <a:lstStyle/>
           <a:p>
             <a:r>
-              <a:rPr lang="en-US" dirty="0" smtClean="0"/>
+              <a:rPr lang="en-US" dirty="0"/>
               <a:t>A tracer library file is a simplified tracer type database. The idea is that users can add tracer types and subtypes, each with their parameters and coefficients, to that library and use them on any case and share with other users.</a:t>
             </a:r>
           </a:p>
@@ -12319,23 +12361,23 @@
             <a:endParaRPr lang="en-US" dirty="0"/>
           </a:p>
           <a:p>
-            <a:endParaRPr lang="en-US" dirty="0" smtClean="0"/>
-          </a:p>
-          <a:p>
             <a:endParaRPr lang="en-US" dirty="0"/>
           </a:p>
           <a:p>
-            <a:endParaRPr lang="en-US" dirty="0" smtClean="0"/>
-          </a:p>
-          <a:p>
             <a:endParaRPr lang="en-US" dirty="0"/>
           </a:p>
           <a:p>
-            <a:endParaRPr lang="en-US" dirty="0" smtClean="0"/>
-          </a:p>
-          <a:p>
-            <a:r>
-              <a:rPr lang="en-US" dirty="0" smtClean="0"/>
+            <a:endParaRPr lang="en-US" dirty="0"/>
+          </a:p>
+          <a:p>
+            <a:endParaRPr lang="en-US" dirty="0"/>
+          </a:p>
+          <a:p>
+            <a:endParaRPr lang="en-US" dirty="0"/>
+          </a:p>
+          <a:p>
+            <a:r>
+              <a:rPr lang="en-US" dirty="0"/>
               <a:t>For v0.2, plastic and paper types are implemented, with simple, placeholder physical functions such as a degradation rate.</a:t>
             </a:r>
           </a:p>
@@ -12343,7 +12385,7 @@
             <a:pPr marL="0" indent="0">
               <a:buNone/>
             </a:pPr>
-            <a:endParaRPr lang="en-US" dirty="0" smtClean="0"/>
+            <a:endParaRPr lang="en-US" dirty="0"/>
           </a:p>
         </p:txBody>
       </p:sp>

--- a/docs/UsingMOHIDLagrangian.pptx
+++ b/docs/UsingMOHIDLagrangian.pptx
@@ -10,32 +10,37 @@
     <p:sldId id="258" r:id="rId4"/>
     <p:sldId id="259" r:id="rId5"/>
     <p:sldId id="260" r:id="rId6"/>
-    <p:sldId id="262" r:id="rId7"/>
-    <p:sldId id="261" r:id="rId8"/>
-    <p:sldId id="263" r:id="rId9"/>
-    <p:sldId id="267" r:id="rId10"/>
-    <p:sldId id="268" r:id="rId11"/>
-    <p:sldId id="270" r:id="rId12"/>
-    <p:sldId id="264" r:id="rId13"/>
-    <p:sldId id="265" r:id="rId14"/>
-    <p:sldId id="281" r:id="rId15"/>
-    <p:sldId id="282" r:id="rId16"/>
-    <p:sldId id="287" r:id="rId17"/>
-    <p:sldId id="283" r:id="rId18"/>
-    <p:sldId id="266" r:id="rId19"/>
-    <p:sldId id="271" r:id="rId20"/>
-    <p:sldId id="272" r:id="rId21"/>
-    <p:sldId id="279" r:id="rId22"/>
-    <p:sldId id="273" r:id="rId23"/>
-    <p:sldId id="280" r:id="rId24"/>
-    <p:sldId id="274" r:id="rId25"/>
-    <p:sldId id="286" r:id="rId26"/>
-    <p:sldId id="275" r:id="rId27"/>
-    <p:sldId id="276" r:id="rId28"/>
-    <p:sldId id="277" r:id="rId29"/>
-    <p:sldId id="278" r:id="rId30"/>
-    <p:sldId id="284" r:id="rId31"/>
-    <p:sldId id="285" r:id="rId32"/>
+    <p:sldId id="288" r:id="rId7"/>
+    <p:sldId id="262" r:id="rId8"/>
+    <p:sldId id="261" r:id="rId9"/>
+    <p:sldId id="263" r:id="rId10"/>
+    <p:sldId id="267" r:id="rId11"/>
+    <p:sldId id="268" r:id="rId12"/>
+    <p:sldId id="270" r:id="rId13"/>
+    <p:sldId id="264" r:id="rId14"/>
+    <p:sldId id="265" r:id="rId15"/>
+    <p:sldId id="281" r:id="rId16"/>
+    <p:sldId id="282" r:id="rId17"/>
+    <p:sldId id="287" r:id="rId18"/>
+    <p:sldId id="283" r:id="rId19"/>
+    <p:sldId id="289" r:id="rId20"/>
+    <p:sldId id="290" r:id="rId21"/>
+    <p:sldId id="291" r:id="rId22"/>
+    <p:sldId id="292" r:id="rId23"/>
+    <p:sldId id="266" r:id="rId24"/>
+    <p:sldId id="271" r:id="rId25"/>
+    <p:sldId id="272" r:id="rId26"/>
+    <p:sldId id="279" r:id="rId27"/>
+    <p:sldId id="273" r:id="rId28"/>
+    <p:sldId id="280" r:id="rId29"/>
+    <p:sldId id="274" r:id="rId30"/>
+    <p:sldId id="286" r:id="rId31"/>
+    <p:sldId id="275" r:id="rId32"/>
+    <p:sldId id="276" r:id="rId33"/>
+    <p:sldId id="277" r:id="rId34"/>
+    <p:sldId id="278" r:id="rId35"/>
+    <p:sldId id="284" r:id="rId36"/>
+    <p:sldId id="285" r:id="rId37"/>
   </p:sldIdLst>
   <p:sldSz cx="12192000" cy="6858000"/>
   <p:notesSz cx="6858000" cy="9144000"/>
@@ -368,7 +373,7 @@
           <a:p>
             <a:fld id="{2ADE304B-BB8D-48AC-99E5-59B797BCD10C}" type="datetimeFigureOut">
               <a:rPr lang="en-US" smtClean="0"/>
-              <a:t>1/4/2023</a:t>
+              <a:t>8/26/2023</a:t>
             </a:fld>
             <a:endParaRPr lang="en-US"/>
           </a:p>
@@ -576,7 +581,7 @@
           <a:p>
             <a:fld id="{2ADE304B-BB8D-48AC-99E5-59B797BCD10C}" type="datetimeFigureOut">
               <a:rPr lang="en-US" smtClean="0"/>
-              <a:t>1/4/2023</a:t>
+              <a:t>8/26/2023</a:t>
             </a:fld>
             <a:endParaRPr lang="en-US"/>
           </a:p>
@@ -832,7 +837,7 @@
           <a:p>
             <a:fld id="{2ADE304B-BB8D-48AC-99E5-59B797BCD10C}" type="datetimeFigureOut">
               <a:rPr lang="en-US" smtClean="0"/>
-              <a:t>1/4/2023</a:t>
+              <a:t>8/26/2023</a:t>
             </a:fld>
             <a:endParaRPr lang="en-US"/>
           </a:p>
@@ -1002,7 +1007,7 @@
           <a:p>
             <a:fld id="{2ADE304B-BB8D-48AC-99E5-59B797BCD10C}" type="datetimeFigureOut">
               <a:rPr lang="en-US" smtClean="0"/>
-              <a:t>1/4/2023</a:t>
+              <a:t>8/26/2023</a:t>
             </a:fld>
             <a:endParaRPr lang="en-US"/>
           </a:p>
@@ -1345,7 +1350,7 @@
           <a:p>
             <a:fld id="{2ADE304B-BB8D-48AC-99E5-59B797BCD10C}" type="datetimeFigureOut">
               <a:rPr lang="en-US" smtClean="0"/>
-              <a:t>1/4/2023</a:t>
+              <a:t>8/26/2023</a:t>
             </a:fld>
             <a:endParaRPr lang="en-US"/>
           </a:p>
@@ -1620,7 +1625,7 @@
           <a:p>
             <a:fld id="{2ADE304B-BB8D-48AC-99E5-59B797BCD10C}" type="datetimeFigureOut">
               <a:rPr lang="en-US" smtClean="0"/>
-              <a:t>1/4/2023</a:t>
+              <a:t>8/26/2023</a:t>
             </a:fld>
             <a:endParaRPr lang="en-US"/>
           </a:p>
@@ -1999,7 +2004,7 @@
           <a:p>
             <a:fld id="{2ADE304B-BB8D-48AC-99E5-59B797BCD10C}" type="datetimeFigureOut">
               <a:rPr lang="en-US" smtClean="0"/>
-              <a:t>1/4/2023</a:t>
+              <a:t>8/26/2023</a:t>
             </a:fld>
             <a:endParaRPr lang="en-US"/>
           </a:p>
@@ -2117,7 +2122,7 @@
           <a:p>
             <a:fld id="{2ADE304B-BB8D-48AC-99E5-59B797BCD10C}" type="datetimeFigureOut">
               <a:rPr lang="en-US" smtClean="0"/>
-              <a:t>1/4/2023</a:t>
+              <a:t>8/26/2023</a:t>
             </a:fld>
             <a:endParaRPr lang="en-US"/>
           </a:p>
@@ -2288,7 +2293,7 @@
           <a:p>
             <a:fld id="{2ADE304B-BB8D-48AC-99E5-59B797BCD10C}" type="datetimeFigureOut">
               <a:rPr lang="en-US" smtClean="0"/>
-              <a:t>1/4/2023</a:t>
+              <a:t>8/26/2023</a:t>
             </a:fld>
             <a:endParaRPr lang="en-US"/>
           </a:p>
@@ -2642,7 +2647,7 @@
           <a:p>
             <a:fld id="{2ADE304B-BB8D-48AC-99E5-59B797BCD10C}" type="datetimeFigureOut">
               <a:rPr lang="en-US" smtClean="0"/>
-              <a:t>1/4/2023</a:t>
+              <a:t>8/26/2023</a:t>
             </a:fld>
             <a:endParaRPr lang="en-US"/>
           </a:p>
@@ -3019,7 +3024,7 @@
           <a:p>
             <a:fld id="{2ADE304B-BB8D-48AC-99E5-59B797BCD10C}" type="datetimeFigureOut">
               <a:rPr lang="en-US" smtClean="0"/>
-              <a:t>1/4/2023</a:t>
+              <a:t>8/26/2023</a:t>
             </a:fld>
             <a:endParaRPr lang="en-US"/>
           </a:p>
@@ -3306,7 +3311,7 @@
           <a:p>
             <a:fld id="{2ADE304B-BB8D-48AC-99E5-59B797BCD10C}" type="datetimeFigureOut">
               <a:rPr lang="en-US" smtClean="0"/>
-              <a:t>1/4/2023</a:t>
+              <a:t>8/26/2023</a:t>
             </a:fld>
             <a:endParaRPr lang="en-US"/>
           </a:p>
@@ -3938,7 +3943,7 @@
           <a:p>
             <a:r>
               <a:rPr lang="en-US" dirty="0"/>
-              <a:t>Input files – variable names library</a:t>
+              <a:t>Input files – tracer library</a:t>
             </a:r>
           </a:p>
         </p:txBody>
@@ -3967,15 +3972,7 @@
           <a:p>
             <a:r>
               <a:rPr lang="en-US" dirty="0"/>
-              <a:t>A variable library file simply stores the match between the formal </a:t>
-            </a:r>
-            <a:r>
-              <a:rPr lang="en-US" dirty="0" err="1"/>
-              <a:t>NetCDF</a:t>
-            </a:r>
-            <a:r>
-              <a:rPr lang="en-US" dirty="0"/>
-              <a:t> CF name for a variable and the actual variants that different models write on their outputs. Any user can add to this file if they encounter outputs from different models, and as long as the output is CF compliant, no further pre-processing should be required.</a:t>
+              <a:t>A tracer library file is a simplified tracer type database. The idea is that users can add tracer types and subtypes, each with their parameters and coefficients, to that library and use them on any case and share with other users.</a:t>
             </a:r>
           </a:p>
           <a:p>
@@ -3991,23 +3988,15 @@
             <a:endParaRPr lang="en-US" dirty="0"/>
           </a:p>
           <a:p>
-            <a:r>
-              <a:rPr lang="en-US" dirty="0"/>
-              <a:t>The name of the section is the CF long name, and the name field in front of it determines the name of that variable inside our simulation and its outputs.</a:t>
-            </a:r>
-          </a:p>
-          <a:p>
-            <a:r>
-              <a:rPr lang="en-US" dirty="0"/>
-              <a:t>The variants are a list of possible names for a given variable, that if found in a </a:t>
-            </a:r>
-            <a:r>
-              <a:rPr lang="en-US" dirty="0" err="1"/>
-              <a:t>NetCDF</a:t>
-            </a:r>
-            <a:r>
-              <a:rPr lang="en-US" dirty="0"/>
-              <a:t> file are used to read the fields.</a:t>
+            <a:endParaRPr lang="en-US" dirty="0"/>
+          </a:p>
+          <a:p>
+            <a:endParaRPr lang="en-US" dirty="0"/>
+          </a:p>
+          <a:p>
+            <a:r>
+              <a:rPr lang="en-US" dirty="0"/>
+              <a:t>For v0.2, plastic and paper types are implemented, with simple, placeholder physical functions such as a degradation rate.</a:t>
             </a:r>
           </a:p>
           <a:p>
@@ -4020,7 +4009,7 @@
       </p:sp>
       <p:pic>
         <p:nvPicPr>
-          <p:cNvPr id="4" name="Picture 3"/>
+          <p:cNvPr id="5" name="Picture 4"/>
           <p:cNvPicPr>
             <a:picLocks noChangeAspect="1"/>
           </p:cNvPicPr>
@@ -4034,8 +4023,8 @@
         </p:blipFill>
         <p:spPr>
           <a:xfrm>
-            <a:off x="1858736" y="3414333"/>
-            <a:ext cx="3924300" cy="981075"/>
+            <a:off x="1758723" y="2801711"/>
+            <a:ext cx="3514725" cy="2600325"/>
           </a:xfrm>
           <a:prstGeom prst="rect">
             <a:avLst/>
@@ -4044,22 +4033,21 @@
       </p:pic>
       <p:pic>
         <p:nvPicPr>
-          <p:cNvPr id="7" name="Picture 6"/>
+          <p:cNvPr id="6" name="Picture 5"/>
           <p:cNvPicPr>
             <a:picLocks noChangeAspect="1"/>
           </p:cNvPicPr>
           <p:nvPr/>
         </p:nvPicPr>
-        <p:blipFill>
+        <p:blipFill rotWithShape="1">
           <a:blip r:embed="rId3"/>
-          <a:stretch>
-            <a:fillRect/>
-          </a:stretch>
+          <a:srcRect l="323"/>
+          <a:stretch/>
         </p:blipFill>
         <p:spPr>
           <a:xfrm>
-            <a:off x="6962503" y="3327247"/>
-            <a:ext cx="2619375" cy="1323975"/>
+            <a:off x="6126480" y="3535136"/>
+            <a:ext cx="3560309" cy="1790700"/>
           </a:xfrm>
           <a:prstGeom prst="rect">
             <a:avLst/>
@@ -4069,7 +4057,7 @@
     </p:spTree>
     <p:extLst>
       <p:ext uri="{BB962C8B-B14F-4D97-AF65-F5344CB8AC3E}">
-        <p14:creationId xmlns:p14="http://schemas.microsoft.com/office/powerpoint/2010/main" val="46330094"/>
+        <p14:creationId xmlns:p14="http://schemas.microsoft.com/office/powerpoint/2010/main" val="4054993639"/>
       </p:ext>
     </p:extLst>
   </p:cSld>
@@ -4113,6 +4101,181 @@
           <a:p>
             <a:r>
               <a:rPr lang="en-US" dirty="0"/>
+              <a:t>Input files – variable names library</a:t>
+            </a:r>
+          </a:p>
+        </p:txBody>
+      </p:sp>
+      <p:sp>
+        <p:nvSpPr>
+          <p:cNvPr id="3" name="Content Placeholder 2"/>
+          <p:cNvSpPr>
+            <a:spLocks noGrp="1"/>
+          </p:cNvSpPr>
+          <p:nvPr>
+            <p:ph idx="1"/>
+          </p:nvPr>
+        </p:nvSpPr>
+        <p:spPr>
+          <a:xfrm>
+            <a:off x="1097280" y="1845733"/>
+            <a:ext cx="10058400" cy="4576837"/>
+          </a:xfrm>
+        </p:spPr>
+        <p:txBody>
+          <a:bodyPr>
+            <a:normAutofit/>
+          </a:bodyPr>
+          <a:lstStyle/>
+          <a:p>
+            <a:r>
+              <a:rPr lang="en-US" dirty="0"/>
+              <a:t>A variable library file simply stores the match between the formal </a:t>
+            </a:r>
+            <a:r>
+              <a:rPr lang="en-US" dirty="0" err="1"/>
+              <a:t>NetCDF</a:t>
+            </a:r>
+            <a:r>
+              <a:rPr lang="en-US" dirty="0"/>
+              <a:t> CF name for a variable and the actual variants that different models write on their outputs. Any user can add to this file if they encounter outputs from different models, and as long as the output is CF compliant, no further pre-processing should be required.</a:t>
+            </a:r>
+          </a:p>
+          <a:p>
+            <a:endParaRPr lang="en-US" dirty="0"/>
+          </a:p>
+          <a:p>
+            <a:endParaRPr lang="en-US" dirty="0"/>
+          </a:p>
+          <a:p>
+            <a:endParaRPr lang="en-US" dirty="0"/>
+          </a:p>
+          <a:p>
+            <a:endParaRPr lang="en-US" dirty="0"/>
+          </a:p>
+          <a:p>
+            <a:r>
+              <a:rPr lang="en-US" dirty="0"/>
+              <a:t>The name of the section is the CF long name, and the name field in front of it determines the name of that variable inside our simulation and its outputs.</a:t>
+            </a:r>
+          </a:p>
+          <a:p>
+            <a:r>
+              <a:rPr lang="en-US" dirty="0"/>
+              <a:t>The variants are a list of possible names for a given variable, that if found in a </a:t>
+            </a:r>
+            <a:r>
+              <a:rPr lang="en-US" dirty="0" err="1"/>
+              <a:t>NetCDF</a:t>
+            </a:r>
+            <a:r>
+              <a:rPr lang="en-US" dirty="0"/>
+              <a:t> file are used to read the fields.</a:t>
+            </a:r>
+          </a:p>
+          <a:p>
+            <a:pPr marL="0" indent="0">
+              <a:buNone/>
+            </a:pPr>
+            <a:endParaRPr lang="en-US" dirty="0"/>
+          </a:p>
+        </p:txBody>
+      </p:sp>
+      <p:pic>
+        <p:nvPicPr>
+          <p:cNvPr id="4" name="Picture 3"/>
+          <p:cNvPicPr>
+            <a:picLocks noChangeAspect="1"/>
+          </p:cNvPicPr>
+          <p:nvPr/>
+        </p:nvPicPr>
+        <p:blipFill>
+          <a:blip r:embed="rId2"/>
+          <a:stretch>
+            <a:fillRect/>
+          </a:stretch>
+        </p:blipFill>
+        <p:spPr>
+          <a:xfrm>
+            <a:off x="1858736" y="3414333"/>
+            <a:ext cx="3924300" cy="981075"/>
+          </a:xfrm>
+          <a:prstGeom prst="rect">
+            <a:avLst/>
+          </a:prstGeom>
+        </p:spPr>
+      </p:pic>
+      <p:pic>
+        <p:nvPicPr>
+          <p:cNvPr id="7" name="Picture 6"/>
+          <p:cNvPicPr>
+            <a:picLocks noChangeAspect="1"/>
+          </p:cNvPicPr>
+          <p:nvPr/>
+        </p:nvPicPr>
+        <p:blipFill>
+          <a:blip r:embed="rId3"/>
+          <a:stretch>
+            <a:fillRect/>
+          </a:stretch>
+        </p:blipFill>
+        <p:spPr>
+          <a:xfrm>
+            <a:off x="6962503" y="3327247"/>
+            <a:ext cx="2619375" cy="1323975"/>
+          </a:xfrm>
+          <a:prstGeom prst="rect">
+            <a:avLst/>
+          </a:prstGeom>
+        </p:spPr>
+      </p:pic>
+    </p:spTree>
+    <p:extLst>
+      <p:ext uri="{BB962C8B-B14F-4D97-AF65-F5344CB8AC3E}">
+        <p14:creationId xmlns:p14="http://schemas.microsoft.com/office/powerpoint/2010/main" val="46330094"/>
+      </p:ext>
+    </p:extLst>
+  </p:cSld>
+  <p:clrMapOvr>
+    <a:masterClrMapping/>
+  </p:clrMapOvr>
+</p:sld>
+</file>
+
+<file path=ppt/slides/slide12.xml><?xml version="1.0" encoding="utf-8"?>
+<p:sld xmlns:a="http://schemas.openxmlformats.org/drawingml/2006/main" xmlns:r="http://schemas.openxmlformats.org/officeDocument/2006/relationships" xmlns:p="http://schemas.openxmlformats.org/presentationml/2006/main">
+  <p:cSld>
+    <p:spTree>
+      <p:nvGrpSpPr>
+        <p:cNvPr id="1" name=""/>
+        <p:cNvGrpSpPr/>
+        <p:nvPr/>
+      </p:nvGrpSpPr>
+      <p:grpSpPr>
+        <a:xfrm>
+          <a:off x="0" y="0"/>
+          <a:ext cx="0" cy="0"/>
+          <a:chOff x="0" y="0"/>
+          <a:chExt cx="0" cy="0"/>
+        </a:xfrm>
+      </p:grpSpPr>
+      <p:sp>
+        <p:nvSpPr>
+          <p:cNvPr id="2" name="Title 1"/>
+          <p:cNvSpPr>
+            <a:spLocks noGrp="1"/>
+          </p:cNvSpPr>
+          <p:nvPr>
+            <p:ph type="title"/>
+          </p:nvPr>
+        </p:nvSpPr>
+        <p:spPr/>
+        <p:txBody>
+          <a:bodyPr/>
+          <a:lstStyle/>
+          <a:p>
+            <a:r>
+              <a:rPr lang="en-US" dirty="0"/>
               <a:t>Input files – .</a:t>
             </a:r>
             <a:r>
@@ -4201,7 +4364,7 @@
 </p:sld>
 </file>
 
-<file path=ppt/slides/slide12.xml><?xml version="1.0" encoding="utf-8"?>
+<file path=ppt/slides/slide13.xml><?xml version="1.0" encoding="utf-8"?>
 <p:sld xmlns:a="http://schemas.openxmlformats.org/drawingml/2006/main" xmlns:r="http://schemas.openxmlformats.org/officeDocument/2006/relationships" xmlns:p="http://schemas.openxmlformats.org/presentationml/2006/main">
   <p:cSld>
     <p:spTree>
@@ -4444,7 +4607,7 @@
 </p:sld>
 </file>
 
-<file path=ppt/slides/slide13.xml><?xml version="1.0" encoding="utf-8"?>
+<file path=ppt/slides/slide14.xml><?xml version="1.0" encoding="utf-8"?>
 <p:sld xmlns:a="http://schemas.openxmlformats.org/drawingml/2006/main" xmlns:r="http://schemas.openxmlformats.org/officeDocument/2006/relationships" xmlns:p="http://schemas.openxmlformats.org/presentationml/2006/main">
   <p:cSld>
     <p:spTree>
@@ -4739,7 +4902,7 @@
 </p:sld>
 </file>
 
-<file path=ppt/slides/slide14.xml><?xml version="1.0" encoding="utf-8"?>
+<file path=ppt/slides/slide15.xml><?xml version="1.0" encoding="utf-8"?>
 <p:sld xmlns:a="http://schemas.openxmlformats.org/drawingml/2006/main" xmlns:r="http://schemas.openxmlformats.org/officeDocument/2006/relationships" xmlns:p="http://schemas.openxmlformats.org/presentationml/2006/main">
   <p:cSld>
     <p:spTree>
@@ -5096,375 +5259,6 @@
     <p:extLst>
       <p:ext uri="{BB962C8B-B14F-4D97-AF65-F5344CB8AC3E}">
         <p14:creationId xmlns:p14="http://schemas.microsoft.com/office/powerpoint/2010/main" val="1003818272"/>
-      </p:ext>
-    </p:extLst>
-  </p:cSld>
-  <p:clrMapOvr>
-    <a:masterClrMapping/>
-  </p:clrMapOvr>
-</p:sld>
-</file>
-
-<file path=ppt/slides/slide15.xml><?xml version="1.0" encoding="utf-8"?>
-<p:sld xmlns:a="http://schemas.openxmlformats.org/drawingml/2006/main" xmlns:r="http://schemas.openxmlformats.org/officeDocument/2006/relationships" xmlns:p="http://schemas.openxmlformats.org/presentationml/2006/main">
-  <p:cSld>
-    <p:spTree>
-      <p:nvGrpSpPr>
-        <p:cNvPr id="1" name=""/>
-        <p:cNvGrpSpPr/>
-        <p:nvPr/>
-      </p:nvGrpSpPr>
-      <p:grpSpPr>
-        <a:xfrm>
-          <a:off x="0" y="0"/>
-          <a:ext cx="0" cy="0"/>
-          <a:chOff x="0" y="0"/>
-          <a:chExt cx="0" cy="0"/>
-        </a:xfrm>
-      </p:grpSpPr>
-      <p:pic>
-        <p:nvPicPr>
-          <p:cNvPr id="4" name="Picture 3"/>
-          <p:cNvPicPr>
-            <a:picLocks noChangeAspect="1"/>
-          </p:cNvPicPr>
-          <p:nvPr/>
-        </p:nvPicPr>
-        <p:blipFill>
-          <a:blip r:embed="rId2"/>
-          <a:stretch>
-            <a:fillRect/>
-          </a:stretch>
-        </p:blipFill>
-        <p:spPr>
-          <a:xfrm>
-            <a:off x="317046" y="2682682"/>
-            <a:ext cx="9925050" cy="2962275"/>
-          </a:xfrm>
-          <a:prstGeom prst="rect">
-            <a:avLst/>
-          </a:prstGeom>
-        </p:spPr>
-      </p:pic>
-      <p:sp>
-        <p:nvSpPr>
-          <p:cNvPr id="2" name="Title 1"/>
-          <p:cNvSpPr>
-            <a:spLocks noGrp="1"/>
-          </p:cNvSpPr>
-          <p:nvPr>
-            <p:ph type="title"/>
-          </p:nvPr>
-        </p:nvSpPr>
-        <p:spPr/>
-        <p:txBody>
-          <a:bodyPr/>
-          <a:lstStyle/>
-          <a:p>
-            <a:r>
-              <a:rPr lang="en-US" dirty="0"/>
-              <a:t>Case definition - example</a:t>
-            </a:r>
-          </a:p>
-        </p:txBody>
-      </p:sp>
-      <p:sp>
-        <p:nvSpPr>
-          <p:cNvPr id="3" name="Content Placeholder 2"/>
-          <p:cNvSpPr>
-            <a:spLocks noGrp="1"/>
-          </p:cNvSpPr>
-          <p:nvPr>
-            <p:ph idx="1"/>
-          </p:nvPr>
-        </p:nvSpPr>
-        <p:spPr/>
-        <p:txBody>
-          <a:bodyPr>
-            <a:normAutofit/>
-          </a:bodyPr>
-          <a:lstStyle/>
-          <a:p>
-            <a:pPr marL="0" indent="0">
-              <a:buNone/>
-            </a:pPr>
-            <a:r>
-              <a:rPr lang="en-US" sz="1400" dirty="0"/>
-              <a:t>Source definitions of the Arousa2D test case configuration file</a:t>
-            </a:r>
-          </a:p>
-          <a:p>
-            <a:pPr marL="0" indent="0">
-              <a:buNone/>
-            </a:pPr>
-            <a:endParaRPr lang="en-US" sz="1400" dirty="0"/>
-          </a:p>
-        </p:txBody>
-      </p:sp>
-      <p:sp>
-        <p:nvSpPr>
-          <p:cNvPr id="6" name="TextBox 5"/>
-          <p:cNvSpPr txBox="1"/>
-          <p:nvPr/>
-        </p:nvSpPr>
-        <p:spPr>
-          <a:xfrm>
-            <a:off x="6010000" y="2177091"/>
-            <a:ext cx="5471163" cy="369332"/>
-          </a:xfrm>
-          <a:prstGeom prst="rect">
-            <a:avLst/>
-          </a:prstGeom>
-          <a:noFill/>
-        </p:spPr>
-        <p:txBody>
-          <a:bodyPr wrap="square" rtlCol="0">
-            <a:spAutoFit/>
-          </a:bodyPr>
-          <a:lstStyle/>
-          <a:p>
-            <a:r>
-              <a:rPr lang="en-US" dirty="0"/>
-              <a:t>Emission rate mediated by a csv file (time(s), rate(Hz)</a:t>
-            </a:r>
-          </a:p>
-        </p:txBody>
-      </p:sp>
-      <p:cxnSp>
-        <p:nvCxnSpPr>
-          <p:cNvPr id="7" name="Straight Arrow Connector 6"/>
-          <p:cNvCxnSpPr>
-            <a:endCxn id="6" idx="1"/>
-          </p:cNvCxnSpPr>
-          <p:nvPr/>
-        </p:nvCxnSpPr>
-        <p:spPr>
-          <a:xfrm flipV="1">
-            <a:off x="3525882" y="2361757"/>
-            <a:ext cx="2484118" cy="871744"/>
-          </a:xfrm>
-          <a:prstGeom prst="straightConnector1">
-            <a:avLst/>
-          </a:prstGeom>
-          <a:ln>
-            <a:tailEnd type="triangle"/>
-          </a:ln>
-        </p:spPr>
-        <p:style>
-          <a:lnRef idx="1">
-            <a:schemeClr val="dk1"/>
-          </a:lnRef>
-          <a:fillRef idx="0">
-            <a:schemeClr val="dk1"/>
-          </a:fillRef>
-          <a:effectRef idx="0">
-            <a:schemeClr val="dk1"/>
-          </a:effectRef>
-          <a:fontRef idx="minor">
-            <a:schemeClr val="tx1"/>
-          </a:fontRef>
-        </p:style>
-      </p:cxnSp>
-      <p:sp>
-        <p:nvSpPr>
-          <p:cNvPr id="9" name="TextBox 8"/>
-          <p:cNvSpPr txBox="1"/>
-          <p:nvPr/>
-        </p:nvSpPr>
-        <p:spPr>
-          <a:xfrm>
-            <a:off x="6847115" y="3667703"/>
-            <a:ext cx="5170714" cy="800219"/>
-          </a:xfrm>
-          <a:prstGeom prst="rect">
-            <a:avLst/>
-          </a:prstGeom>
-          <a:noFill/>
-        </p:spPr>
-        <p:txBody>
-          <a:bodyPr wrap="square" rtlCol="0">
-            <a:spAutoFit/>
-          </a:bodyPr>
-          <a:lstStyle/>
-          <a:p>
-            <a:r>
-              <a:rPr lang="en-US" dirty="0"/>
-              <a:t>Emission rate mediated by a MOHID time series file. </a:t>
-            </a:r>
-          </a:p>
-          <a:p>
-            <a:r>
-              <a:rPr lang="en-US" sz="1400" dirty="0"/>
-              <a:t>You can add the name of the variable you want to import as rate to the NamesLibrary.xml file </a:t>
-            </a:r>
-          </a:p>
-        </p:txBody>
-      </p:sp>
-      <p:cxnSp>
-        <p:nvCxnSpPr>
-          <p:cNvPr id="12" name="Straight Arrow Connector 11"/>
-          <p:cNvCxnSpPr/>
-          <p:nvPr/>
-        </p:nvCxnSpPr>
-        <p:spPr>
-          <a:xfrm flipV="1">
-            <a:off x="4343400" y="4060372"/>
-            <a:ext cx="2503715" cy="348342"/>
-          </a:xfrm>
-          <a:prstGeom prst="straightConnector1">
-            <a:avLst/>
-          </a:prstGeom>
-          <a:ln>
-            <a:tailEnd type="triangle"/>
-          </a:ln>
-        </p:spPr>
-        <p:style>
-          <a:lnRef idx="1">
-            <a:schemeClr val="dk1"/>
-          </a:lnRef>
-          <a:fillRef idx="0">
-            <a:schemeClr val="dk1"/>
-          </a:fillRef>
-          <a:effectRef idx="0">
-            <a:schemeClr val="dk1"/>
-          </a:effectRef>
-          <a:fontRef idx="minor">
-            <a:schemeClr val="tx1"/>
-          </a:fontRef>
-        </p:style>
-      </p:cxnSp>
-      <p:cxnSp>
-        <p:nvCxnSpPr>
-          <p:cNvPr id="17" name="Straight Arrow Connector 16"/>
-          <p:cNvCxnSpPr>
-            <a:endCxn id="20" idx="1"/>
-          </p:cNvCxnSpPr>
-          <p:nvPr/>
-        </p:nvCxnSpPr>
-        <p:spPr>
-          <a:xfrm>
-            <a:off x="4245429" y="5225143"/>
-            <a:ext cx="2803068" cy="604287"/>
-          </a:xfrm>
-          <a:prstGeom prst="straightConnector1">
-            <a:avLst/>
-          </a:prstGeom>
-          <a:ln>
-            <a:tailEnd type="triangle"/>
-          </a:ln>
-        </p:spPr>
-        <p:style>
-          <a:lnRef idx="1">
-            <a:schemeClr val="dk1"/>
-          </a:lnRef>
-          <a:fillRef idx="0">
-            <a:schemeClr val="dk1"/>
-          </a:fillRef>
-          <a:effectRef idx="0">
-            <a:schemeClr val="dk1"/>
-          </a:effectRef>
-          <a:fontRef idx="minor">
-            <a:schemeClr val="tx1"/>
-          </a:fontRef>
-        </p:style>
-      </p:cxnSp>
-      <p:sp>
-        <p:nvSpPr>
-          <p:cNvPr id="20" name="TextBox 19"/>
-          <p:cNvSpPr txBox="1"/>
-          <p:nvPr/>
-        </p:nvSpPr>
-        <p:spPr>
-          <a:xfrm>
-            <a:off x="7048497" y="5506264"/>
-            <a:ext cx="4432666" cy="646331"/>
-          </a:xfrm>
-          <a:prstGeom prst="rect">
-            <a:avLst/>
-          </a:prstGeom>
-          <a:noFill/>
-        </p:spPr>
-        <p:txBody>
-          <a:bodyPr wrap="square" rtlCol="0">
-            <a:spAutoFit/>
-          </a:bodyPr>
-          <a:lstStyle/>
-          <a:p>
-            <a:r>
-              <a:rPr lang="en-US" dirty="0"/>
-              <a:t>Position time series (either .csv or MOHID time series) for this source</a:t>
-            </a:r>
-          </a:p>
-        </p:txBody>
-      </p:sp>
-      <p:cxnSp>
-        <p:nvCxnSpPr>
-          <p:cNvPr id="22" name="Straight Arrow Connector 21"/>
-          <p:cNvCxnSpPr>
-            <a:endCxn id="23" idx="1"/>
-          </p:cNvCxnSpPr>
-          <p:nvPr/>
-        </p:nvCxnSpPr>
-        <p:spPr>
-          <a:xfrm>
-            <a:off x="2570664" y="4670431"/>
-            <a:ext cx="4216307" cy="382374"/>
-          </a:xfrm>
-          <a:prstGeom prst="straightConnector1">
-            <a:avLst/>
-          </a:prstGeom>
-          <a:ln>
-            <a:tailEnd type="triangle"/>
-          </a:ln>
-        </p:spPr>
-        <p:style>
-          <a:lnRef idx="1">
-            <a:schemeClr val="dk1"/>
-          </a:lnRef>
-          <a:fillRef idx="0">
-            <a:schemeClr val="dk1"/>
-          </a:fillRef>
-          <a:effectRef idx="0">
-            <a:schemeClr val="dk1"/>
-          </a:effectRef>
-          <a:fontRef idx="minor">
-            <a:schemeClr val="tx1"/>
-          </a:fontRef>
-        </p:style>
-      </p:cxnSp>
-      <p:sp>
-        <p:nvSpPr>
-          <p:cNvPr id="23" name="TextBox 22"/>
-          <p:cNvSpPr txBox="1"/>
-          <p:nvPr/>
-        </p:nvSpPr>
-        <p:spPr>
-          <a:xfrm>
-            <a:off x="6786971" y="4729639"/>
-            <a:ext cx="5148943" cy="646331"/>
-          </a:xfrm>
-          <a:prstGeom prst="rect">
-            <a:avLst/>
-          </a:prstGeom>
-          <a:noFill/>
-        </p:spPr>
-        <p:txBody>
-          <a:bodyPr wrap="square" rtlCol="0">
-            <a:spAutoFit/>
-          </a:bodyPr>
-          <a:lstStyle/>
-          <a:p>
-            <a:r>
-              <a:rPr lang="en-US" dirty="0"/>
-              <a:t>Optional scale to multiply the imported variable with (transforming river discharge into rate for example)</a:t>
-            </a:r>
-          </a:p>
-        </p:txBody>
-      </p:sp>
-    </p:spTree>
-    <p:extLst>
-      <p:ext uri="{BB962C8B-B14F-4D97-AF65-F5344CB8AC3E}">
-        <p14:creationId xmlns:p14="http://schemas.microsoft.com/office/powerpoint/2010/main" val="3949443610"/>
       </p:ext>
     </p:extLst>
   </p:cSld>
@@ -5493,13 +5287,7 @@
       </p:grpSpPr>
       <p:pic>
         <p:nvPicPr>
-          <p:cNvPr id="8" name="Picture 7">
-            <a:extLst>
-              <a:ext uri="{FF2B5EF4-FFF2-40B4-BE49-F238E27FC236}">
-                <a16:creationId xmlns:a16="http://schemas.microsoft.com/office/drawing/2014/main" id="{BC525CA5-134A-D370-4153-BDD3B394E24A}"/>
-              </a:ext>
-            </a:extLst>
-          </p:cNvPr>
+          <p:cNvPr id="4" name="Picture 3"/>
           <p:cNvPicPr>
             <a:picLocks noChangeAspect="1"/>
           </p:cNvPicPr>
@@ -5513,8 +5301,8 @@
         </p:blipFill>
         <p:spPr>
           <a:xfrm>
-            <a:off x="0" y="3004857"/>
-            <a:ext cx="9035845" cy="1505112"/>
+            <a:off x="317046" y="2682682"/>
+            <a:ext cx="9925050" cy="2962275"/>
           </a:xfrm>
           <a:prstGeom prst="rect">
             <a:avLst/>
@@ -5538,7 +5326,7 @@
           <a:p>
             <a:r>
               <a:rPr lang="en-US" dirty="0"/>
-              <a:t>Case definition – example 2</a:t>
+              <a:t>Case definition - example</a:t>
             </a:r>
           </a:p>
         </p:txBody>
@@ -5585,7 +5373,7 @@
         <p:spPr>
           <a:xfrm>
             <a:off x="6010000" y="2177091"/>
-            <a:ext cx="5471163" cy="646331"/>
+            <a:ext cx="5471163" cy="369332"/>
           </a:xfrm>
           <a:prstGeom prst="rect">
             <a:avLst/>
@@ -5600,15 +5388,7 @@
           <a:p>
             <a:r>
               <a:rPr lang="en-US" dirty="0"/>
-              <a:t>Emission rate mediated by a </a:t>
-            </a:r>
-            <a:r>
-              <a:rPr lang="en-US" dirty="0" err="1"/>
-              <a:t>mohidTimeseries</a:t>
-            </a:r>
-            <a:r>
-              <a:rPr lang="en-US" dirty="0"/>
-              <a:t> file (time(s), rate(flow rate or Hz)</a:t>
+              <a:t>Emission rate mediated by a csv file (time(s), rate(Hz)</a:t>
             </a:r>
           </a:p>
         </p:txBody>
@@ -5617,23 +5397,19 @@
         <p:nvCxnSpPr>
           <p:cNvPr id="7" name="Straight Arrow Connector 6"/>
           <p:cNvCxnSpPr>
-            <a:cxnSpLocks/>
             <a:endCxn id="6" idx="1"/>
           </p:cNvCxnSpPr>
           <p:nvPr/>
         </p:nvCxnSpPr>
         <p:spPr>
           <a:xfrm flipV="1">
-            <a:off x="4149213" y="2500257"/>
-            <a:ext cx="1860787" cy="1205289"/>
+            <a:off x="3525882" y="2361757"/>
+            <a:ext cx="2484118" cy="871744"/>
           </a:xfrm>
           <a:prstGeom prst="straightConnector1">
             <a:avLst/>
           </a:prstGeom>
           <a:ln>
-            <a:solidFill>
-              <a:srgbClr val="FFC000"/>
-            </a:solidFill>
             <a:tailEnd type="triangle"/>
           </a:ln>
         </p:spPr>
@@ -5652,6 +5428,41 @@
           </a:fontRef>
         </p:style>
       </p:cxnSp>
+      <p:sp>
+        <p:nvSpPr>
+          <p:cNvPr id="9" name="TextBox 8"/>
+          <p:cNvSpPr txBox="1"/>
+          <p:nvPr/>
+        </p:nvSpPr>
+        <p:spPr>
+          <a:xfrm>
+            <a:off x="6847115" y="3667703"/>
+            <a:ext cx="5170714" cy="800219"/>
+          </a:xfrm>
+          <a:prstGeom prst="rect">
+            <a:avLst/>
+          </a:prstGeom>
+          <a:noFill/>
+        </p:spPr>
+        <p:txBody>
+          <a:bodyPr wrap="square" rtlCol="0">
+            <a:spAutoFit/>
+          </a:bodyPr>
+          <a:lstStyle/>
+          <a:p>
+            <a:r>
+              <a:rPr lang="en-US" dirty="0"/>
+              <a:t>Emission rate mediated by a MOHID time series file. </a:t>
+            </a:r>
+          </a:p>
+          <a:p>
+            <a:r>
+              <a:rPr lang="en-US" sz="1400" dirty="0"/>
+              <a:t>You can add the name of the variable you want to import as rate to the NamesLibrary.xml file </a:t>
+            </a:r>
+          </a:p>
+        </p:txBody>
+      </p:sp>
       <p:cxnSp>
         <p:nvCxnSpPr>
           <p:cNvPr id="12" name="Straight Arrow Connector 11"/>
@@ -5689,23 +5500,19 @@
         <p:nvCxnSpPr>
           <p:cNvPr id="17" name="Straight Arrow Connector 16"/>
           <p:cNvCxnSpPr>
-            <a:cxnSpLocks/>
             <a:endCxn id="20" idx="1"/>
           </p:cNvCxnSpPr>
           <p:nvPr/>
         </p:nvCxnSpPr>
         <p:spPr>
           <a:xfrm>
-            <a:off x="1553497" y="3429000"/>
-            <a:ext cx="573570" cy="2039591"/>
+            <a:off x="4245429" y="5225143"/>
+            <a:ext cx="2803068" cy="604287"/>
           </a:xfrm>
           <a:prstGeom prst="straightConnector1">
             <a:avLst/>
           </a:prstGeom>
           <a:ln>
-            <a:solidFill>
-              <a:srgbClr val="C00000"/>
-            </a:solidFill>
             <a:tailEnd type="triangle"/>
           </a:ln>
         </p:spPr>
@@ -5732,8 +5539,8 @@
         </p:nvSpPr>
         <p:spPr>
           <a:xfrm>
-            <a:off x="2127067" y="5006926"/>
-            <a:ext cx="4432666" cy="923330"/>
+            <a:off x="7048497" y="5506264"/>
+            <a:ext cx="4432666" cy="646331"/>
           </a:xfrm>
           <a:prstGeom prst="rect">
             <a:avLst/>
@@ -5748,21 +5555,56 @@
           <a:p>
             <a:r>
               <a:rPr lang="en-US" dirty="0"/>
-              <a:t>Specify tracer volume so the number of particles released become a function of a variable flow rate</a:t>
-            </a:r>
-          </a:p>
-        </p:txBody>
-      </p:sp>
-      <p:sp>
-        <p:nvSpPr>
-          <p:cNvPr id="9" name="TextBox 8"/>
+              <a:t>Position time series (either .csv or MOHID time series) for this source</a:t>
+            </a:r>
+          </a:p>
+        </p:txBody>
+      </p:sp>
+      <p:cxnSp>
+        <p:nvCxnSpPr>
+          <p:cNvPr id="22" name="Straight Arrow Connector 21"/>
+          <p:cNvCxnSpPr>
+            <a:endCxn id="23" idx="1"/>
+          </p:cNvCxnSpPr>
+          <p:nvPr/>
+        </p:nvCxnSpPr>
+        <p:spPr>
+          <a:xfrm>
+            <a:off x="2570664" y="4670431"/>
+            <a:ext cx="4216307" cy="382374"/>
+          </a:xfrm>
+          <a:prstGeom prst="straightConnector1">
+            <a:avLst/>
+          </a:prstGeom>
+          <a:ln>
+            <a:tailEnd type="triangle"/>
+          </a:ln>
+        </p:spPr>
+        <p:style>
+          <a:lnRef idx="1">
+            <a:schemeClr val="dk1"/>
+          </a:lnRef>
+          <a:fillRef idx="0">
+            <a:schemeClr val="dk1"/>
+          </a:fillRef>
+          <a:effectRef idx="0">
+            <a:schemeClr val="dk1"/>
+          </a:effectRef>
+          <a:fontRef idx="minor">
+            <a:schemeClr val="tx1"/>
+          </a:fontRef>
+        </p:style>
+      </p:cxnSp>
+      <p:sp>
+        <p:nvSpPr>
+          <p:cNvPr id="23" name="TextBox 22"/>
           <p:cNvSpPr txBox="1"/>
           <p:nvPr/>
         </p:nvSpPr>
         <p:spPr>
           <a:xfrm>
-            <a:off x="267463" y="2095508"/>
-            <a:ext cx="5170714" cy="800219"/>
+            <a:off x="6786971" y="4729639"/>
+            <a:ext cx="5148943" cy="646331"/>
           </a:xfrm>
           <a:prstGeom prst="rect">
             <a:avLst/>
@@ -5777,13 +5619,7 @@
           <a:p>
             <a:r>
               <a:rPr lang="en-US" dirty="0"/>
-              <a:t>Emission rate mediated by a MOHID time series file. </a:t>
-            </a:r>
-          </a:p>
-          <a:p>
-            <a:r>
-              <a:rPr lang="en-US" sz="1400" dirty="0"/>
-              <a:t>You can add the name of the variable you want to import as rate to the naming .xml file </a:t>
+              <a:t>Optional scale to multiply the imported variable with (transforming river discharge into rate for example)</a:t>
             </a:r>
           </a:p>
         </p:txBody>
@@ -5791,7 +5627,7 @@
     </p:spTree>
     <p:extLst>
       <p:ext uri="{BB962C8B-B14F-4D97-AF65-F5344CB8AC3E}">
-        <p14:creationId xmlns:p14="http://schemas.microsoft.com/office/powerpoint/2010/main" val="3795449720"/>
+        <p14:creationId xmlns:p14="http://schemas.microsoft.com/office/powerpoint/2010/main" val="3949443610"/>
       </p:ext>
     </p:extLst>
   </p:cSld>
@@ -5820,6 +5656,333 @@
       </p:grpSpPr>
       <p:pic>
         <p:nvPicPr>
+          <p:cNvPr id="8" name="Picture 7">
+            <a:extLst>
+              <a:ext uri="{FF2B5EF4-FFF2-40B4-BE49-F238E27FC236}">
+                <a16:creationId xmlns:a16="http://schemas.microsoft.com/office/drawing/2014/main" id="{BC525CA5-134A-D370-4153-BDD3B394E24A}"/>
+              </a:ext>
+            </a:extLst>
+          </p:cNvPr>
+          <p:cNvPicPr>
+            <a:picLocks noChangeAspect="1"/>
+          </p:cNvPicPr>
+          <p:nvPr/>
+        </p:nvPicPr>
+        <p:blipFill>
+          <a:blip r:embed="rId2"/>
+          <a:stretch>
+            <a:fillRect/>
+          </a:stretch>
+        </p:blipFill>
+        <p:spPr>
+          <a:xfrm>
+            <a:off x="0" y="3004857"/>
+            <a:ext cx="9035845" cy="1505112"/>
+          </a:xfrm>
+          <a:prstGeom prst="rect">
+            <a:avLst/>
+          </a:prstGeom>
+        </p:spPr>
+      </p:pic>
+      <p:sp>
+        <p:nvSpPr>
+          <p:cNvPr id="2" name="Title 1"/>
+          <p:cNvSpPr>
+            <a:spLocks noGrp="1"/>
+          </p:cNvSpPr>
+          <p:nvPr>
+            <p:ph type="title"/>
+          </p:nvPr>
+        </p:nvSpPr>
+        <p:spPr/>
+        <p:txBody>
+          <a:bodyPr/>
+          <a:lstStyle/>
+          <a:p>
+            <a:r>
+              <a:rPr lang="en-US" dirty="0"/>
+              <a:t>Case definition – example 2</a:t>
+            </a:r>
+          </a:p>
+        </p:txBody>
+      </p:sp>
+      <p:sp>
+        <p:nvSpPr>
+          <p:cNvPr id="3" name="Content Placeholder 2"/>
+          <p:cNvSpPr>
+            <a:spLocks noGrp="1"/>
+          </p:cNvSpPr>
+          <p:nvPr>
+            <p:ph idx="1"/>
+          </p:nvPr>
+        </p:nvSpPr>
+        <p:spPr/>
+        <p:txBody>
+          <a:bodyPr>
+            <a:normAutofit/>
+          </a:bodyPr>
+          <a:lstStyle/>
+          <a:p>
+            <a:pPr marL="0" indent="0">
+              <a:buNone/>
+            </a:pPr>
+            <a:r>
+              <a:rPr lang="en-US" sz="1400" dirty="0"/>
+              <a:t>Source definitions of the Arousa2D test case configuration file</a:t>
+            </a:r>
+          </a:p>
+          <a:p>
+            <a:pPr marL="0" indent="0">
+              <a:buNone/>
+            </a:pPr>
+            <a:endParaRPr lang="en-US" sz="1400" dirty="0"/>
+          </a:p>
+        </p:txBody>
+      </p:sp>
+      <p:sp>
+        <p:nvSpPr>
+          <p:cNvPr id="6" name="TextBox 5"/>
+          <p:cNvSpPr txBox="1"/>
+          <p:nvPr/>
+        </p:nvSpPr>
+        <p:spPr>
+          <a:xfrm>
+            <a:off x="6010000" y="2177091"/>
+            <a:ext cx="5471163" cy="646331"/>
+          </a:xfrm>
+          <a:prstGeom prst="rect">
+            <a:avLst/>
+          </a:prstGeom>
+          <a:noFill/>
+        </p:spPr>
+        <p:txBody>
+          <a:bodyPr wrap="square" rtlCol="0">
+            <a:spAutoFit/>
+          </a:bodyPr>
+          <a:lstStyle/>
+          <a:p>
+            <a:r>
+              <a:rPr lang="en-US" dirty="0"/>
+              <a:t>Emission rate mediated by a </a:t>
+            </a:r>
+            <a:r>
+              <a:rPr lang="en-US" dirty="0" err="1"/>
+              <a:t>mohidTimeseries</a:t>
+            </a:r>
+            <a:r>
+              <a:rPr lang="en-US" dirty="0"/>
+              <a:t> file (time(s), rate(flow rate or Hz)</a:t>
+            </a:r>
+          </a:p>
+        </p:txBody>
+      </p:sp>
+      <p:cxnSp>
+        <p:nvCxnSpPr>
+          <p:cNvPr id="7" name="Straight Arrow Connector 6"/>
+          <p:cNvCxnSpPr>
+            <a:cxnSpLocks/>
+            <a:endCxn id="6" idx="1"/>
+          </p:cNvCxnSpPr>
+          <p:nvPr/>
+        </p:nvCxnSpPr>
+        <p:spPr>
+          <a:xfrm flipV="1">
+            <a:off x="4149213" y="2500257"/>
+            <a:ext cx="1860787" cy="1205289"/>
+          </a:xfrm>
+          <a:prstGeom prst="straightConnector1">
+            <a:avLst/>
+          </a:prstGeom>
+          <a:ln>
+            <a:solidFill>
+              <a:srgbClr val="FFC000"/>
+            </a:solidFill>
+            <a:tailEnd type="triangle"/>
+          </a:ln>
+        </p:spPr>
+        <p:style>
+          <a:lnRef idx="1">
+            <a:schemeClr val="dk1"/>
+          </a:lnRef>
+          <a:fillRef idx="0">
+            <a:schemeClr val="dk1"/>
+          </a:fillRef>
+          <a:effectRef idx="0">
+            <a:schemeClr val="dk1"/>
+          </a:effectRef>
+          <a:fontRef idx="minor">
+            <a:schemeClr val="tx1"/>
+          </a:fontRef>
+        </p:style>
+      </p:cxnSp>
+      <p:cxnSp>
+        <p:nvCxnSpPr>
+          <p:cNvPr id="12" name="Straight Arrow Connector 11"/>
+          <p:cNvCxnSpPr/>
+          <p:nvPr/>
+        </p:nvCxnSpPr>
+        <p:spPr>
+          <a:xfrm flipV="1">
+            <a:off x="4343400" y="4060372"/>
+            <a:ext cx="2503715" cy="348342"/>
+          </a:xfrm>
+          <a:prstGeom prst="straightConnector1">
+            <a:avLst/>
+          </a:prstGeom>
+          <a:ln>
+            <a:tailEnd type="triangle"/>
+          </a:ln>
+        </p:spPr>
+        <p:style>
+          <a:lnRef idx="1">
+            <a:schemeClr val="dk1"/>
+          </a:lnRef>
+          <a:fillRef idx="0">
+            <a:schemeClr val="dk1"/>
+          </a:fillRef>
+          <a:effectRef idx="0">
+            <a:schemeClr val="dk1"/>
+          </a:effectRef>
+          <a:fontRef idx="minor">
+            <a:schemeClr val="tx1"/>
+          </a:fontRef>
+        </p:style>
+      </p:cxnSp>
+      <p:cxnSp>
+        <p:nvCxnSpPr>
+          <p:cNvPr id="17" name="Straight Arrow Connector 16"/>
+          <p:cNvCxnSpPr>
+            <a:cxnSpLocks/>
+            <a:endCxn id="20" idx="1"/>
+          </p:cNvCxnSpPr>
+          <p:nvPr/>
+        </p:nvCxnSpPr>
+        <p:spPr>
+          <a:xfrm>
+            <a:off x="1553497" y="3429000"/>
+            <a:ext cx="573570" cy="2039591"/>
+          </a:xfrm>
+          <a:prstGeom prst="straightConnector1">
+            <a:avLst/>
+          </a:prstGeom>
+          <a:ln>
+            <a:solidFill>
+              <a:srgbClr val="C00000"/>
+            </a:solidFill>
+            <a:tailEnd type="triangle"/>
+          </a:ln>
+        </p:spPr>
+        <p:style>
+          <a:lnRef idx="1">
+            <a:schemeClr val="dk1"/>
+          </a:lnRef>
+          <a:fillRef idx="0">
+            <a:schemeClr val="dk1"/>
+          </a:fillRef>
+          <a:effectRef idx="0">
+            <a:schemeClr val="dk1"/>
+          </a:effectRef>
+          <a:fontRef idx="minor">
+            <a:schemeClr val="tx1"/>
+          </a:fontRef>
+        </p:style>
+      </p:cxnSp>
+      <p:sp>
+        <p:nvSpPr>
+          <p:cNvPr id="20" name="TextBox 19"/>
+          <p:cNvSpPr txBox="1"/>
+          <p:nvPr/>
+        </p:nvSpPr>
+        <p:spPr>
+          <a:xfrm>
+            <a:off x="2127067" y="5006926"/>
+            <a:ext cx="4432666" cy="923330"/>
+          </a:xfrm>
+          <a:prstGeom prst="rect">
+            <a:avLst/>
+          </a:prstGeom>
+          <a:noFill/>
+        </p:spPr>
+        <p:txBody>
+          <a:bodyPr wrap="square" rtlCol="0">
+            <a:spAutoFit/>
+          </a:bodyPr>
+          <a:lstStyle/>
+          <a:p>
+            <a:r>
+              <a:rPr lang="en-US" dirty="0"/>
+              <a:t>Specify tracer volume so the number of particles released become a function of a variable flow rate</a:t>
+            </a:r>
+          </a:p>
+        </p:txBody>
+      </p:sp>
+      <p:sp>
+        <p:nvSpPr>
+          <p:cNvPr id="9" name="TextBox 8"/>
+          <p:cNvSpPr txBox="1"/>
+          <p:nvPr/>
+        </p:nvSpPr>
+        <p:spPr>
+          <a:xfrm>
+            <a:off x="267463" y="2095508"/>
+            <a:ext cx="5170714" cy="800219"/>
+          </a:xfrm>
+          <a:prstGeom prst="rect">
+            <a:avLst/>
+          </a:prstGeom>
+          <a:noFill/>
+        </p:spPr>
+        <p:txBody>
+          <a:bodyPr wrap="square" rtlCol="0">
+            <a:spAutoFit/>
+          </a:bodyPr>
+          <a:lstStyle/>
+          <a:p>
+            <a:r>
+              <a:rPr lang="en-US" dirty="0"/>
+              <a:t>Emission rate mediated by a MOHID time series file. </a:t>
+            </a:r>
+          </a:p>
+          <a:p>
+            <a:r>
+              <a:rPr lang="en-US" sz="1400" dirty="0"/>
+              <a:t>You can add the name of the variable you want to import as rate to the naming .xml file </a:t>
+            </a:r>
+          </a:p>
+        </p:txBody>
+      </p:sp>
+    </p:spTree>
+    <p:extLst>
+      <p:ext uri="{BB962C8B-B14F-4D97-AF65-F5344CB8AC3E}">
+        <p14:creationId xmlns:p14="http://schemas.microsoft.com/office/powerpoint/2010/main" val="3795449720"/>
+      </p:ext>
+    </p:extLst>
+  </p:cSld>
+  <p:clrMapOvr>
+    <a:masterClrMapping/>
+  </p:clrMapOvr>
+</p:sld>
+</file>
+
+<file path=ppt/slides/slide18.xml><?xml version="1.0" encoding="utf-8"?>
+<p:sld xmlns:a="http://schemas.openxmlformats.org/drawingml/2006/main" xmlns:r="http://schemas.openxmlformats.org/officeDocument/2006/relationships" xmlns:p="http://schemas.openxmlformats.org/presentationml/2006/main">
+  <p:cSld>
+    <p:spTree>
+      <p:nvGrpSpPr>
+        <p:cNvPr id="1" name=""/>
+        <p:cNvGrpSpPr/>
+        <p:nvPr/>
+      </p:nvGrpSpPr>
+      <p:grpSpPr>
+        <a:xfrm>
+          <a:off x="0" y="0"/>
+          <a:ext cx="0" cy="0"/>
+          <a:chOff x="0" y="0"/>
+          <a:chExt cx="0" cy="0"/>
+        </a:xfrm>
+      </p:grpSpPr>
+      <p:pic>
+        <p:nvPicPr>
           <p:cNvPr id="5" name="Picture 4"/>
           <p:cNvPicPr>
             <a:picLocks noChangeAspect="1"/>
@@ -6039,142 +6202,6 @@
 </p:sld>
 </file>
 
-<file path=ppt/slides/slide18.xml><?xml version="1.0" encoding="utf-8"?>
-<p:sld xmlns:a="http://schemas.openxmlformats.org/drawingml/2006/main" xmlns:r="http://schemas.openxmlformats.org/officeDocument/2006/relationships" xmlns:p="http://schemas.openxmlformats.org/presentationml/2006/main">
-  <p:cSld>
-    <p:spTree>
-      <p:nvGrpSpPr>
-        <p:cNvPr id="1" name=""/>
-        <p:cNvGrpSpPr/>
-        <p:nvPr/>
-      </p:nvGrpSpPr>
-      <p:grpSpPr>
-        <a:xfrm>
-          <a:off x="0" y="0"/>
-          <a:ext cx="0" cy="0"/>
-          <a:chOff x="0" y="0"/>
-          <a:chExt cx="0" cy="0"/>
-        </a:xfrm>
-      </p:grpSpPr>
-      <p:sp>
-        <p:nvSpPr>
-          <p:cNvPr id="2" name="Title 1"/>
-          <p:cNvSpPr>
-            <a:spLocks noGrp="1"/>
-          </p:cNvSpPr>
-          <p:nvPr>
-            <p:ph type="title"/>
-          </p:nvPr>
-        </p:nvSpPr>
-        <p:spPr/>
-        <p:txBody>
-          <a:bodyPr/>
-          <a:lstStyle/>
-          <a:p>
-            <a:r>
-              <a:rPr lang="en-US" dirty="0"/>
-              <a:t>Case definition – useful pointers</a:t>
-            </a:r>
-          </a:p>
-        </p:txBody>
-      </p:sp>
-      <p:sp>
-        <p:nvSpPr>
-          <p:cNvPr id="3" name="Content Placeholder 2"/>
-          <p:cNvSpPr>
-            <a:spLocks noGrp="1"/>
-          </p:cNvSpPr>
-          <p:nvPr>
-            <p:ph idx="1"/>
-          </p:nvPr>
-        </p:nvSpPr>
-        <p:spPr>
-          <a:xfrm>
-            <a:off x="1097280" y="2677886"/>
-            <a:ext cx="10058400" cy="3191208"/>
-          </a:xfrm>
-        </p:spPr>
-        <p:txBody>
-          <a:bodyPr>
-            <a:normAutofit/>
-          </a:bodyPr>
-          <a:lstStyle/>
-          <a:p>
-            <a:pPr>
-              <a:buFont typeface="Arial" panose="020B0604020202020204" pitchFamily="34" charset="0"/>
-              <a:buChar char="•"/>
-            </a:pPr>
-            <a:r>
-              <a:rPr lang="en-US" sz="1800" dirty="0"/>
-              <a:t> File names and directories can be put in as absolute or relative paths</a:t>
-            </a:r>
-          </a:p>
-          <a:p>
-            <a:pPr>
-              <a:buFont typeface="Arial" panose="020B0604020202020204" pitchFamily="34" charset="0"/>
-              <a:buChar char="•"/>
-            </a:pPr>
-            <a:r>
-              <a:rPr lang="en-US" sz="1800" dirty="0"/>
-              <a:t> The naming conventions can be imported from several files, just add another to the section to append more options</a:t>
-            </a:r>
-          </a:p>
-          <a:p>
-            <a:pPr>
-              <a:buFont typeface="Arial" panose="020B0604020202020204" pitchFamily="34" charset="0"/>
-              <a:buChar char="•"/>
-            </a:pPr>
-            <a:r>
-              <a:rPr lang="en-US" sz="1800" dirty="0"/>
-              <a:t>  If you get an error saying a .xml file doesn’t exist while running MOHID </a:t>
-            </a:r>
-            <a:r>
-              <a:rPr lang="en-US" sz="1800" dirty="0" err="1"/>
-              <a:t>Lagrangian</a:t>
-            </a:r>
-            <a:r>
-              <a:rPr lang="en-US" sz="1800" dirty="0"/>
-              <a:t>, it’s probably not correctly formatted. Make sure all sections are properly open and closed (&lt;/&gt;)</a:t>
-            </a:r>
-          </a:p>
-          <a:p>
-            <a:pPr>
-              <a:buFont typeface="Arial" panose="020B0604020202020204" pitchFamily="34" charset="0"/>
-              <a:buChar char="•"/>
-            </a:pPr>
-            <a:r>
-              <a:rPr lang="en-US" sz="1800" dirty="0"/>
-              <a:t> Comments and units are there for user convenience, they don’t interact with the simulation</a:t>
-            </a:r>
-          </a:p>
-          <a:p>
-            <a:pPr>
-              <a:buFont typeface="Arial" panose="020B0604020202020204" pitchFamily="34" charset="0"/>
-              <a:buChar char="•"/>
-            </a:pPr>
-            <a:endParaRPr lang="en-US" sz="1800" dirty="0"/>
-          </a:p>
-          <a:p>
-            <a:pPr marL="0" indent="0">
-              <a:buNone/>
-            </a:pPr>
-            <a:endParaRPr lang="en-US" sz="1400" dirty="0"/>
-          </a:p>
-        </p:txBody>
-      </p:sp>
-    </p:spTree>
-    <p:extLst>
-      <p:ext uri="{BB962C8B-B14F-4D97-AF65-F5344CB8AC3E}">
-        <p14:creationId xmlns:p14="http://schemas.microsoft.com/office/powerpoint/2010/main" val="184499758"/>
-      </p:ext>
-    </p:extLst>
-  </p:cSld>
-  <p:clrMapOvr>
-    <a:masterClrMapping/>
-  </p:clrMapOvr>
-</p:sld>
-</file>
-
 <file path=ppt/slides/slide19.xml><?xml version="1.0" encoding="utf-8"?>
 <p:sld xmlns:a="http://schemas.openxmlformats.org/drawingml/2006/main" xmlns:r="http://schemas.openxmlformats.org/officeDocument/2006/relationships" xmlns:p="http://schemas.openxmlformats.org/presentationml/2006/main">
   <p:cSld>
@@ -6192,6 +6219,35 @@
           <a:chExt cx="0" cy="0"/>
         </a:xfrm>
       </p:grpSpPr>
+      <p:pic>
+        <p:nvPicPr>
+          <p:cNvPr id="8" name="Picture 7">
+            <a:extLst>
+              <a:ext uri="{FF2B5EF4-FFF2-40B4-BE49-F238E27FC236}">
+                <a16:creationId xmlns:a16="http://schemas.microsoft.com/office/drawing/2014/main" id="{D200333A-318C-7469-EB0D-FDD330C54008}"/>
+              </a:ext>
+            </a:extLst>
+          </p:cNvPr>
+          <p:cNvPicPr>
+            <a:picLocks noChangeAspect="1"/>
+          </p:cNvPicPr>
+          <p:nvPr/>
+        </p:nvPicPr>
+        <p:blipFill rotWithShape="1">
+          <a:blip r:embed="rId2"/>
+          <a:srcRect l="4281"/>
+          <a:stretch/>
+        </p:blipFill>
+        <p:spPr>
+          <a:xfrm>
+            <a:off x="174985" y="2192588"/>
+            <a:ext cx="11670030" cy="1587536"/>
+          </a:xfrm>
+          <a:prstGeom prst="rect">
+            <a:avLst/>
+          </a:prstGeom>
+        </p:spPr>
+      </p:pic>
       <p:sp>
         <p:nvSpPr>
           <p:cNvPr id="2" name="Title 1"/>
@@ -6209,7 +6265,7 @@
           <a:p>
             <a:r>
               <a:rPr lang="en-US" dirty="0"/>
-              <a:t>Case setup – workflow example</a:t>
+              <a:t>Case definition - example</a:t>
             </a:r>
           </a:p>
         </p:txBody>
@@ -6224,214 +6280,186 @@
             <p:ph idx="1"/>
           </p:nvPr>
         </p:nvSpPr>
-        <p:spPr>
-          <a:xfrm>
-            <a:off x="1097280" y="2079171"/>
-            <a:ext cx="10058400" cy="4256315"/>
-          </a:xfrm>
-        </p:spPr>
+        <p:spPr/>
         <p:txBody>
           <a:bodyPr>
             <a:normAutofit/>
           </a:bodyPr>
           <a:lstStyle/>
           <a:p>
-            <a:pPr>
-              <a:buFont typeface="Arial" panose="020B0604020202020204" pitchFamily="34" charset="0"/>
-              <a:buChar char="•"/>
-            </a:pPr>
-            <a:r>
-              <a:rPr lang="en-US" sz="1800" dirty="0"/>
-              <a:t>Create a directory to run your case – it will typically hold configuration, input and output files, but this is entirely up to the user. The examples directory in V0.2 is ‘</a:t>
-            </a:r>
-            <a:r>
-              <a:rPr lang="en-US" sz="1800" dirty="0" err="1"/>
-              <a:t>RUN_Cases</a:t>
-            </a:r>
-            <a:r>
-              <a:rPr lang="en-US" sz="1800" dirty="0"/>
-              <a:t>’. Create a ‘Test’ directory there.</a:t>
-            </a:r>
-          </a:p>
-          <a:p>
-            <a:pPr>
-              <a:buFont typeface="Arial" panose="020B0604020202020204" pitchFamily="34" charset="0"/>
-              <a:buChar char="•"/>
-            </a:pPr>
-            <a:endParaRPr lang="en-US" sz="1800" dirty="0"/>
-          </a:p>
-          <a:p>
-            <a:pPr>
-              <a:buFont typeface="Arial" panose="020B0604020202020204" pitchFamily="34" charset="0"/>
-              <a:buChar char="•"/>
-            </a:pPr>
-            <a:r>
-              <a:rPr lang="en-US" sz="1800" dirty="0"/>
-              <a:t> Create a configuration .xml file inside ‘Test’. You can copy the one from ‘Arousa_2D’ and modify it:</a:t>
-            </a:r>
-          </a:p>
-          <a:p>
-            <a:pPr>
-              <a:buFont typeface="Arial" panose="020B0604020202020204" pitchFamily="34" charset="0"/>
-              <a:buChar char="•"/>
-            </a:pPr>
-            <a:endParaRPr lang="en-US" sz="1800" dirty="0"/>
-          </a:p>
-          <a:p>
-            <a:pPr>
-              <a:buFont typeface="Arial" panose="020B0604020202020204" pitchFamily="34" charset="0"/>
-              <a:buChar char="•"/>
-            </a:pPr>
-            <a:endParaRPr lang="en-US" sz="1800" dirty="0"/>
-          </a:p>
-          <a:p>
-            <a:pPr>
-              <a:buFont typeface="Arial" panose="020B0604020202020204" pitchFamily="34" charset="0"/>
-              <a:buChar char="•"/>
-            </a:pPr>
-            <a:endParaRPr lang="en-US" sz="1800" dirty="0"/>
-          </a:p>
-          <a:p>
-            <a:pPr>
-              <a:buFont typeface="Arial" panose="020B0604020202020204" pitchFamily="34" charset="0"/>
-              <a:buChar char="•"/>
-            </a:pPr>
-            <a:endParaRPr lang="en-US" sz="1800" dirty="0"/>
-          </a:p>
-          <a:p>
-            <a:pPr>
-              <a:buFont typeface="Arial" panose="020B0604020202020204" pitchFamily="34" charset="0"/>
-              <a:buChar char="•"/>
-            </a:pPr>
-            <a:endParaRPr lang="en-US" sz="1800" dirty="0"/>
-          </a:p>
-          <a:p>
-            <a:pPr marL="0" indent="0" algn="ctr">
-              <a:buNone/>
-            </a:pPr>
-            <a:r>
-              <a:rPr lang="en-US" sz="1800" dirty="0"/>
-              <a:t>Change spatial and temporal resolutions – notice resolution can vary by direction or be uniform</a:t>
-            </a:r>
-          </a:p>
-          <a:p>
-            <a:pPr>
-              <a:buFont typeface="Arial" panose="020B0604020202020204" pitchFamily="34" charset="0"/>
-              <a:buChar char="•"/>
-            </a:pPr>
-            <a:endParaRPr lang="en-US" sz="1800" dirty="0"/>
-          </a:p>
-          <a:p>
-            <a:pPr>
-              <a:buFont typeface="Arial" panose="020B0604020202020204" pitchFamily="34" charset="0"/>
-              <a:buChar char="•"/>
-            </a:pPr>
-            <a:endParaRPr lang="en-US" sz="1800" dirty="0"/>
-          </a:p>
-          <a:p>
             <a:pPr marL="0" indent="0">
               <a:buNone/>
             </a:pPr>
+            <a:r>
+              <a:rPr lang="en-US" sz="1400" dirty="0"/>
+              <a:t>Source type definitions of the Vigo3D test case configuration file</a:t>
+            </a:r>
+          </a:p>
+          <a:p>
+            <a:pPr marL="0" indent="0">
+              <a:buNone/>
+            </a:pPr>
             <a:endParaRPr lang="en-US" sz="1400" dirty="0"/>
           </a:p>
         </p:txBody>
       </p:sp>
-      <p:pic>
-        <p:nvPicPr>
-          <p:cNvPr id="4" name="Picture 3"/>
-          <p:cNvPicPr>
-            <a:picLocks noChangeAspect="1"/>
-          </p:cNvPicPr>
-          <p:nvPr/>
-        </p:nvPicPr>
-        <p:blipFill>
-          <a:blip r:embed="rId2"/>
-          <a:stretch>
-            <a:fillRect/>
-          </a:stretch>
-        </p:blipFill>
-        <p:spPr>
-          <a:xfrm>
-            <a:off x="138792" y="4071941"/>
-            <a:ext cx="5905500" cy="1000125"/>
+      <p:sp>
+        <p:nvSpPr>
+          <p:cNvPr id="6" name="TextBox 5"/>
+          <p:cNvSpPr txBox="1"/>
+          <p:nvPr/>
+        </p:nvSpPr>
+        <p:spPr>
+          <a:xfrm>
+            <a:off x="295000" y="4736529"/>
+            <a:ext cx="5471163" cy="1200329"/>
           </a:xfrm>
           <a:prstGeom prst="rect">
             <a:avLst/>
           </a:prstGeom>
-        </p:spPr>
-      </p:pic>
-      <p:sp>
-        <p:nvSpPr>
-          <p:cNvPr id="7" name="Curved Up Arrow 6"/>
-          <p:cNvSpPr/>
-          <p:nvPr/>
-        </p:nvSpPr>
-        <p:spPr>
-          <a:xfrm>
-            <a:off x="4767943" y="5192486"/>
-            <a:ext cx="2198914" cy="489858"/>
-          </a:xfrm>
-          <a:prstGeom prst="curvedUpArrow">
-            <a:avLst/>
-          </a:prstGeom>
+          <a:noFill/>
+        </p:spPr>
+        <p:txBody>
+          <a:bodyPr wrap="square" rtlCol="0">
+            <a:spAutoFit/>
+          </a:bodyPr>
+          <a:lstStyle/>
+          <a:p>
+            <a:r>
+              <a:rPr lang="en-US" dirty="0"/>
+              <a:t>If the </a:t>
+            </a:r>
+            <a:r>
+              <a:rPr lang="en-US" dirty="0" err="1"/>
+              <a:t>Netcdf</a:t>
+            </a:r>
+            <a:r>
+              <a:rPr lang="en-US" dirty="0"/>
+              <a:t> has a bathymetry property the model will build the bathymetry from that input, if not, the model will build it using the vertical layers and the velocity gridded values as a guide for bottom and land points.</a:t>
+            </a:r>
+          </a:p>
+        </p:txBody>
+      </p:sp>
+      <p:cxnSp>
+        <p:nvCxnSpPr>
+          <p:cNvPr id="7" name="Straight Arrow Connector 6"/>
+          <p:cNvCxnSpPr>
+            <a:cxnSpLocks/>
+          </p:cNvCxnSpPr>
+          <p:nvPr/>
+        </p:nvCxnSpPr>
+        <p:spPr>
+          <a:xfrm>
+            <a:off x="1036320" y="3238500"/>
+            <a:ext cx="0" cy="1457325"/>
+          </a:xfrm>
+          <a:prstGeom prst="straightConnector1">
+            <a:avLst/>
+          </a:prstGeom>
+          <a:ln w="28575">
+            <a:solidFill>
+              <a:srgbClr val="FF0000"/>
+            </a:solidFill>
+            <a:tailEnd type="triangle"/>
+          </a:ln>
         </p:spPr>
         <p:style>
-          <a:lnRef idx="2">
-            <a:schemeClr val="accent1">
-              <a:shade val="50000"/>
-            </a:schemeClr>
+          <a:lnRef idx="1">
+            <a:schemeClr val="dk1"/>
           </a:lnRef>
-          <a:fillRef idx="1">
-            <a:schemeClr val="accent1"/>
+          <a:fillRef idx="0">
+            <a:schemeClr val="dk1"/>
           </a:fillRef>
           <a:effectRef idx="0">
-            <a:schemeClr val="accent1"/>
+            <a:schemeClr val="dk1"/>
           </a:effectRef>
           <a:fontRef idx="minor">
-            <a:schemeClr val="lt1"/>
+            <a:schemeClr val="tx1"/>
           </a:fontRef>
         </p:style>
-        <p:txBody>
-          <a:bodyPr rtlCol="0" anchor="ctr"/>
-          <a:lstStyle/>
-          <a:p>
-            <a:pPr algn="ctr"/>
-            <a:endParaRPr lang="en-US">
-              <a:solidFill>
-                <a:schemeClr val="tx1"/>
-              </a:solidFill>
-            </a:endParaRPr>
-          </a:p>
-        </p:txBody>
-      </p:sp>
-      <p:pic>
-        <p:nvPicPr>
-          <p:cNvPr id="5" name="Picture 4"/>
-          <p:cNvPicPr>
-            <a:picLocks noChangeAspect="1"/>
-          </p:cNvPicPr>
-          <p:nvPr/>
-        </p:nvPicPr>
-        <p:blipFill>
-          <a:blip r:embed="rId3"/>
-          <a:stretch>
-            <a:fillRect/>
-          </a:stretch>
-        </p:blipFill>
-        <p:spPr>
-          <a:xfrm>
-            <a:off x="6126480" y="4151201"/>
-            <a:ext cx="6115050" cy="981075"/>
+      </p:cxnSp>
+      <p:sp>
+        <p:nvSpPr>
+          <p:cNvPr id="9" name="TextBox 8"/>
+          <p:cNvSpPr txBox="1"/>
+          <p:nvPr/>
+        </p:nvSpPr>
+        <p:spPr>
+          <a:xfrm>
+            <a:off x="6096000" y="4841146"/>
+            <a:ext cx="2166801" cy="923330"/>
           </a:xfrm>
           <a:prstGeom prst="rect">
             <a:avLst/>
           </a:prstGeom>
-        </p:spPr>
-      </p:pic>
+          <a:noFill/>
+        </p:spPr>
+        <p:txBody>
+          <a:bodyPr wrap="square" rtlCol="0">
+            <a:spAutoFit/>
+          </a:bodyPr>
+          <a:lstStyle/>
+          <a:p>
+            <a:r>
+              <a:rPr lang="en-US" dirty="0" err="1"/>
+              <a:t>TracerMaxAge</a:t>
+            </a:r>
+            <a:r>
+              <a:rPr lang="en-US" dirty="0"/>
+              <a:t> is a threshold for deleting old tracers</a:t>
+            </a:r>
+            <a:endParaRPr lang="en-US" sz="1400" dirty="0"/>
+          </a:p>
+        </p:txBody>
+      </p:sp>
+      <p:cxnSp>
+        <p:nvCxnSpPr>
+          <p:cNvPr id="15" name="Straight Arrow Connector 14">
+            <a:extLst>
+              <a:ext uri="{FF2B5EF4-FFF2-40B4-BE49-F238E27FC236}">
+                <a16:creationId xmlns:a16="http://schemas.microsoft.com/office/drawing/2014/main" id="{6E7DC3DF-E89E-7C75-2628-0127891BBFB6}"/>
+              </a:ext>
+            </a:extLst>
+          </p:cNvPr>
+          <p:cNvCxnSpPr>
+            <a:cxnSpLocks/>
+          </p:cNvCxnSpPr>
+          <p:nvPr/>
+        </p:nvCxnSpPr>
+        <p:spPr>
+          <a:xfrm>
+            <a:off x="1188720" y="3429000"/>
+            <a:ext cx="5278755" cy="1307529"/>
+          </a:xfrm>
+          <a:prstGeom prst="straightConnector1">
+            <a:avLst/>
+          </a:prstGeom>
+          <a:ln w="28575">
+            <a:solidFill>
+              <a:srgbClr val="FF0000"/>
+            </a:solidFill>
+            <a:tailEnd type="triangle"/>
+          </a:ln>
+        </p:spPr>
+        <p:style>
+          <a:lnRef idx="1">
+            <a:schemeClr val="dk1"/>
+          </a:lnRef>
+          <a:fillRef idx="0">
+            <a:schemeClr val="dk1"/>
+          </a:fillRef>
+          <a:effectRef idx="0">
+            <a:schemeClr val="dk1"/>
+          </a:effectRef>
+          <a:fontRef idx="minor">
+            <a:schemeClr val="tx1"/>
+          </a:fontRef>
+        </p:style>
+      </p:cxnSp>
     </p:spTree>
     <p:extLst>
       <p:ext uri="{BB962C8B-B14F-4D97-AF65-F5344CB8AC3E}">
-        <p14:creationId xmlns:p14="http://schemas.microsoft.com/office/powerpoint/2010/main" val="193862113"/>
+        <p14:creationId xmlns:p14="http://schemas.microsoft.com/office/powerpoint/2010/main" val="3744258353"/>
       </p:ext>
     </p:extLst>
   </p:cSld>
@@ -6605,70 +6633,27 @@
       </p:grpSpPr>
       <p:pic>
         <p:nvPicPr>
-          <p:cNvPr id="10" name="Picture 9"/>
+          <p:cNvPr id="8" name="Picture 7">
+            <a:extLst>
+              <a:ext uri="{FF2B5EF4-FFF2-40B4-BE49-F238E27FC236}">
+                <a16:creationId xmlns:a16="http://schemas.microsoft.com/office/drawing/2014/main" id="{D200333A-318C-7469-EB0D-FDD330C54008}"/>
+              </a:ext>
+            </a:extLst>
+          </p:cNvPr>
           <p:cNvPicPr>
             <a:picLocks noChangeAspect="1"/>
           </p:cNvPicPr>
           <p:nvPr/>
         </p:nvPicPr>
-        <p:blipFill>
+        <p:blipFill rotWithShape="1">
           <a:blip r:embed="rId2"/>
-          <a:stretch>
-            <a:fillRect/>
-          </a:stretch>
+          <a:srcRect l="4281"/>
+          <a:stretch/>
         </p:blipFill>
         <p:spPr>
           <a:xfrm>
-            <a:off x="204652" y="4476888"/>
-            <a:ext cx="9039225" cy="1162050"/>
-          </a:xfrm>
-          <a:prstGeom prst="rect">
-            <a:avLst/>
-          </a:prstGeom>
-        </p:spPr>
-      </p:pic>
-      <p:pic>
-        <p:nvPicPr>
-          <p:cNvPr id="6" name="Picture 5"/>
-          <p:cNvPicPr>
-            <a:picLocks noChangeAspect="1"/>
-          </p:cNvPicPr>
-          <p:nvPr/>
-        </p:nvPicPr>
-        <p:blipFill>
-          <a:blip r:embed="rId3"/>
-          <a:stretch>
-            <a:fillRect/>
-          </a:stretch>
-        </p:blipFill>
-        <p:spPr>
-          <a:xfrm>
-            <a:off x="6394542" y="2386830"/>
-            <a:ext cx="6972300" cy="1362075"/>
-          </a:xfrm>
-          <a:prstGeom prst="rect">
-            <a:avLst/>
-          </a:prstGeom>
-        </p:spPr>
-      </p:pic>
-      <p:pic>
-        <p:nvPicPr>
-          <p:cNvPr id="4" name="Picture 3"/>
-          <p:cNvPicPr>
-            <a:picLocks noChangeAspect="1"/>
-          </p:cNvPicPr>
-          <p:nvPr/>
-        </p:nvPicPr>
-        <p:blipFill>
-          <a:blip r:embed="rId4"/>
-          <a:stretch>
-            <a:fillRect/>
-          </a:stretch>
-        </p:blipFill>
-        <p:spPr>
-          <a:xfrm>
-            <a:off x="204652" y="2453231"/>
-            <a:ext cx="6048375" cy="1181100"/>
+            <a:off x="174985" y="2192588"/>
+            <a:ext cx="11670030" cy="1587536"/>
           </a:xfrm>
           <a:prstGeom prst="rect">
             <a:avLst/>
@@ -6692,7 +6677,7 @@
           <a:p>
             <a:r>
               <a:rPr lang="en-US" dirty="0"/>
-              <a:t>Case setup – workflow example</a:t>
+              <a:t>Case definition - example</a:t>
             </a:r>
           </a:p>
         </p:txBody>
@@ -6707,12 +6692,7 @@
             <p:ph idx="1"/>
           </p:nvPr>
         </p:nvSpPr>
-        <p:spPr>
-          <a:xfrm>
-            <a:off x="1097280" y="1872343"/>
-            <a:ext cx="10058400" cy="4463143"/>
-          </a:xfrm>
-        </p:spPr>
+        <p:spPr/>
         <p:txBody>
           <a:bodyPr>
             <a:normAutofit/>
@@ -6723,84 +6703,175 @@
               <a:buNone/>
             </a:pPr>
             <a:r>
-              <a:rPr lang="en-US" sz="1800" dirty="0"/>
-              <a:t>Make source id=3 active only after 298 seconds and change using 4 threads to automatic use of CPU cores </a:t>
-            </a:r>
-          </a:p>
-        </p:txBody>
-      </p:sp>
-      <p:sp>
-        <p:nvSpPr>
-          <p:cNvPr id="7" name="Curved Up Arrow 6"/>
-          <p:cNvSpPr/>
-          <p:nvPr/>
-        </p:nvSpPr>
-        <p:spPr>
-          <a:xfrm>
-            <a:off x="4811486" y="3940357"/>
-            <a:ext cx="2198914" cy="303983"/>
-          </a:xfrm>
-          <a:prstGeom prst="curvedUpArrow">
-            <a:avLst/>
-          </a:prstGeom>
+              <a:rPr lang="en-US" sz="1400" dirty="0"/>
+              <a:t>Source type definitions of the Vigo3D test case configuration file</a:t>
+            </a:r>
+          </a:p>
+          <a:p>
+            <a:pPr marL="0" indent="0">
+              <a:buNone/>
+            </a:pPr>
+            <a:endParaRPr lang="en-US" sz="1400" dirty="0"/>
+          </a:p>
+        </p:txBody>
+      </p:sp>
+      <p:sp>
+        <p:nvSpPr>
+          <p:cNvPr id="6" name="TextBox 5"/>
+          <p:cNvSpPr txBox="1"/>
+          <p:nvPr/>
+        </p:nvSpPr>
+        <p:spPr>
+          <a:xfrm>
+            <a:off x="295000" y="4736529"/>
+            <a:ext cx="5471163" cy="1200329"/>
+          </a:xfrm>
+          <a:prstGeom prst="rect">
+            <a:avLst/>
+          </a:prstGeom>
+          <a:noFill/>
+        </p:spPr>
+        <p:txBody>
+          <a:bodyPr wrap="square" rtlCol="0">
+            <a:spAutoFit/>
+          </a:bodyPr>
+          <a:lstStyle/>
+          <a:p>
+            <a:r>
+              <a:rPr lang="en-US" dirty="0"/>
+              <a:t>If the </a:t>
+            </a:r>
+            <a:r>
+              <a:rPr lang="en-US" dirty="0" err="1"/>
+              <a:t>Netcdf</a:t>
+            </a:r>
+            <a:r>
+              <a:rPr lang="en-US" dirty="0"/>
+              <a:t> has a bathymetry property the model will build the bathymetry from that input, if not, the model will build it using the vertical layers and the velocity gridded values as a guide for bottom and land points.</a:t>
+            </a:r>
+          </a:p>
+        </p:txBody>
+      </p:sp>
+      <p:cxnSp>
+        <p:nvCxnSpPr>
+          <p:cNvPr id="7" name="Straight Arrow Connector 6"/>
+          <p:cNvCxnSpPr>
+            <a:cxnSpLocks/>
+          </p:cNvCxnSpPr>
+          <p:nvPr/>
+        </p:nvCxnSpPr>
+        <p:spPr>
+          <a:xfrm>
+            <a:off x="1036320" y="3238500"/>
+            <a:ext cx="0" cy="1457325"/>
+          </a:xfrm>
+          <a:prstGeom prst="straightConnector1">
+            <a:avLst/>
+          </a:prstGeom>
+          <a:ln w="28575">
+            <a:solidFill>
+              <a:srgbClr val="FF0000"/>
+            </a:solidFill>
+            <a:tailEnd type="triangle"/>
+          </a:ln>
         </p:spPr>
         <p:style>
-          <a:lnRef idx="2">
-            <a:schemeClr val="accent1">
-              <a:shade val="50000"/>
-            </a:schemeClr>
+          <a:lnRef idx="1">
+            <a:schemeClr val="dk1"/>
           </a:lnRef>
-          <a:fillRef idx="1">
-            <a:schemeClr val="accent1"/>
+          <a:fillRef idx="0">
+            <a:schemeClr val="dk1"/>
           </a:fillRef>
           <a:effectRef idx="0">
-            <a:schemeClr val="accent1"/>
+            <a:schemeClr val="dk1"/>
           </a:effectRef>
           <a:fontRef idx="minor">
-            <a:schemeClr val="lt1"/>
+            <a:schemeClr val="tx1"/>
           </a:fontRef>
         </p:style>
-        <p:txBody>
-          <a:bodyPr rtlCol="0" anchor="ctr"/>
-          <a:lstStyle/>
-          <a:p>
-            <a:pPr algn="ctr"/>
-            <a:endParaRPr lang="en-US">
-              <a:solidFill>
-                <a:schemeClr val="tx1"/>
-              </a:solidFill>
-            </a:endParaRPr>
-          </a:p>
-        </p:txBody>
-      </p:sp>
-      <p:pic>
-        <p:nvPicPr>
-          <p:cNvPr id="12" name="Picture 11"/>
-          <p:cNvPicPr>
-            <a:picLocks noChangeAspect="1"/>
-          </p:cNvPicPr>
-          <p:nvPr/>
-        </p:nvPicPr>
-        <p:blipFill>
-          <a:blip r:embed="rId5"/>
-          <a:stretch>
-            <a:fillRect/>
-          </a:stretch>
-        </p:blipFill>
-        <p:spPr>
-          <a:xfrm>
-            <a:off x="5792561" y="4467363"/>
-            <a:ext cx="7791450" cy="1181100"/>
+      </p:cxnSp>
+      <p:sp>
+        <p:nvSpPr>
+          <p:cNvPr id="9" name="TextBox 8"/>
+          <p:cNvSpPr txBox="1"/>
+          <p:nvPr/>
+        </p:nvSpPr>
+        <p:spPr>
+          <a:xfrm>
+            <a:off x="6096000" y="4841146"/>
+            <a:ext cx="2166801" cy="923330"/>
           </a:xfrm>
           <a:prstGeom prst="rect">
             <a:avLst/>
           </a:prstGeom>
-        </p:spPr>
-      </p:pic>
+          <a:noFill/>
+        </p:spPr>
+        <p:txBody>
+          <a:bodyPr wrap="square" rtlCol="0">
+            <a:spAutoFit/>
+          </a:bodyPr>
+          <a:lstStyle/>
+          <a:p>
+            <a:r>
+              <a:rPr lang="en-US" dirty="0" err="1"/>
+              <a:t>TracerMaxAge</a:t>
+            </a:r>
+            <a:r>
+              <a:rPr lang="en-US" dirty="0"/>
+              <a:t> is a threshold for deleting old tracers</a:t>
+            </a:r>
+            <a:endParaRPr lang="en-US" sz="1400" dirty="0"/>
+          </a:p>
+        </p:txBody>
+      </p:sp>
+      <p:cxnSp>
+        <p:nvCxnSpPr>
+          <p:cNvPr id="15" name="Straight Arrow Connector 14">
+            <a:extLst>
+              <a:ext uri="{FF2B5EF4-FFF2-40B4-BE49-F238E27FC236}">
+                <a16:creationId xmlns:a16="http://schemas.microsoft.com/office/drawing/2014/main" id="{6E7DC3DF-E89E-7C75-2628-0127891BBFB6}"/>
+              </a:ext>
+            </a:extLst>
+          </p:cNvPr>
+          <p:cNvCxnSpPr>
+            <a:cxnSpLocks/>
+          </p:cNvCxnSpPr>
+          <p:nvPr/>
+        </p:nvCxnSpPr>
+        <p:spPr>
+          <a:xfrm>
+            <a:off x="1188720" y="3429000"/>
+            <a:ext cx="5278755" cy="1307529"/>
+          </a:xfrm>
+          <a:prstGeom prst="straightConnector1">
+            <a:avLst/>
+          </a:prstGeom>
+          <a:ln w="28575">
+            <a:solidFill>
+              <a:srgbClr val="FF0000"/>
+            </a:solidFill>
+            <a:tailEnd type="triangle"/>
+          </a:ln>
+        </p:spPr>
+        <p:style>
+          <a:lnRef idx="1">
+            <a:schemeClr val="dk1"/>
+          </a:lnRef>
+          <a:fillRef idx="0">
+            <a:schemeClr val="dk1"/>
+          </a:fillRef>
+          <a:effectRef idx="0">
+            <a:schemeClr val="dk1"/>
+          </a:effectRef>
+          <a:fontRef idx="minor">
+            <a:schemeClr val="tx1"/>
+          </a:fontRef>
+        </p:style>
+      </p:cxnSp>
     </p:spTree>
     <p:extLst>
       <p:ext uri="{BB962C8B-B14F-4D97-AF65-F5344CB8AC3E}">
-        <p14:creationId xmlns:p14="http://schemas.microsoft.com/office/powerpoint/2010/main" val="302253034"/>
+        <p14:creationId xmlns:p14="http://schemas.microsoft.com/office/powerpoint/2010/main" val="2763514841"/>
       </p:ext>
     </p:extLst>
   </p:cSld>
@@ -6827,6 +6898,36 @@
           <a:chExt cx="0" cy="0"/>
         </a:xfrm>
       </p:grpSpPr>
+      <p:pic>
+        <p:nvPicPr>
+          <p:cNvPr id="5" name="Picture 4">
+            <a:extLst>
+              <a:ext uri="{FF2B5EF4-FFF2-40B4-BE49-F238E27FC236}">
+                <a16:creationId xmlns:a16="http://schemas.microsoft.com/office/drawing/2014/main" id="{D924C6AA-0F2A-C350-3DA5-5DBDF191EE3A}"/>
+              </a:ext>
+            </a:extLst>
+          </p:cNvPr>
+          <p:cNvPicPr>
+            <a:picLocks noChangeAspect="1"/>
+          </p:cNvPicPr>
+          <p:nvPr/>
+        </p:nvPicPr>
+        <p:blipFill>
+          <a:blip r:embed="rId2"/>
+          <a:stretch>
+            <a:fillRect/>
+          </a:stretch>
+        </p:blipFill>
+        <p:spPr>
+          <a:xfrm>
+            <a:off x="384538" y="2187245"/>
+            <a:ext cx="10763250" cy="2167495"/>
+          </a:xfrm>
+          <a:prstGeom prst="rect">
+            <a:avLst/>
+          </a:prstGeom>
+        </p:spPr>
+      </p:pic>
       <p:sp>
         <p:nvSpPr>
           <p:cNvPr id="2" name="Title 1"/>
@@ -6844,7 +6945,7 @@
           <a:p>
             <a:r>
               <a:rPr lang="en-US" dirty="0"/>
-              <a:t>Case setup – workflow example</a:t>
+              <a:t>Case definition - example</a:t>
             </a:r>
           </a:p>
         </p:txBody>
@@ -6859,12 +6960,7 @@
             <p:ph idx="1"/>
           </p:nvPr>
         </p:nvSpPr>
-        <p:spPr>
-          <a:xfrm>
-            <a:off x="1097280" y="1872343"/>
-            <a:ext cx="10058400" cy="4463143"/>
-          </a:xfrm>
-        </p:spPr>
+        <p:spPr/>
         <p:txBody>
           <a:bodyPr>
             <a:normAutofit/>
@@ -6875,40 +6971,90 @@
               <a:buNone/>
             </a:pPr>
             <a:r>
-              <a:rPr lang="en-US" sz="1800" dirty="0"/>
-              <a:t>Notice you can set an arbitrary amount of active intervals, both is relative time (seconds from the beginning of the simulation) or absolute with dates</a:t>
-            </a:r>
-          </a:p>
-        </p:txBody>
-      </p:sp>
-      <p:pic>
-        <p:nvPicPr>
-          <p:cNvPr id="4" name="Picture 3"/>
-          <p:cNvPicPr>
-            <a:picLocks noChangeAspect="1"/>
-          </p:cNvPicPr>
-          <p:nvPr/>
-        </p:nvPicPr>
-        <p:blipFill>
-          <a:blip r:embed="rId2"/>
-          <a:stretch>
-            <a:fillRect/>
-          </a:stretch>
-        </p:blipFill>
-        <p:spPr>
-          <a:xfrm>
-            <a:off x="108857" y="3178095"/>
-            <a:ext cx="12192000" cy="2091124"/>
+              <a:rPr lang="en-US" sz="1400" dirty="0"/>
+              <a:t>Source type definitions of the Vigo3D test case configuration file</a:t>
+            </a:r>
+          </a:p>
+          <a:p>
+            <a:pPr marL="0" indent="0">
+              <a:buNone/>
+            </a:pPr>
+            <a:endParaRPr lang="en-US" sz="1400" dirty="0"/>
+          </a:p>
+        </p:txBody>
+      </p:sp>
+      <p:sp>
+        <p:nvSpPr>
+          <p:cNvPr id="6" name="TextBox 5"/>
+          <p:cNvSpPr txBox="1"/>
+          <p:nvPr/>
+        </p:nvSpPr>
+        <p:spPr>
+          <a:xfrm>
+            <a:off x="3209650" y="4695825"/>
+            <a:ext cx="5471163" cy="1200329"/>
           </a:xfrm>
           <a:prstGeom prst="rect">
             <a:avLst/>
           </a:prstGeom>
-        </p:spPr>
-      </p:pic>
+          <a:noFill/>
+        </p:spPr>
+        <p:txBody>
+          <a:bodyPr wrap="square" rtlCol="0">
+            <a:spAutoFit/>
+          </a:bodyPr>
+          <a:lstStyle/>
+          <a:p>
+            <a:r>
+              <a:rPr lang="en-US" dirty="0"/>
+              <a:t>In case you want to release tracers close to the bottom, this is the Keyword you must use. Don’t use 0 but something close to it like 0.01, as 0.0 is the default value for not releasing near the bottom.</a:t>
+            </a:r>
+          </a:p>
+        </p:txBody>
+      </p:sp>
+      <p:cxnSp>
+        <p:nvCxnSpPr>
+          <p:cNvPr id="7" name="Straight Arrow Connector 6"/>
+          <p:cNvCxnSpPr>
+            <a:cxnSpLocks/>
+            <a:endCxn id="6" idx="0"/>
+          </p:cNvCxnSpPr>
+          <p:nvPr/>
+        </p:nvCxnSpPr>
+        <p:spPr>
+          <a:xfrm>
+            <a:off x="1533525" y="3270992"/>
+            <a:ext cx="4411707" cy="1424833"/>
+          </a:xfrm>
+          <a:prstGeom prst="straightConnector1">
+            <a:avLst/>
+          </a:prstGeom>
+          <a:ln w="28575">
+            <a:solidFill>
+              <a:srgbClr val="FF0000"/>
+            </a:solidFill>
+            <a:tailEnd type="triangle"/>
+          </a:ln>
+        </p:spPr>
+        <p:style>
+          <a:lnRef idx="1">
+            <a:schemeClr val="dk1"/>
+          </a:lnRef>
+          <a:fillRef idx="0">
+            <a:schemeClr val="dk1"/>
+          </a:fillRef>
+          <a:effectRef idx="0">
+            <a:schemeClr val="dk1"/>
+          </a:effectRef>
+          <a:fontRef idx="minor">
+            <a:schemeClr val="tx1"/>
+          </a:fontRef>
+        </p:style>
+      </p:cxnSp>
     </p:spTree>
     <p:extLst>
       <p:ext uri="{BB962C8B-B14F-4D97-AF65-F5344CB8AC3E}">
-        <p14:creationId xmlns:p14="http://schemas.microsoft.com/office/powerpoint/2010/main" val="3698633475"/>
+        <p14:creationId xmlns:p14="http://schemas.microsoft.com/office/powerpoint/2010/main" val="3852436936"/>
       </p:ext>
     </p:extLst>
   </p:cSld>
@@ -6935,6 +7081,36 @@
           <a:chExt cx="0" cy="0"/>
         </a:xfrm>
       </p:grpSpPr>
+      <p:pic>
+        <p:nvPicPr>
+          <p:cNvPr id="8" name="Picture 7">
+            <a:extLst>
+              <a:ext uri="{FF2B5EF4-FFF2-40B4-BE49-F238E27FC236}">
+                <a16:creationId xmlns:a16="http://schemas.microsoft.com/office/drawing/2014/main" id="{8C0B935C-CD45-4555-0036-D37EF8065509}"/>
+              </a:ext>
+            </a:extLst>
+          </p:cNvPr>
+          <p:cNvPicPr>
+            <a:picLocks noChangeAspect="1"/>
+          </p:cNvPicPr>
+          <p:nvPr/>
+        </p:nvPicPr>
+        <p:blipFill>
+          <a:blip r:embed="rId2"/>
+          <a:stretch>
+            <a:fillRect/>
+          </a:stretch>
+        </p:blipFill>
+        <p:spPr>
+          <a:xfrm>
+            <a:off x="933450" y="2212338"/>
+            <a:ext cx="9265768" cy="346025"/>
+          </a:xfrm>
+          <a:prstGeom prst="rect">
+            <a:avLst/>
+          </a:prstGeom>
+        </p:spPr>
+      </p:pic>
       <p:sp>
         <p:nvSpPr>
           <p:cNvPr id="2" name="Title 1"/>
@@ -6952,7 +7128,7 @@
           <a:p>
             <a:r>
               <a:rPr lang="en-US" dirty="0"/>
-              <a:t>Case setup – workflow example</a:t>
+              <a:t>Case definition - example</a:t>
             </a:r>
           </a:p>
         </p:txBody>
@@ -6969,8 +7145,8 @@
         </p:nvSpPr>
         <p:spPr>
           <a:xfrm>
-            <a:off x="1097280" y="1872343"/>
-            <a:ext cx="10058400" cy="4463143"/>
+            <a:off x="1097280" y="1845733"/>
+            <a:ext cx="10058400" cy="449791"/>
           </a:xfrm>
         </p:spPr>
         <p:txBody>
@@ -6983,63 +7159,140 @@
               <a:buNone/>
             </a:pPr>
             <a:r>
-              <a:rPr lang="en-US" sz="1800" dirty="0"/>
-              <a:t>What about input files?</a:t>
+              <a:rPr lang="en-US" sz="1400" dirty="0"/>
+              <a:t>Source type definitions of the Vigo3D test case configuration file</a:t>
             </a:r>
           </a:p>
           <a:p>
             <a:pPr marL="0" indent="0">
               <a:buNone/>
             </a:pPr>
-            <a:r>
-              <a:rPr lang="en-US" sz="1800" dirty="0"/>
-              <a:t>You can either copy all of the files to the new directory, or put the paths of where they already are in the configuration file.</a:t>
-            </a:r>
-          </a:p>
-          <a:p>
-            <a:pPr marL="0" indent="0">
-              <a:buNone/>
-            </a:pPr>
-            <a:r>
-              <a:rPr lang="en-US" sz="1800" dirty="0"/>
-              <a:t>Using relative paths to the old directory:</a:t>
-            </a:r>
-          </a:p>
-          <a:p>
-            <a:pPr marL="0" indent="0">
-              <a:buNone/>
-            </a:pPr>
-            <a:endParaRPr lang="en-US" sz="1800" dirty="0"/>
-          </a:p>
-        </p:txBody>
-      </p:sp>
+            <a:endParaRPr lang="en-US" sz="1400" dirty="0"/>
+          </a:p>
+        </p:txBody>
+      </p:sp>
+      <p:sp>
+        <p:nvSpPr>
+          <p:cNvPr id="6" name="TextBox 5"/>
+          <p:cNvSpPr txBox="1"/>
+          <p:nvPr/>
+        </p:nvSpPr>
+        <p:spPr>
+          <a:xfrm>
+            <a:off x="624838" y="2952750"/>
+            <a:ext cx="10367012" cy="369332"/>
+          </a:xfrm>
+          <a:prstGeom prst="rect">
+            <a:avLst/>
+          </a:prstGeom>
+          <a:noFill/>
+        </p:spPr>
+        <p:txBody>
+          <a:bodyPr wrap="square" rtlCol="0">
+            <a:spAutoFit/>
+          </a:bodyPr>
+          <a:lstStyle/>
+          <a:p>
+            <a:r>
+              <a:rPr lang="en-US" dirty="0"/>
+              <a:t>Resuspension processes use these 2 keywords, which, if not present will have the default value</a:t>
+            </a:r>
+          </a:p>
+        </p:txBody>
+      </p:sp>
+      <p:cxnSp>
+        <p:nvCxnSpPr>
+          <p:cNvPr id="7" name="Straight Arrow Connector 6"/>
+          <p:cNvCxnSpPr>
+            <a:cxnSpLocks/>
+            <a:endCxn id="6" idx="0"/>
+          </p:cNvCxnSpPr>
+          <p:nvPr/>
+        </p:nvCxnSpPr>
+        <p:spPr>
+          <a:xfrm>
+            <a:off x="2752725" y="2295525"/>
+            <a:ext cx="3055619" cy="657225"/>
+          </a:xfrm>
+          <a:prstGeom prst="straightConnector1">
+            <a:avLst/>
+          </a:prstGeom>
+          <a:ln w="28575">
+            <a:solidFill>
+              <a:srgbClr val="FF0000"/>
+            </a:solidFill>
+            <a:tailEnd type="triangle"/>
+          </a:ln>
+        </p:spPr>
+        <p:style>
+          <a:lnRef idx="1">
+            <a:schemeClr val="dk1"/>
+          </a:lnRef>
+          <a:fillRef idx="0">
+            <a:schemeClr val="dk1"/>
+          </a:fillRef>
+          <a:effectRef idx="0">
+            <a:schemeClr val="dk1"/>
+          </a:effectRef>
+          <a:fontRef idx="minor">
+            <a:schemeClr val="tx1"/>
+          </a:fontRef>
+        </p:style>
+      </p:cxnSp>
+      <p:cxnSp>
+        <p:nvCxnSpPr>
+          <p:cNvPr id="13" name="Straight Arrow Connector 12">
+            <a:extLst>
+              <a:ext uri="{FF2B5EF4-FFF2-40B4-BE49-F238E27FC236}">
+                <a16:creationId xmlns:a16="http://schemas.microsoft.com/office/drawing/2014/main" id="{1E6FB62E-83D5-6D1E-C6B0-C87A5D549FDF}"/>
+              </a:ext>
+            </a:extLst>
+          </p:cNvPr>
+          <p:cNvCxnSpPr>
+            <a:cxnSpLocks/>
+            <a:endCxn id="6" idx="0"/>
+          </p:cNvCxnSpPr>
+          <p:nvPr/>
+        </p:nvCxnSpPr>
+        <p:spPr>
+          <a:xfrm>
+            <a:off x="1724025" y="2476500"/>
+            <a:ext cx="4084319" cy="476250"/>
+          </a:xfrm>
+          <a:prstGeom prst="straightConnector1">
+            <a:avLst/>
+          </a:prstGeom>
+          <a:ln w="28575">
+            <a:solidFill>
+              <a:srgbClr val="FF0000"/>
+            </a:solidFill>
+            <a:tailEnd type="triangle"/>
+          </a:ln>
+        </p:spPr>
+        <p:style>
+          <a:lnRef idx="1">
+            <a:schemeClr val="dk1"/>
+          </a:lnRef>
+          <a:fillRef idx="0">
+            <a:schemeClr val="dk1"/>
+          </a:fillRef>
+          <a:effectRef idx="0">
+            <a:schemeClr val="dk1"/>
+          </a:effectRef>
+          <a:fontRef idx="minor">
+            <a:schemeClr val="tx1"/>
+          </a:fontRef>
+        </p:style>
+      </p:cxnSp>
       <p:pic>
         <p:nvPicPr>
-          <p:cNvPr id="4" name="Picture 3"/>
-          <p:cNvPicPr>
-            <a:picLocks noChangeAspect="1"/>
-          </p:cNvPicPr>
-          <p:nvPr/>
-        </p:nvPicPr>
-        <p:blipFill>
-          <a:blip r:embed="rId2"/>
-          <a:stretch>
-            <a:fillRect/>
-          </a:stretch>
-        </p:blipFill>
-        <p:spPr>
-          <a:xfrm>
-            <a:off x="3013165" y="3328782"/>
-            <a:ext cx="4867275" cy="504825"/>
-          </a:xfrm>
-          <a:prstGeom prst="rect">
-            <a:avLst/>
-          </a:prstGeom>
-        </p:spPr>
-      </p:pic>
-      <p:pic>
-        <p:nvPicPr>
-          <p:cNvPr id="6" name="Picture 5"/>
+          <p:cNvPr id="21" name="Picture 20">
+            <a:extLst>
+              <a:ext uri="{FF2B5EF4-FFF2-40B4-BE49-F238E27FC236}">
+                <a16:creationId xmlns:a16="http://schemas.microsoft.com/office/drawing/2014/main" id="{93E2BA01-3C56-87F8-DF38-80836D79ADA9}"/>
+              </a:ext>
+            </a:extLst>
+          </p:cNvPr>
           <p:cNvPicPr>
             <a:picLocks noChangeAspect="1"/>
           </p:cNvPicPr>
@@ -7053,66 +7306,99 @@
         </p:blipFill>
         <p:spPr>
           <a:xfrm>
-            <a:off x="3013165" y="3900009"/>
-            <a:ext cx="6591300" cy="1009650"/>
+            <a:off x="328612" y="3429000"/>
+            <a:ext cx="11534775" cy="1454510"/>
           </a:xfrm>
           <a:prstGeom prst="rect">
             <a:avLst/>
           </a:prstGeom>
         </p:spPr>
       </p:pic>
-      <p:pic>
-        <p:nvPicPr>
-          <p:cNvPr id="10" name="Picture 9"/>
-          <p:cNvPicPr>
-            <a:picLocks noChangeAspect="1"/>
-          </p:cNvPicPr>
-          <p:nvPr/>
-        </p:nvPicPr>
-        <p:blipFill>
-          <a:blip r:embed="rId4"/>
-          <a:stretch>
-            <a:fillRect/>
-          </a:stretch>
-        </p:blipFill>
-        <p:spPr>
-          <a:xfrm>
-            <a:off x="3013165" y="4976062"/>
-            <a:ext cx="5829300" cy="1657350"/>
+      <p:sp>
+        <p:nvSpPr>
+          <p:cNvPr id="22" name="TextBox 21">
+            <a:extLst>
+              <a:ext uri="{FF2B5EF4-FFF2-40B4-BE49-F238E27FC236}">
+                <a16:creationId xmlns:a16="http://schemas.microsoft.com/office/drawing/2014/main" id="{D8CC0E99-6D24-BE9C-E092-5620B60B68B9}"/>
+              </a:ext>
+            </a:extLst>
+          </p:cNvPr>
+          <p:cNvSpPr txBox="1"/>
+          <p:nvPr/>
+        </p:nvSpPr>
+        <p:spPr>
+          <a:xfrm>
+            <a:off x="2980370" y="5429250"/>
+            <a:ext cx="6231257" cy="369332"/>
           </a:xfrm>
           <a:prstGeom prst="rect">
             <a:avLst/>
           </a:prstGeom>
-        </p:spPr>
-      </p:pic>
-      <p:pic>
-        <p:nvPicPr>
-          <p:cNvPr id="5" name="Picture 4"/>
-          <p:cNvPicPr>
-            <a:picLocks noChangeAspect="1"/>
-          </p:cNvPicPr>
-          <p:nvPr/>
-        </p:nvPicPr>
-        <p:blipFill>
-          <a:blip r:embed="rId5"/>
-          <a:stretch>
-            <a:fillRect/>
-          </a:stretch>
-        </p:blipFill>
-        <p:spPr>
-          <a:xfrm>
-            <a:off x="7641634" y="3466758"/>
-            <a:ext cx="1876425" cy="266700"/>
-          </a:xfrm>
-          <a:prstGeom prst="rect">
-            <a:avLst/>
-          </a:prstGeom>
-        </p:spPr>
-      </p:pic>
+          <a:noFill/>
+        </p:spPr>
+        <p:txBody>
+          <a:bodyPr wrap="square" rtlCol="0">
+            <a:spAutoFit/>
+          </a:bodyPr>
+          <a:lstStyle/>
+          <a:p>
+            <a:r>
+              <a:rPr lang="en-US" dirty="0"/>
+              <a:t>Keywords used for detritus degradation due to microbial activity.</a:t>
+            </a:r>
+          </a:p>
+        </p:txBody>
+      </p:sp>
+      <p:cxnSp>
+        <p:nvCxnSpPr>
+          <p:cNvPr id="23" name="Straight Arrow Connector 22">
+            <a:extLst>
+              <a:ext uri="{FF2B5EF4-FFF2-40B4-BE49-F238E27FC236}">
+                <a16:creationId xmlns:a16="http://schemas.microsoft.com/office/drawing/2014/main" id="{30672E67-F164-97ED-BFFF-207138084F7F}"/>
+              </a:ext>
+            </a:extLst>
+          </p:cNvPr>
+          <p:cNvCxnSpPr>
+            <a:cxnSpLocks/>
+            <a:stCxn id="21" idx="2"/>
+            <a:endCxn id="22" idx="0"/>
+          </p:cNvCxnSpPr>
+          <p:nvPr/>
+        </p:nvCxnSpPr>
+        <p:spPr>
+          <a:xfrm flipH="1">
+            <a:off x="6095999" y="4883510"/>
+            <a:ext cx="1" cy="545740"/>
+          </a:xfrm>
+          <a:prstGeom prst="straightConnector1">
+            <a:avLst/>
+          </a:prstGeom>
+          <a:ln w="28575">
+            <a:solidFill>
+              <a:srgbClr val="FF0000"/>
+            </a:solidFill>
+            <a:tailEnd type="triangle"/>
+          </a:ln>
+        </p:spPr>
+        <p:style>
+          <a:lnRef idx="1">
+            <a:schemeClr val="dk1"/>
+          </a:lnRef>
+          <a:fillRef idx="0">
+            <a:schemeClr val="dk1"/>
+          </a:fillRef>
+          <a:effectRef idx="0">
+            <a:schemeClr val="dk1"/>
+          </a:effectRef>
+          <a:fontRef idx="minor">
+            <a:schemeClr val="tx1"/>
+          </a:fontRef>
+        </p:style>
+      </p:cxnSp>
     </p:spTree>
     <p:extLst>
       <p:ext uri="{BB962C8B-B14F-4D97-AF65-F5344CB8AC3E}">
-        <p14:creationId xmlns:p14="http://schemas.microsoft.com/office/powerpoint/2010/main" val="1262103311"/>
+        <p14:creationId xmlns:p14="http://schemas.microsoft.com/office/powerpoint/2010/main" val="468433990"/>
       </p:ext>
     </p:extLst>
   </p:cSld>
@@ -7156,6 +7442,944 @@
           <a:p>
             <a:r>
               <a:rPr lang="en-US" dirty="0"/>
+              <a:t>Case definition – useful pointers</a:t>
+            </a:r>
+          </a:p>
+        </p:txBody>
+      </p:sp>
+      <p:sp>
+        <p:nvSpPr>
+          <p:cNvPr id="3" name="Content Placeholder 2"/>
+          <p:cNvSpPr>
+            <a:spLocks noGrp="1"/>
+          </p:cNvSpPr>
+          <p:nvPr>
+            <p:ph idx="1"/>
+          </p:nvPr>
+        </p:nvSpPr>
+        <p:spPr>
+          <a:xfrm>
+            <a:off x="1097280" y="2677886"/>
+            <a:ext cx="10058400" cy="3191208"/>
+          </a:xfrm>
+        </p:spPr>
+        <p:txBody>
+          <a:bodyPr>
+            <a:normAutofit/>
+          </a:bodyPr>
+          <a:lstStyle/>
+          <a:p>
+            <a:pPr>
+              <a:buFont typeface="Arial" panose="020B0604020202020204" pitchFamily="34" charset="0"/>
+              <a:buChar char="•"/>
+            </a:pPr>
+            <a:r>
+              <a:rPr lang="en-US" sz="1800" dirty="0"/>
+              <a:t> File names and directories can be put in as absolute or relative paths</a:t>
+            </a:r>
+          </a:p>
+          <a:p>
+            <a:pPr>
+              <a:buFont typeface="Arial" panose="020B0604020202020204" pitchFamily="34" charset="0"/>
+              <a:buChar char="•"/>
+            </a:pPr>
+            <a:r>
+              <a:rPr lang="en-US" sz="1800" dirty="0"/>
+              <a:t> The naming conventions can be imported from several files, just add another to the section to append more options</a:t>
+            </a:r>
+          </a:p>
+          <a:p>
+            <a:pPr>
+              <a:buFont typeface="Arial" panose="020B0604020202020204" pitchFamily="34" charset="0"/>
+              <a:buChar char="•"/>
+            </a:pPr>
+            <a:r>
+              <a:rPr lang="en-US" sz="1800" dirty="0"/>
+              <a:t>  If you get an error saying a .xml file doesn’t exist while running MOHID </a:t>
+            </a:r>
+            <a:r>
+              <a:rPr lang="en-US" sz="1800" dirty="0" err="1"/>
+              <a:t>Lagrangian</a:t>
+            </a:r>
+            <a:r>
+              <a:rPr lang="en-US" sz="1800" dirty="0"/>
+              <a:t>, it’s probably not correctly formatted. Make sure all sections are properly open and closed (&lt;/&gt;)</a:t>
+            </a:r>
+          </a:p>
+          <a:p>
+            <a:pPr>
+              <a:buFont typeface="Arial" panose="020B0604020202020204" pitchFamily="34" charset="0"/>
+              <a:buChar char="•"/>
+            </a:pPr>
+            <a:r>
+              <a:rPr lang="en-US" sz="1800" dirty="0"/>
+              <a:t> Comments and units are there for user convenience, they don’t interact with the simulation</a:t>
+            </a:r>
+          </a:p>
+          <a:p>
+            <a:pPr>
+              <a:buFont typeface="Arial" panose="020B0604020202020204" pitchFamily="34" charset="0"/>
+              <a:buChar char="•"/>
+            </a:pPr>
+            <a:endParaRPr lang="en-US" sz="1800" dirty="0"/>
+          </a:p>
+          <a:p>
+            <a:pPr marL="0" indent="0">
+              <a:buNone/>
+            </a:pPr>
+            <a:endParaRPr lang="en-US" sz="1400" dirty="0"/>
+          </a:p>
+        </p:txBody>
+      </p:sp>
+    </p:spTree>
+    <p:extLst>
+      <p:ext uri="{BB962C8B-B14F-4D97-AF65-F5344CB8AC3E}">
+        <p14:creationId xmlns:p14="http://schemas.microsoft.com/office/powerpoint/2010/main" val="184499758"/>
+      </p:ext>
+    </p:extLst>
+  </p:cSld>
+  <p:clrMapOvr>
+    <a:masterClrMapping/>
+  </p:clrMapOvr>
+</p:sld>
+</file>
+
+<file path=ppt/slides/slide24.xml><?xml version="1.0" encoding="utf-8"?>
+<p:sld xmlns:a="http://schemas.openxmlformats.org/drawingml/2006/main" xmlns:r="http://schemas.openxmlformats.org/officeDocument/2006/relationships" xmlns:p="http://schemas.openxmlformats.org/presentationml/2006/main">
+  <p:cSld>
+    <p:spTree>
+      <p:nvGrpSpPr>
+        <p:cNvPr id="1" name=""/>
+        <p:cNvGrpSpPr/>
+        <p:nvPr/>
+      </p:nvGrpSpPr>
+      <p:grpSpPr>
+        <a:xfrm>
+          <a:off x="0" y="0"/>
+          <a:ext cx="0" cy="0"/>
+          <a:chOff x="0" y="0"/>
+          <a:chExt cx="0" cy="0"/>
+        </a:xfrm>
+      </p:grpSpPr>
+      <p:sp>
+        <p:nvSpPr>
+          <p:cNvPr id="2" name="Title 1"/>
+          <p:cNvSpPr>
+            <a:spLocks noGrp="1"/>
+          </p:cNvSpPr>
+          <p:nvPr>
+            <p:ph type="title"/>
+          </p:nvPr>
+        </p:nvSpPr>
+        <p:spPr/>
+        <p:txBody>
+          <a:bodyPr/>
+          <a:lstStyle/>
+          <a:p>
+            <a:r>
+              <a:rPr lang="en-US" dirty="0"/>
+              <a:t>Case setup – workflow example</a:t>
+            </a:r>
+          </a:p>
+        </p:txBody>
+      </p:sp>
+      <p:sp>
+        <p:nvSpPr>
+          <p:cNvPr id="3" name="Content Placeholder 2"/>
+          <p:cNvSpPr>
+            <a:spLocks noGrp="1"/>
+          </p:cNvSpPr>
+          <p:nvPr>
+            <p:ph idx="1"/>
+          </p:nvPr>
+        </p:nvSpPr>
+        <p:spPr>
+          <a:xfrm>
+            <a:off x="1097280" y="2079171"/>
+            <a:ext cx="10058400" cy="4256315"/>
+          </a:xfrm>
+        </p:spPr>
+        <p:txBody>
+          <a:bodyPr>
+            <a:normAutofit/>
+          </a:bodyPr>
+          <a:lstStyle/>
+          <a:p>
+            <a:pPr>
+              <a:buFont typeface="Arial" panose="020B0604020202020204" pitchFamily="34" charset="0"/>
+              <a:buChar char="•"/>
+            </a:pPr>
+            <a:r>
+              <a:rPr lang="en-US" sz="1800" dirty="0"/>
+              <a:t>Create a directory to run your case – it will typically hold configuration, input and output files, but this is entirely up to the user. The examples directory in V0.2 is ‘</a:t>
+            </a:r>
+            <a:r>
+              <a:rPr lang="en-US" sz="1800" dirty="0" err="1"/>
+              <a:t>RUN_Cases</a:t>
+            </a:r>
+            <a:r>
+              <a:rPr lang="en-US" sz="1800" dirty="0"/>
+              <a:t>’. Create a ‘Test’ directory there.</a:t>
+            </a:r>
+          </a:p>
+          <a:p>
+            <a:pPr>
+              <a:buFont typeface="Arial" panose="020B0604020202020204" pitchFamily="34" charset="0"/>
+              <a:buChar char="•"/>
+            </a:pPr>
+            <a:endParaRPr lang="en-US" sz="1800" dirty="0"/>
+          </a:p>
+          <a:p>
+            <a:pPr>
+              <a:buFont typeface="Arial" panose="020B0604020202020204" pitchFamily="34" charset="0"/>
+              <a:buChar char="•"/>
+            </a:pPr>
+            <a:r>
+              <a:rPr lang="en-US" sz="1800" dirty="0"/>
+              <a:t> Create a configuration .xml file inside ‘Test’. You can copy the one from ‘Arousa_2D’ and modify it:</a:t>
+            </a:r>
+          </a:p>
+          <a:p>
+            <a:pPr>
+              <a:buFont typeface="Arial" panose="020B0604020202020204" pitchFamily="34" charset="0"/>
+              <a:buChar char="•"/>
+            </a:pPr>
+            <a:endParaRPr lang="en-US" sz="1800" dirty="0"/>
+          </a:p>
+          <a:p>
+            <a:pPr>
+              <a:buFont typeface="Arial" panose="020B0604020202020204" pitchFamily="34" charset="0"/>
+              <a:buChar char="•"/>
+            </a:pPr>
+            <a:endParaRPr lang="en-US" sz="1800" dirty="0"/>
+          </a:p>
+          <a:p>
+            <a:pPr>
+              <a:buFont typeface="Arial" panose="020B0604020202020204" pitchFamily="34" charset="0"/>
+              <a:buChar char="•"/>
+            </a:pPr>
+            <a:endParaRPr lang="en-US" sz="1800" dirty="0"/>
+          </a:p>
+          <a:p>
+            <a:pPr>
+              <a:buFont typeface="Arial" panose="020B0604020202020204" pitchFamily="34" charset="0"/>
+              <a:buChar char="•"/>
+            </a:pPr>
+            <a:endParaRPr lang="en-US" sz="1800" dirty="0"/>
+          </a:p>
+          <a:p>
+            <a:pPr>
+              <a:buFont typeface="Arial" panose="020B0604020202020204" pitchFamily="34" charset="0"/>
+              <a:buChar char="•"/>
+            </a:pPr>
+            <a:endParaRPr lang="en-US" sz="1800" dirty="0"/>
+          </a:p>
+          <a:p>
+            <a:pPr marL="0" indent="0" algn="ctr">
+              <a:buNone/>
+            </a:pPr>
+            <a:r>
+              <a:rPr lang="en-US" sz="1800" dirty="0"/>
+              <a:t>Change spatial and temporal resolutions – notice resolution can vary by direction or be uniform</a:t>
+            </a:r>
+          </a:p>
+          <a:p>
+            <a:pPr>
+              <a:buFont typeface="Arial" panose="020B0604020202020204" pitchFamily="34" charset="0"/>
+              <a:buChar char="•"/>
+            </a:pPr>
+            <a:endParaRPr lang="en-US" sz="1800" dirty="0"/>
+          </a:p>
+          <a:p>
+            <a:pPr>
+              <a:buFont typeface="Arial" panose="020B0604020202020204" pitchFamily="34" charset="0"/>
+              <a:buChar char="•"/>
+            </a:pPr>
+            <a:endParaRPr lang="en-US" sz="1800" dirty="0"/>
+          </a:p>
+          <a:p>
+            <a:pPr marL="0" indent="0">
+              <a:buNone/>
+            </a:pPr>
+            <a:endParaRPr lang="en-US" sz="1400" dirty="0"/>
+          </a:p>
+        </p:txBody>
+      </p:sp>
+      <p:pic>
+        <p:nvPicPr>
+          <p:cNvPr id="4" name="Picture 3"/>
+          <p:cNvPicPr>
+            <a:picLocks noChangeAspect="1"/>
+          </p:cNvPicPr>
+          <p:nvPr/>
+        </p:nvPicPr>
+        <p:blipFill>
+          <a:blip r:embed="rId2"/>
+          <a:stretch>
+            <a:fillRect/>
+          </a:stretch>
+        </p:blipFill>
+        <p:spPr>
+          <a:xfrm>
+            <a:off x="138792" y="4071941"/>
+            <a:ext cx="5905500" cy="1000125"/>
+          </a:xfrm>
+          <a:prstGeom prst="rect">
+            <a:avLst/>
+          </a:prstGeom>
+        </p:spPr>
+      </p:pic>
+      <p:sp>
+        <p:nvSpPr>
+          <p:cNvPr id="7" name="Curved Up Arrow 6"/>
+          <p:cNvSpPr/>
+          <p:nvPr/>
+        </p:nvSpPr>
+        <p:spPr>
+          <a:xfrm>
+            <a:off x="4767943" y="5192486"/>
+            <a:ext cx="2198914" cy="489858"/>
+          </a:xfrm>
+          <a:prstGeom prst="curvedUpArrow">
+            <a:avLst/>
+          </a:prstGeom>
+        </p:spPr>
+        <p:style>
+          <a:lnRef idx="2">
+            <a:schemeClr val="accent1">
+              <a:shade val="50000"/>
+            </a:schemeClr>
+          </a:lnRef>
+          <a:fillRef idx="1">
+            <a:schemeClr val="accent1"/>
+          </a:fillRef>
+          <a:effectRef idx="0">
+            <a:schemeClr val="accent1"/>
+          </a:effectRef>
+          <a:fontRef idx="minor">
+            <a:schemeClr val="lt1"/>
+          </a:fontRef>
+        </p:style>
+        <p:txBody>
+          <a:bodyPr rtlCol="0" anchor="ctr"/>
+          <a:lstStyle/>
+          <a:p>
+            <a:pPr algn="ctr"/>
+            <a:endParaRPr lang="en-US">
+              <a:solidFill>
+                <a:schemeClr val="tx1"/>
+              </a:solidFill>
+            </a:endParaRPr>
+          </a:p>
+        </p:txBody>
+      </p:sp>
+      <p:pic>
+        <p:nvPicPr>
+          <p:cNvPr id="5" name="Picture 4"/>
+          <p:cNvPicPr>
+            <a:picLocks noChangeAspect="1"/>
+          </p:cNvPicPr>
+          <p:nvPr/>
+        </p:nvPicPr>
+        <p:blipFill>
+          <a:blip r:embed="rId3"/>
+          <a:stretch>
+            <a:fillRect/>
+          </a:stretch>
+        </p:blipFill>
+        <p:spPr>
+          <a:xfrm>
+            <a:off x="6126480" y="4151201"/>
+            <a:ext cx="6115050" cy="981075"/>
+          </a:xfrm>
+          <a:prstGeom prst="rect">
+            <a:avLst/>
+          </a:prstGeom>
+        </p:spPr>
+      </p:pic>
+    </p:spTree>
+    <p:extLst>
+      <p:ext uri="{BB962C8B-B14F-4D97-AF65-F5344CB8AC3E}">
+        <p14:creationId xmlns:p14="http://schemas.microsoft.com/office/powerpoint/2010/main" val="193862113"/>
+      </p:ext>
+    </p:extLst>
+  </p:cSld>
+  <p:clrMapOvr>
+    <a:masterClrMapping/>
+  </p:clrMapOvr>
+</p:sld>
+</file>
+
+<file path=ppt/slides/slide25.xml><?xml version="1.0" encoding="utf-8"?>
+<p:sld xmlns:a="http://schemas.openxmlformats.org/drawingml/2006/main" xmlns:r="http://schemas.openxmlformats.org/officeDocument/2006/relationships" xmlns:p="http://schemas.openxmlformats.org/presentationml/2006/main">
+  <p:cSld>
+    <p:spTree>
+      <p:nvGrpSpPr>
+        <p:cNvPr id="1" name=""/>
+        <p:cNvGrpSpPr/>
+        <p:nvPr/>
+      </p:nvGrpSpPr>
+      <p:grpSpPr>
+        <a:xfrm>
+          <a:off x="0" y="0"/>
+          <a:ext cx="0" cy="0"/>
+          <a:chOff x="0" y="0"/>
+          <a:chExt cx="0" cy="0"/>
+        </a:xfrm>
+      </p:grpSpPr>
+      <p:pic>
+        <p:nvPicPr>
+          <p:cNvPr id="10" name="Picture 9"/>
+          <p:cNvPicPr>
+            <a:picLocks noChangeAspect="1"/>
+          </p:cNvPicPr>
+          <p:nvPr/>
+        </p:nvPicPr>
+        <p:blipFill>
+          <a:blip r:embed="rId2"/>
+          <a:stretch>
+            <a:fillRect/>
+          </a:stretch>
+        </p:blipFill>
+        <p:spPr>
+          <a:xfrm>
+            <a:off x="204652" y="4476888"/>
+            <a:ext cx="9039225" cy="1162050"/>
+          </a:xfrm>
+          <a:prstGeom prst="rect">
+            <a:avLst/>
+          </a:prstGeom>
+        </p:spPr>
+      </p:pic>
+      <p:pic>
+        <p:nvPicPr>
+          <p:cNvPr id="6" name="Picture 5"/>
+          <p:cNvPicPr>
+            <a:picLocks noChangeAspect="1"/>
+          </p:cNvPicPr>
+          <p:nvPr/>
+        </p:nvPicPr>
+        <p:blipFill>
+          <a:blip r:embed="rId3"/>
+          <a:stretch>
+            <a:fillRect/>
+          </a:stretch>
+        </p:blipFill>
+        <p:spPr>
+          <a:xfrm>
+            <a:off x="6394542" y="2386830"/>
+            <a:ext cx="6972300" cy="1362075"/>
+          </a:xfrm>
+          <a:prstGeom prst="rect">
+            <a:avLst/>
+          </a:prstGeom>
+        </p:spPr>
+      </p:pic>
+      <p:pic>
+        <p:nvPicPr>
+          <p:cNvPr id="4" name="Picture 3"/>
+          <p:cNvPicPr>
+            <a:picLocks noChangeAspect="1"/>
+          </p:cNvPicPr>
+          <p:nvPr/>
+        </p:nvPicPr>
+        <p:blipFill>
+          <a:blip r:embed="rId4"/>
+          <a:stretch>
+            <a:fillRect/>
+          </a:stretch>
+        </p:blipFill>
+        <p:spPr>
+          <a:xfrm>
+            <a:off x="204652" y="2453231"/>
+            <a:ext cx="6048375" cy="1181100"/>
+          </a:xfrm>
+          <a:prstGeom prst="rect">
+            <a:avLst/>
+          </a:prstGeom>
+        </p:spPr>
+      </p:pic>
+      <p:sp>
+        <p:nvSpPr>
+          <p:cNvPr id="2" name="Title 1"/>
+          <p:cNvSpPr>
+            <a:spLocks noGrp="1"/>
+          </p:cNvSpPr>
+          <p:nvPr>
+            <p:ph type="title"/>
+          </p:nvPr>
+        </p:nvSpPr>
+        <p:spPr/>
+        <p:txBody>
+          <a:bodyPr/>
+          <a:lstStyle/>
+          <a:p>
+            <a:r>
+              <a:rPr lang="en-US" dirty="0"/>
+              <a:t>Case setup – workflow example</a:t>
+            </a:r>
+          </a:p>
+        </p:txBody>
+      </p:sp>
+      <p:sp>
+        <p:nvSpPr>
+          <p:cNvPr id="3" name="Content Placeholder 2"/>
+          <p:cNvSpPr>
+            <a:spLocks noGrp="1"/>
+          </p:cNvSpPr>
+          <p:nvPr>
+            <p:ph idx="1"/>
+          </p:nvPr>
+        </p:nvSpPr>
+        <p:spPr>
+          <a:xfrm>
+            <a:off x="1097280" y="1872343"/>
+            <a:ext cx="10058400" cy="4463143"/>
+          </a:xfrm>
+        </p:spPr>
+        <p:txBody>
+          <a:bodyPr>
+            <a:normAutofit/>
+          </a:bodyPr>
+          <a:lstStyle/>
+          <a:p>
+            <a:pPr marL="0" indent="0">
+              <a:buNone/>
+            </a:pPr>
+            <a:r>
+              <a:rPr lang="en-US" sz="1800" dirty="0"/>
+              <a:t>Make source id=3 active only after 298 seconds and change using 4 threads to automatic use of CPU cores </a:t>
+            </a:r>
+          </a:p>
+        </p:txBody>
+      </p:sp>
+      <p:sp>
+        <p:nvSpPr>
+          <p:cNvPr id="7" name="Curved Up Arrow 6"/>
+          <p:cNvSpPr/>
+          <p:nvPr/>
+        </p:nvSpPr>
+        <p:spPr>
+          <a:xfrm>
+            <a:off x="4811486" y="3940357"/>
+            <a:ext cx="2198914" cy="303983"/>
+          </a:xfrm>
+          <a:prstGeom prst="curvedUpArrow">
+            <a:avLst/>
+          </a:prstGeom>
+        </p:spPr>
+        <p:style>
+          <a:lnRef idx="2">
+            <a:schemeClr val="accent1">
+              <a:shade val="50000"/>
+            </a:schemeClr>
+          </a:lnRef>
+          <a:fillRef idx="1">
+            <a:schemeClr val="accent1"/>
+          </a:fillRef>
+          <a:effectRef idx="0">
+            <a:schemeClr val="accent1"/>
+          </a:effectRef>
+          <a:fontRef idx="minor">
+            <a:schemeClr val="lt1"/>
+          </a:fontRef>
+        </p:style>
+        <p:txBody>
+          <a:bodyPr rtlCol="0" anchor="ctr"/>
+          <a:lstStyle/>
+          <a:p>
+            <a:pPr algn="ctr"/>
+            <a:endParaRPr lang="en-US">
+              <a:solidFill>
+                <a:schemeClr val="tx1"/>
+              </a:solidFill>
+            </a:endParaRPr>
+          </a:p>
+        </p:txBody>
+      </p:sp>
+      <p:pic>
+        <p:nvPicPr>
+          <p:cNvPr id="12" name="Picture 11"/>
+          <p:cNvPicPr>
+            <a:picLocks noChangeAspect="1"/>
+          </p:cNvPicPr>
+          <p:nvPr/>
+        </p:nvPicPr>
+        <p:blipFill>
+          <a:blip r:embed="rId5"/>
+          <a:stretch>
+            <a:fillRect/>
+          </a:stretch>
+        </p:blipFill>
+        <p:spPr>
+          <a:xfrm>
+            <a:off x="5792561" y="4467363"/>
+            <a:ext cx="7791450" cy="1181100"/>
+          </a:xfrm>
+          <a:prstGeom prst="rect">
+            <a:avLst/>
+          </a:prstGeom>
+        </p:spPr>
+      </p:pic>
+    </p:spTree>
+    <p:extLst>
+      <p:ext uri="{BB962C8B-B14F-4D97-AF65-F5344CB8AC3E}">
+        <p14:creationId xmlns:p14="http://schemas.microsoft.com/office/powerpoint/2010/main" val="302253034"/>
+      </p:ext>
+    </p:extLst>
+  </p:cSld>
+  <p:clrMapOvr>
+    <a:masterClrMapping/>
+  </p:clrMapOvr>
+</p:sld>
+</file>
+
+<file path=ppt/slides/slide26.xml><?xml version="1.0" encoding="utf-8"?>
+<p:sld xmlns:a="http://schemas.openxmlformats.org/drawingml/2006/main" xmlns:r="http://schemas.openxmlformats.org/officeDocument/2006/relationships" xmlns:p="http://schemas.openxmlformats.org/presentationml/2006/main">
+  <p:cSld>
+    <p:spTree>
+      <p:nvGrpSpPr>
+        <p:cNvPr id="1" name=""/>
+        <p:cNvGrpSpPr/>
+        <p:nvPr/>
+      </p:nvGrpSpPr>
+      <p:grpSpPr>
+        <a:xfrm>
+          <a:off x="0" y="0"/>
+          <a:ext cx="0" cy="0"/>
+          <a:chOff x="0" y="0"/>
+          <a:chExt cx="0" cy="0"/>
+        </a:xfrm>
+      </p:grpSpPr>
+      <p:sp>
+        <p:nvSpPr>
+          <p:cNvPr id="2" name="Title 1"/>
+          <p:cNvSpPr>
+            <a:spLocks noGrp="1"/>
+          </p:cNvSpPr>
+          <p:nvPr>
+            <p:ph type="title"/>
+          </p:nvPr>
+        </p:nvSpPr>
+        <p:spPr/>
+        <p:txBody>
+          <a:bodyPr/>
+          <a:lstStyle/>
+          <a:p>
+            <a:r>
+              <a:rPr lang="en-US" dirty="0"/>
+              <a:t>Case setup – workflow example</a:t>
+            </a:r>
+          </a:p>
+        </p:txBody>
+      </p:sp>
+      <p:sp>
+        <p:nvSpPr>
+          <p:cNvPr id="3" name="Content Placeholder 2"/>
+          <p:cNvSpPr>
+            <a:spLocks noGrp="1"/>
+          </p:cNvSpPr>
+          <p:nvPr>
+            <p:ph idx="1"/>
+          </p:nvPr>
+        </p:nvSpPr>
+        <p:spPr>
+          <a:xfrm>
+            <a:off x="1097280" y="1872343"/>
+            <a:ext cx="10058400" cy="4463143"/>
+          </a:xfrm>
+        </p:spPr>
+        <p:txBody>
+          <a:bodyPr>
+            <a:normAutofit/>
+          </a:bodyPr>
+          <a:lstStyle/>
+          <a:p>
+            <a:pPr marL="0" indent="0">
+              <a:buNone/>
+            </a:pPr>
+            <a:r>
+              <a:rPr lang="en-US" sz="1800" dirty="0"/>
+              <a:t>Notice you can set an arbitrary amount of active intervals, both is relative time (seconds from the beginning of the simulation) or absolute with dates</a:t>
+            </a:r>
+          </a:p>
+        </p:txBody>
+      </p:sp>
+      <p:pic>
+        <p:nvPicPr>
+          <p:cNvPr id="4" name="Picture 3"/>
+          <p:cNvPicPr>
+            <a:picLocks noChangeAspect="1"/>
+          </p:cNvPicPr>
+          <p:nvPr/>
+        </p:nvPicPr>
+        <p:blipFill>
+          <a:blip r:embed="rId2"/>
+          <a:stretch>
+            <a:fillRect/>
+          </a:stretch>
+        </p:blipFill>
+        <p:spPr>
+          <a:xfrm>
+            <a:off x="108857" y="3178095"/>
+            <a:ext cx="12192000" cy="2091124"/>
+          </a:xfrm>
+          <a:prstGeom prst="rect">
+            <a:avLst/>
+          </a:prstGeom>
+        </p:spPr>
+      </p:pic>
+    </p:spTree>
+    <p:extLst>
+      <p:ext uri="{BB962C8B-B14F-4D97-AF65-F5344CB8AC3E}">
+        <p14:creationId xmlns:p14="http://schemas.microsoft.com/office/powerpoint/2010/main" val="3698633475"/>
+      </p:ext>
+    </p:extLst>
+  </p:cSld>
+  <p:clrMapOvr>
+    <a:masterClrMapping/>
+  </p:clrMapOvr>
+</p:sld>
+</file>
+
+<file path=ppt/slides/slide27.xml><?xml version="1.0" encoding="utf-8"?>
+<p:sld xmlns:a="http://schemas.openxmlformats.org/drawingml/2006/main" xmlns:r="http://schemas.openxmlformats.org/officeDocument/2006/relationships" xmlns:p="http://schemas.openxmlformats.org/presentationml/2006/main">
+  <p:cSld>
+    <p:spTree>
+      <p:nvGrpSpPr>
+        <p:cNvPr id="1" name=""/>
+        <p:cNvGrpSpPr/>
+        <p:nvPr/>
+      </p:nvGrpSpPr>
+      <p:grpSpPr>
+        <a:xfrm>
+          <a:off x="0" y="0"/>
+          <a:ext cx="0" cy="0"/>
+          <a:chOff x="0" y="0"/>
+          <a:chExt cx="0" cy="0"/>
+        </a:xfrm>
+      </p:grpSpPr>
+      <p:sp>
+        <p:nvSpPr>
+          <p:cNvPr id="2" name="Title 1"/>
+          <p:cNvSpPr>
+            <a:spLocks noGrp="1"/>
+          </p:cNvSpPr>
+          <p:nvPr>
+            <p:ph type="title"/>
+          </p:nvPr>
+        </p:nvSpPr>
+        <p:spPr/>
+        <p:txBody>
+          <a:bodyPr/>
+          <a:lstStyle/>
+          <a:p>
+            <a:r>
+              <a:rPr lang="en-US" dirty="0"/>
+              <a:t>Case setup – workflow example</a:t>
+            </a:r>
+          </a:p>
+        </p:txBody>
+      </p:sp>
+      <p:sp>
+        <p:nvSpPr>
+          <p:cNvPr id="3" name="Content Placeholder 2"/>
+          <p:cNvSpPr>
+            <a:spLocks noGrp="1"/>
+          </p:cNvSpPr>
+          <p:nvPr>
+            <p:ph idx="1"/>
+          </p:nvPr>
+        </p:nvSpPr>
+        <p:spPr>
+          <a:xfrm>
+            <a:off x="1097280" y="1872343"/>
+            <a:ext cx="10058400" cy="4463143"/>
+          </a:xfrm>
+        </p:spPr>
+        <p:txBody>
+          <a:bodyPr>
+            <a:normAutofit/>
+          </a:bodyPr>
+          <a:lstStyle/>
+          <a:p>
+            <a:pPr marL="0" indent="0">
+              <a:buNone/>
+            </a:pPr>
+            <a:r>
+              <a:rPr lang="en-US" sz="1800" dirty="0"/>
+              <a:t>What about input files?</a:t>
+            </a:r>
+          </a:p>
+          <a:p>
+            <a:pPr marL="0" indent="0">
+              <a:buNone/>
+            </a:pPr>
+            <a:r>
+              <a:rPr lang="en-US" sz="1800" dirty="0"/>
+              <a:t>You can either copy all of the files to the new directory, or put the paths of where they already are in the configuration file.</a:t>
+            </a:r>
+          </a:p>
+          <a:p>
+            <a:pPr marL="0" indent="0">
+              <a:buNone/>
+            </a:pPr>
+            <a:r>
+              <a:rPr lang="en-US" sz="1800" dirty="0"/>
+              <a:t>Using relative paths to the old directory:</a:t>
+            </a:r>
+          </a:p>
+          <a:p>
+            <a:pPr marL="0" indent="0">
+              <a:buNone/>
+            </a:pPr>
+            <a:endParaRPr lang="en-US" sz="1800" dirty="0"/>
+          </a:p>
+        </p:txBody>
+      </p:sp>
+      <p:pic>
+        <p:nvPicPr>
+          <p:cNvPr id="4" name="Picture 3"/>
+          <p:cNvPicPr>
+            <a:picLocks noChangeAspect="1"/>
+          </p:cNvPicPr>
+          <p:nvPr/>
+        </p:nvPicPr>
+        <p:blipFill>
+          <a:blip r:embed="rId2"/>
+          <a:stretch>
+            <a:fillRect/>
+          </a:stretch>
+        </p:blipFill>
+        <p:spPr>
+          <a:xfrm>
+            <a:off x="3013165" y="3328782"/>
+            <a:ext cx="4867275" cy="504825"/>
+          </a:xfrm>
+          <a:prstGeom prst="rect">
+            <a:avLst/>
+          </a:prstGeom>
+        </p:spPr>
+      </p:pic>
+      <p:pic>
+        <p:nvPicPr>
+          <p:cNvPr id="6" name="Picture 5"/>
+          <p:cNvPicPr>
+            <a:picLocks noChangeAspect="1"/>
+          </p:cNvPicPr>
+          <p:nvPr/>
+        </p:nvPicPr>
+        <p:blipFill>
+          <a:blip r:embed="rId3"/>
+          <a:stretch>
+            <a:fillRect/>
+          </a:stretch>
+        </p:blipFill>
+        <p:spPr>
+          <a:xfrm>
+            <a:off x="3013165" y="3900009"/>
+            <a:ext cx="6591300" cy="1009650"/>
+          </a:xfrm>
+          <a:prstGeom prst="rect">
+            <a:avLst/>
+          </a:prstGeom>
+        </p:spPr>
+      </p:pic>
+      <p:pic>
+        <p:nvPicPr>
+          <p:cNvPr id="10" name="Picture 9"/>
+          <p:cNvPicPr>
+            <a:picLocks noChangeAspect="1"/>
+          </p:cNvPicPr>
+          <p:nvPr/>
+        </p:nvPicPr>
+        <p:blipFill>
+          <a:blip r:embed="rId4"/>
+          <a:stretch>
+            <a:fillRect/>
+          </a:stretch>
+        </p:blipFill>
+        <p:spPr>
+          <a:xfrm>
+            <a:off x="3013165" y="4976062"/>
+            <a:ext cx="5829300" cy="1657350"/>
+          </a:xfrm>
+          <a:prstGeom prst="rect">
+            <a:avLst/>
+          </a:prstGeom>
+        </p:spPr>
+      </p:pic>
+      <p:pic>
+        <p:nvPicPr>
+          <p:cNvPr id="5" name="Picture 4"/>
+          <p:cNvPicPr>
+            <a:picLocks noChangeAspect="1"/>
+          </p:cNvPicPr>
+          <p:nvPr/>
+        </p:nvPicPr>
+        <p:blipFill>
+          <a:blip r:embed="rId5"/>
+          <a:stretch>
+            <a:fillRect/>
+          </a:stretch>
+        </p:blipFill>
+        <p:spPr>
+          <a:xfrm>
+            <a:off x="7641634" y="3466758"/>
+            <a:ext cx="1876425" cy="266700"/>
+          </a:xfrm>
+          <a:prstGeom prst="rect">
+            <a:avLst/>
+          </a:prstGeom>
+        </p:spPr>
+      </p:pic>
+    </p:spTree>
+    <p:extLst>
+      <p:ext uri="{BB962C8B-B14F-4D97-AF65-F5344CB8AC3E}">
+        <p14:creationId xmlns:p14="http://schemas.microsoft.com/office/powerpoint/2010/main" val="1262103311"/>
+      </p:ext>
+    </p:extLst>
+  </p:cSld>
+  <p:clrMapOvr>
+    <a:masterClrMapping/>
+  </p:clrMapOvr>
+</p:sld>
+</file>
+
+<file path=ppt/slides/slide28.xml><?xml version="1.0" encoding="utf-8"?>
+<p:sld xmlns:a="http://schemas.openxmlformats.org/drawingml/2006/main" xmlns:r="http://schemas.openxmlformats.org/officeDocument/2006/relationships" xmlns:p="http://schemas.openxmlformats.org/presentationml/2006/main">
+  <p:cSld>
+    <p:spTree>
+      <p:nvGrpSpPr>
+        <p:cNvPr id="1" name=""/>
+        <p:cNvGrpSpPr/>
+        <p:nvPr/>
+      </p:nvGrpSpPr>
+      <p:grpSpPr>
+        <a:xfrm>
+          <a:off x="0" y="0"/>
+          <a:ext cx="0" cy="0"/>
+          <a:chOff x="0" y="0"/>
+          <a:chExt cx="0" cy="0"/>
+        </a:xfrm>
+      </p:grpSpPr>
+      <p:sp>
+        <p:nvSpPr>
+          <p:cNvPr id="2" name="Title 1"/>
+          <p:cNvSpPr>
+            <a:spLocks noGrp="1"/>
+          </p:cNvSpPr>
+          <p:nvPr>
+            <p:ph type="title"/>
+          </p:nvPr>
+        </p:nvSpPr>
+        <p:spPr/>
+        <p:txBody>
+          <a:bodyPr/>
+          <a:lstStyle/>
+          <a:p>
+            <a:r>
+              <a:rPr lang="en-US" dirty="0"/>
               <a:t>Case setup – workflow example</a:t>
             </a:r>
           </a:p>
@@ -7291,7 +8515,7 @@
 </p:sld>
 </file>
 
-<file path=ppt/slides/slide24.xml><?xml version="1.0" encoding="utf-8"?>
+<file path=ppt/slides/slide29.xml><?xml version="1.0" encoding="utf-8"?>
 <p:sld xmlns:a="http://schemas.openxmlformats.org/drawingml/2006/main" xmlns:r="http://schemas.openxmlformats.org/officeDocument/2006/relationships" xmlns:p="http://schemas.openxmlformats.org/presentationml/2006/main">
   <p:cSld>
     <p:spTree>
@@ -7627,7 +8851,157 @@
 </p:sld>
 </file>
 
-<file path=ppt/slides/slide25.xml><?xml version="1.0" encoding="utf-8"?>
+<file path=ppt/slides/slide3.xml><?xml version="1.0" encoding="utf-8"?>
+<p:sld xmlns:a="http://schemas.openxmlformats.org/drawingml/2006/main" xmlns:r="http://schemas.openxmlformats.org/officeDocument/2006/relationships" xmlns:p="http://schemas.openxmlformats.org/presentationml/2006/main">
+  <p:cSld>
+    <p:spTree>
+      <p:nvGrpSpPr>
+        <p:cNvPr id="1" name=""/>
+        <p:cNvGrpSpPr/>
+        <p:nvPr/>
+      </p:nvGrpSpPr>
+      <p:grpSpPr>
+        <a:xfrm>
+          <a:off x="0" y="0"/>
+          <a:ext cx="0" cy="0"/>
+          <a:chOff x="0" y="0"/>
+          <a:chExt cx="0" cy="0"/>
+        </a:xfrm>
+      </p:grpSpPr>
+      <p:sp>
+        <p:nvSpPr>
+          <p:cNvPr id="2" name="Title 1"/>
+          <p:cNvSpPr>
+            <a:spLocks noGrp="1"/>
+          </p:cNvSpPr>
+          <p:nvPr>
+            <p:ph type="title"/>
+          </p:nvPr>
+        </p:nvSpPr>
+        <p:spPr/>
+        <p:txBody>
+          <a:bodyPr/>
+          <a:lstStyle/>
+          <a:p>
+            <a:r>
+              <a:rPr lang="en-US" dirty="0"/>
+              <a:t>Context</a:t>
+            </a:r>
+          </a:p>
+        </p:txBody>
+      </p:sp>
+      <p:sp>
+        <p:nvSpPr>
+          <p:cNvPr id="3" name="Content Placeholder 2"/>
+          <p:cNvSpPr>
+            <a:spLocks noGrp="1"/>
+          </p:cNvSpPr>
+          <p:nvPr>
+            <p:ph idx="1"/>
+          </p:nvPr>
+        </p:nvSpPr>
+        <p:spPr/>
+        <p:txBody>
+          <a:bodyPr/>
+          <a:lstStyle/>
+          <a:p>
+            <a:r>
+              <a:rPr lang="en-US" dirty="0"/>
+              <a:t>MOHID </a:t>
+            </a:r>
+            <a:r>
+              <a:rPr lang="en-US" dirty="0" err="1"/>
+              <a:t>Lagrangian</a:t>
+            </a:r>
+            <a:r>
+              <a:rPr lang="en-US" dirty="0"/>
+              <a:t> is:</a:t>
+            </a:r>
+          </a:p>
+          <a:p>
+            <a:pPr>
+              <a:buFont typeface="Arial" panose="020B0604020202020204" pitchFamily="34" charset="0"/>
+              <a:buChar char="•"/>
+            </a:pPr>
+            <a:r>
+              <a:rPr lang="en-US" dirty="0"/>
+              <a:t> A unidirectional </a:t>
+            </a:r>
+            <a:r>
+              <a:rPr lang="en-US" dirty="0" err="1"/>
+              <a:t>Lagrangian</a:t>
+            </a:r>
+            <a:r>
+              <a:rPr lang="en-US" dirty="0"/>
+              <a:t> particle simulator</a:t>
+            </a:r>
+          </a:p>
+          <a:p>
+            <a:pPr>
+              <a:buFont typeface="Arial" panose="020B0604020202020204" pitchFamily="34" charset="0"/>
+              <a:buChar char="•"/>
+            </a:pPr>
+            <a:r>
+              <a:rPr lang="en-US" dirty="0"/>
+              <a:t> Made to easily extend the physical models acting on the particles</a:t>
+            </a:r>
+          </a:p>
+          <a:p>
+            <a:pPr>
+              <a:buFont typeface="Arial" panose="020B0604020202020204" pitchFamily="34" charset="0"/>
+              <a:buChar char="•"/>
+            </a:pPr>
+            <a:r>
+              <a:rPr lang="en-US" dirty="0"/>
+              <a:t> Made to support large scale modelling in both space and time</a:t>
+            </a:r>
+          </a:p>
+          <a:p>
+            <a:pPr>
+              <a:buFont typeface="Arial" panose="020B0604020202020204" pitchFamily="34" charset="0"/>
+              <a:buChar char="•"/>
+            </a:pPr>
+            <a:r>
+              <a:rPr lang="en-US" dirty="0"/>
+              <a:t> Made to support medium independent simulations</a:t>
+            </a:r>
+          </a:p>
+          <a:p>
+            <a:pPr>
+              <a:buFont typeface="Arial" panose="020B0604020202020204" pitchFamily="34" charset="0"/>
+              <a:buChar char="•"/>
+            </a:pPr>
+            <a:r>
+              <a:rPr lang="en-US" dirty="0"/>
+              <a:t> Made to support large tracer numbers</a:t>
+            </a:r>
+          </a:p>
+          <a:p>
+            <a:pPr>
+              <a:buFont typeface="Arial" panose="020B0604020202020204" pitchFamily="34" charset="0"/>
+              <a:buChar char="•"/>
+            </a:pPr>
+            <a:r>
+              <a:rPr lang="en-US" dirty="0"/>
+              <a:t> A cross platform, shared memory parallel tool</a:t>
+            </a:r>
+          </a:p>
+        </p:txBody>
+      </p:sp>
+    </p:spTree>
+    <p:extLst>
+      <p:ext uri="{BB962C8B-B14F-4D97-AF65-F5344CB8AC3E}">
+        <p14:creationId xmlns:p14="http://schemas.microsoft.com/office/powerpoint/2010/main" val="3919655784"/>
+      </p:ext>
+    </p:extLst>
+  </p:cSld>
+  <p:clrMapOvr>
+    <a:masterClrMapping/>
+  </p:clrMapOvr>
+</p:sld>
+</file>
+
+<file path=ppt/slides/slide30.xml><?xml version="1.0" encoding="utf-8"?>
 <p:sld xmlns:a="http://schemas.openxmlformats.org/drawingml/2006/main" xmlns:r="http://schemas.openxmlformats.org/officeDocument/2006/relationships" xmlns:p="http://schemas.openxmlformats.org/presentationml/2006/main">
   <p:cSld>
     <p:spTree>
@@ -8127,7 +9501,7 @@
 </p:sld>
 </file>
 
-<file path=ppt/slides/slide26.xml><?xml version="1.0" encoding="utf-8"?>
+<file path=ppt/slides/slide31.xml><?xml version="1.0" encoding="utf-8"?>
 <p:sld xmlns:a="http://schemas.openxmlformats.org/drawingml/2006/main" xmlns:r="http://schemas.openxmlformats.org/officeDocument/2006/relationships" xmlns:p="http://schemas.openxmlformats.org/presentationml/2006/main">
   <p:cSld>
     <p:spTree>
@@ -8496,7 +9870,7 @@
 </p:sld>
 </file>
 
-<file path=ppt/slides/slide27.xml><?xml version="1.0" encoding="utf-8"?>
+<file path=ppt/slides/slide32.xml><?xml version="1.0" encoding="utf-8"?>
 <p:sld xmlns:a="http://schemas.openxmlformats.org/drawingml/2006/main" xmlns:r="http://schemas.openxmlformats.org/officeDocument/2006/relationships" xmlns:p="http://schemas.openxmlformats.org/presentationml/2006/main">
   <p:cSld>
     <p:spTree>
@@ -9059,7 +10433,7 @@
 </p:sld>
 </file>
 
-<file path=ppt/slides/slide28.xml><?xml version="1.0" encoding="utf-8"?>
+<file path=ppt/slides/slide33.xml><?xml version="1.0" encoding="utf-8"?>
 <p:sld xmlns:a="http://schemas.openxmlformats.org/drawingml/2006/main" xmlns:r="http://schemas.openxmlformats.org/officeDocument/2006/relationships" xmlns:p="http://schemas.openxmlformats.org/presentationml/2006/main">
   <p:cSld>
     <p:spTree>
@@ -9546,7 +10920,7 @@
 </p:sld>
 </file>
 
-<file path=ppt/slides/slide29.xml><?xml version="1.0" encoding="utf-8"?>
+<file path=ppt/slides/slide34.xml><?xml version="1.0" encoding="utf-8"?>
 <p:sld xmlns:a="http://schemas.openxmlformats.org/drawingml/2006/main" xmlns:r="http://schemas.openxmlformats.org/officeDocument/2006/relationships" xmlns:p="http://schemas.openxmlformats.org/presentationml/2006/main">
   <p:cSld>
     <p:spTree>
@@ -10064,157 +11438,7 @@
 </p:sld>
 </file>
 
-<file path=ppt/slides/slide3.xml><?xml version="1.0" encoding="utf-8"?>
-<p:sld xmlns:a="http://schemas.openxmlformats.org/drawingml/2006/main" xmlns:r="http://schemas.openxmlformats.org/officeDocument/2006/relationships" xmlns:p="http://schemas.openxmlformats.org/presentationml/2006/main">
-  <p:cSld>
-    <p:spTree>
-      <p:nvGrpSpPr>
-        <p:cNvPr id="1" name=""/>
-        <p:cNvGrpSpPr/>
-        <p:nvPr/>
-      </p:nvGrpSpPr>
-      <p:grpSpPr>
-        <a:xfrm>
-          <a:off x="0" y="0"/>
-          <a:ext cx="0" cy="0"/>
-          <a:chOff x="0" y="0"/>
-          <a:chExt cx="0" cy="0"/>
-        </a:xfrm>
-      </p:grpSpPr>
-      <p:sp>
-        <p:nvSpPr>
-          <p:cNvPr id="2" name="Title 1"/>
-          <p:cNvSpPr>
-            <a:spLocks noGrp="1"/>
-          </p:cNvSpPr>
-          <p:nvPr>
-            <p:ph type="title"/>
-          </p:nvPr>
-        </p:nvSpPr>
-        <p:spPr/>
-        <p:txBody>
-          <a:bodyPr/>
-          <a:lstStyle/>
-          <a:p>
-            <a:r>
-              <a:rPr lang="en-US" dirty="0"/>
-              <a:t>Context</a:t>
-            </a:r>
-          </a:p>
-        </p:txBody>
-      </p:sp>
-      <p:sp>
-        <p:nvSpPr>
-          <p:cNvPr id="3" name="Content Placeholder 2"/>
-          <p:cNvSpPr>
-            <a:spLocks noGrp="1"/>
-          </p:cNvSpPr>
-          <p:nvPr>
-            <p:ph idx="1"/>
-          </p:nvPr>
-        </p:nvSpPr>
-        <p:spPr/>
-        <p:txBody>
-          <a:bodyPr/>
-          <a:lstStyle/>
-          <a:p>
-            <a:r>
-              <a:rPr lang="en-US" dirty="0"/>
-              <a:t>MOHID </a:t>
-            </a:r>
-            <a:r>
-              <a:rPr lang="en-US" dirty="0" err="1"/>
-              <a:t>Lagrangian</a:t>
-            </a:r>
-            <a:r>
-              <a:rPr lang="en-US" dirty="0"/>
-              <a:t> is:</a:t>
-            </a:r>
-          </a:p>
-          <a:p>
-            <a:pPr>
-              <a:buFont typeface="Arial" panose="020B0604020202020204" pitchFamily="34" charset="0"/>
-              <a:buChar char="•"/>
-            </a:pPr>
-            <a:r>
-              <a:rPr lang="en-US" dirty="0"/>
-              <a:t> A unidirectional </a:t>
-            </a:r>
-            <a:r>
-              <a:rPr lang="en-US" dirty="0" err="1"/>
-              <a:t>Lagrangian</a:t>
-            </a:r>
-            <a:r>
-              <a:rPr lang="en-US" dirty="0"/>
-              <a:t> particle simulator</a:t>
-            </a:r>
-          </a:p>
-          <a:p>
-            <a:pPr>
-              <a:buFont typeface="Arial" panose="020B0604020202020204" pitchFamily="34" charset="0"/>
-              <a:buChar char="•"/>
-            </a:pPr>
-            <a:r>
-              <a:rPr lang="en-US" dirty="0"/>
-              <a:t> Made to easily extend the physical models acting on the particles</a:t>
-            </a:r>
-          </a:p>
-          <a:p>
-            <a:pPr>
-              <a:buFont typeface="Arial" panose="020B0604020202020204" pitchFamily="34" charset="0"/>
-              <a:buChar char="•"/>
-            </a:pPr>
-            <a:r>
-              <a:rPr lang="en-US" dirty="0"/>
-              <a:t> Made to support large scale modelling in both space and time</a:t>
-            </a:r>
-          </a:p>
-          <a:p>
-            <a:pPr>
-              <a:buFont typeface="Arial" panose="020B0604020202020204" pitchFamily="34" charset="0"/>
-              <a:buChar char="•"/>
-            </a:pPr>
-            <a:r>
-              <a:rPr lang="en-US" dirty="0"/>
-              <a:t> Made to support medium independent simulations</a:t>
-            </a:r>
-          </a:p>
-          <a:p>
-            <a:pPr>
-              <a:buFont typeface="Arial" panose="020B0604020202020204" pitchFamily="34" charset="0"/>
-              <a:buChar char="•"/>
-            </a:pPr>
-            <a:r>
-              <a:rPr lang="en-US" dirty="0"/>
-              <a:t> Made to support large tracer numbers</a:t>
-            </a:r>
-          </a:p>
-          <a:p>
-            <a:pPr>
-              <a:buFont typeface="Arial" panose="020B0604020202020204" pitchFamily="34" charset="0"/>
-              <a:buChar char="•"/>
-            </a:pPr>
-            <a:r>
-              <a:rPr lang="en-US" dirty="0"/>
-              <a:t> A cross platform, shared memory parallel tool</a:t>
-            </a:r>
-          </a:p>
-        </p:txBody>
-      </p:sp>
-    </p:spTree>
-    <p:extLst>
-      <p:ext uri="{BB962C8B-B14F-4D97-AF65-F5344CB8AC3E}">
-        <p14:creationId xmlns:p14="http://schemas.microsoft.com/office/powerpoint/2010/main" val="3919655784"/>
-      </p:ext>
-    </p:extLst>
-  </p:cSld>
-  <p:clrMapOvr>
-    <a:masterClrMapping/>
-  </p:clrMapOvr>
-</p:sld>
-</file>
-
-<file path=ppt/slides/slide30.xml><?xml version="1.0" encoding="utf-8"?>
+<file path=ppt/slides/slide35.xml><?xml version="1.0" encoding="utf-8"?>
 <p:sld xmlns:a="http://schemas.openxmlformats.org/drawingml/2006/main" xmlns:r="http://schemas.openxmlformats.org/officeDocument/2006/relationships" xmlns:p="http://schemas.openxmlformats.org/presentationml/2006/main">
   <p:cSld>
     <p:spTree>
@@ -10681,7 +11905,7 @@
 </p:sld>
 </file>
 
-<file path=ppt/slides/slide31.xml><?xml version="1.0" encoding="utf-8"?>
+<file path=ppt/slides/slide36.xml><?xml version="1.0" encoding="utf-8"?>
 <p:sld xmlns:a="http://schemas.openxmlformats.org/drawingml/2006/main" xmlns:r="http://schemas.openxmlformats.org/officeDocument/2006/relationships" xmlns:p="http://schemas.openxmlformats.org/presentationml/2006/main">
   <p:cSld>
     <p:spTree>
@@ -11786,7 +13010,7 @@
           <a:p>
             <a:r>
               <a:rPr lang="en-US" dirty="0"/>
-              <a:t>Requirements</a:t>
+              <a:t>Features on V23.01</a:t>
             </a:r>
           </a:p>
         </p:txBody>
@@ -11803,24 +13027,16 @@
         </p:nvSpPr>
         <p:spPr/>
         <p:txBody>
-          <a:bodyPr>
-            <a:normAutofit fontScale="92500" lnSpcReduction="10000"/>
-          </a:bodyPr>
-          <a:lstStyle/>
-          <a:p>
-            <a:r>
-              <a:rPr lang="en-US" dirty="0"/>
-              <a:t>To compile</a:t>
-            </a:r>
-          </a:p>
+          <a:bodyPr/>
+          <a:lstStyle/>
           <a:p>
             <a:pPr>
               <a:buFont typeface="Arial" panose="020B0604020202020204" pitchFamily="34" charset="0"/>
               <a:buChar char="•"/>
             </a:pPr>
             <a:r>
-              <a:rPr lang="da-DK" dirty="0"/>
-              <a:t> modern Fortran compiler - IFort 18+, GFortran 8+</a:t>
+              <a:rPr lang="en-US" dirty="0"/>
+              <a:t> Simulation of detritus type tracers with a degradation function dependent on bacterial growth over time</a:t>
             </a:r>
           </a:p>
           <a:p>
@@ -11830,13 +13046,8 @@
             </a:pPr>
             <a:r>
               <a:rPr lang="en-US" dirty="0"/>
-              <a:t> </a:t>
-            </a:r>
-            <a:r>
-              <a:rPr lang="en-US" dirty="0" err="1"/>
-              <a:t>Cmake</a:t>
-            </a:r>
-            <a:endParaRPr lang="en-US" dirty="0"/>
+              <a:t> Improved routines for deposition of tracers in the bottom</a:t>
+            </a:r>
           </a:p>
           <a:p>
             <a:pPr>
@@ -11845,16 +13056,13 @@
             </a:pPr>
             <a:r>
               <a:rPr lang="en-US" dirty="0"/>
-              <a:t> m4, </a:t>
+              <a:t> Resuspension of particulate type tracers using currents, or </a:t>
             </a:r>
             <a:r>
               <a:rPr lang="en-US" dirty="0" err="1"/>
-              <a:t>autotools</a:t>
-            </a:r>
-            <a:r>
-              <a:rPr lang="en-US" dirty="0"/>
-              <a:t> if using Linux</a:t>
-            </a:r>
+              <a:t>currents+waves</a:t>
+            </a:r>
+            <a:endParaRPr lang="en-US" dirty="0"/>
           </a:p>
           <a:p>
             <a:pPr>
@@ -11863,13 +13071,7 @@
             </a:pPr>
             <a:r>
               <a:rPr lang="en-US" dirty="0"/>
-              <a:t> Visual Studio if using windows</a:t>
-            </a:r>
-          </a:p>
-          <a:p>
-            <a:r>
-              <a:rPr lang="en-US" dirty="0"/>
-              <a:t>to Run</a:t>
+              <a:t> Release of tracers near the bottom.</a:t>
             </a:r>
           </a:p>
           <a:p>
@@ -11879,23 +13081,7 @@
             </a:pPr>
             <a:r>
               <a:rPr lang="en-US" dirty="0"/>
-              <a:t> python 3+ (with </a:t>
-            </a:r>
-            <a:r>
-              <a:rPr lang="en-US" dirty="0" err="1"/>
-              <a:t>xarray</a:t>
-            </a:r>
-            <a:r>
-              <a:rPr lang="en-US" dirty="0"/>
-              <a:t>, </a:t>
-            </a:r>
-            <a:r>
-              <a:rPr lang="en-US" dirty="0" err="1"/>
-              <a:t>vtk</a:t>
-            </a:r>
-            <a:r>
-              <a:rPr lang="en-US" dirty="0"/>
-              <a:t> and netcdf4 libs installed)</a:t>
+              <a:t> Import curvilinear grids</a:t>
             </a:r>
           </a:p>
           <a:p>
@@ -11905,13 +13091,7 @@
             </a:pPr>
             <a:r>
               <a:rPr lang="en-US" dirty="0"/>
-              <a:t> text editor...</a:t>
-            </a:r>
-          </a:p>
-          <a:p>
-            <a:r>
-              <a:rPr lang="en-US" dirty="0"/>
-              <a:t>To process outputs</a:t>
+              <a:t> Export of different parameters into HDF format</a:t>
             </a:r>
           </a:p>
           <a:p>
@@ -11925,16 +13105,19 @@
             </a:r>
             <a:r>
               <a:rPr lang="en-US" dirty="0" err="1"/>
-              <a:t>Paraview</a:t>
-            </a:r>
-            <a:endParaRPr lang="en-US" dirty="0"/>
+              <a:t>WaterQuality</a:t>
+            </a:r>
+            <a:r>
+              <a:rPr lang="en-US" dirty="0"/>
+              <a:t> type tracers for simulating biogeochemical processes, through a link to MOHID’s water quality module</a:t>
+            </a:r>
           </a:p>
         </p:txBody>
       </p:sp>
     </p:spTree>
     <p:extLst>
       <p:ext uri="{BB962C8B-B14F-4D97-AF65-F5344CB8AC3E}">
-        <p14:creationId xmlns:p14="http://schemas.microsoft.com/office/powerpoint/2010/main" val="3930024541"/>
+        <p14:creationId xmlns:p14="http://schemas.microsoft.com/office/powerpoint/2010/main" val="1566983373"/>
       </p:ext>
     </p:extLst>
   </p:cSld>
@@ -11978,7 +13161,7 @@
           <a:p>
             <a:r>
               <a:rPr lang="en-US" dirty="0"/>
-              <a:t>Input files</a:t>
+              <a:t>Requirements</a:t>
             </a:r>
           </a:p>
         </p:txBody>
@@ -11995,12 +13178,14 @@
         </p:nvSpPr>
         <p:spPr/>
         <p:txBody>
-          <a:bodyPr/>
-          <a:lstStyle/>
-          <a:p>
-            <a:r>
-              <a:rPr lang="en-US" dirty="0"/>
-              <a:t>To set up a case:</a:t>
+          <a:bodyPr>
+            <a:normAutofit fontScale="92500" lnSpcReduction="10000"/>
+          </a:bodyPr>
+          <a:lstStyle/>
+          <a:p>
+            <a:r>
+              <a:rPr lang="en-US" dirty="0"/>
+              <a:t>To compile</a:t>
             </a:r>
           </a:p>
           <a:p>
@@ -12009,8 +13194,8 @@
               <a:buChar char="•"/>
             </a:pPr>
             <a:r>
-              <a:rPr lang="en-US" dirty="0"/>
-              <a:t> Case definition file (.xml)</a:t>
+              <a:rPr lang="da-DK" dirty="0"/>
+              <a:t> modern Fortran compiler - IFort 18+, GFortran 8+</a:t>
             </a:r>
           </a:p>
           <a:p>
@@ -12020,8 +13205,13 @@
             </a:pPr>
             <a:r>
               <a:rPr lang="en-US" dirty="0"/>
-              <a:t> Tracer library file (optional, .xml)</a:t>
-            </a:r>
+              <a:t> </a:t>
+            </a:r>
+            <a:r>
+              <a:rPr lang="en-US" dirty="0" err="1"/>
+              <a:t>Cmake</a:t>
+            </a:r>
+            <a:endParaRPr lang="en-US" dirty="0"/>
           </a:p>
           <a:p>
             <a:pPr>
@@ -12030,7 +13220,15 @@
             </a:pPr>
             <a:r>
               <a:rPr lang="en-US" dirty="0"/>
-              <a:t> Variable output control file (optional, .xml)</a:t>
+              <a:t> m4, </a:t>
+            </a:r>
+            <a:r>
+              <a:rPr lang="en-US" dirty="0" err="1"/>
+              <a:t>autotools</a:t>
+            </a:r>
+            <a:r>
+              <a:rPr lang="en-US" dirty="0"/>
+              <a:t> if using Linux</a:t>
             </a:r>
           </a:p>
           <a:p>
@@ -12040,15 +13238,13 @@
             </a:pPr>
             <a:r>
               <a:rPr lang="en-US" dirty="0"/>
-              <a:t> </a:t>
-            </a:r>
-            <a:r>
-              <a:rPr lang="en-US" dirty="0" err="1"/>
-              <a:t>NetCDF</a:t>
-            </a:r>
-            <a:r>
-              <a:rPr lang="en-US" dirty="0"/>
-              <a:t> variable library file (optional, .xml)</a:t>
+              <a:t> Visual Studio if using windows</a:t>
+            </a:r>
+          </a:p>
+          <a:p>
+            <a:r>
+              <a:rPr lang="en-US" dirty="0"/>
+              <a:t>to Run</a:t>
             </a:r>
           </a:p>
           <a:p>
@@ -12058,23 +13254,62 @@
             </a:pPr>
             <a:r>
               <a:rPr lang="en-US" dirty="0"/>
-              <a:t> Input data (.</a:t>
+              <a:t> python 3+ (with </a:t>
             </a:r>
             <a:r>
               <a:rPr lang="en-US" dirty="0" err="1"/>
-              <a:t>nc</a:t>
-            </a:r>
-            <a:r>
-              <a:rPr lang="en-US" dirty="0"/>
-              <a:t> or .nc4 file/s)</a:t>
-            </a:r>
+              <a:t>xarray</a:t>
+            </a:r>
+            <a:r>
+              <a:rPr lang="en-US" dirty="0"/>
+              <a:t>, </a:t>
+            </a:r>
+            <a:r>
+              <a:rPr lang="en-US" dirty="0" err="1"/>
+              <a:t>vtk</a:t>
+            </a:r>
+            <a:r>
+              <a:rPr lang="en-US" dirty="0"/>
+              <a:t> and netcdf4 libs installed)</a:t>
+            </a:r>
+          </a:p>
+          <a:p>
+            <a:pPr>
+              <a:buFont typeface="Arial" panose="020B0604020202020204" pitchFamily="34" charset="0"/>
+              <a:buChar char="•"/>
+            </a:pPr>
+            <a:r>
+              <a:rPr lang="en-US" dirty="0"/>
+              <a:t> text editor...</a:t>
+            </a:r>
+          </a:p>
+          <a:p>
+            <a:r>
+              <a:rPr lang="en-US" dirty="0"/>
+              <a:t>To process outputs</a:t>
+            </a:r>
+          </a:p>
+          <a:p>
+            <a:pPr>
+              <a:buFont typeface="Arial" panose="020B0604020202020204" pitchFamily="34" charset="0"/>
+              <a:buChar char="•"/>
+            </a:pPr>
+            <a:r>
+              <a:rPr lang="en-US" dirty="0"/>
+              <a:t> </a:t>
+            </a:r>
+            <a:r>
+              <a:rPr lang="en-US" dirty="0" err="1"/>
+              <a:t>Paraview</a:t>
+            </a:r>
+            <a:endParaRPr lang="en-US" dirty="0"/>
           </a:p>
         </p:txBody>
       </p:sp>
     </p:spTree>
     <p:extLst>
       <p:ext uri="{BB962C8B-B14F-4D97-AF65-F5344CB8AC3E}">
-        <p14:creationId xmlns:p14="http://schemas.microsoft.com/office/powerpoint/2010/main" val="3663192364"/>
+        <p14:creationId xmlns:p14="http://schemas.microsoft.com/office/powerpoint/2010/main" val="3930024541"/>
       </p:ext>
     </p:extLst>
   </p:cSld>
@@ -12118,7 +13353,7 @@
           <a:p>
             <a:r>
               <a:rPr lang="en-US" dirty="0"/>
-              <a:t>Input files – case definition</a:t>
+              <a:t>Input files</a:t>
             </a:r>
           </a:p>
         </p:txBody>
@@ -12140,7 +13375,7 @@
           <a:p>
             <a:r>
               <a:rPr lang="en-US" dirty="0"/>
-              <a:t>A case definition file contains several sections and typically has the following structure</a:t>
+              <a:t>To set up a case:</a:t>
             </a:r>
           </a:p>
           <a:p>
@@ -12150,82 +13385,55 @@
             </a:pPr>
             <a:r>
               <a:rPr lang="en-US" dirty="0"/>
-              <a:t>Case</a:t>
-            </a:r>
-          </a:p>
-          <a:p>
-            <a:pPr lvl="1">
+              <a:t> Case definition file (.xml)</a:t>
+            </a:r>
+          </a:p>
+          <a:p>
+            <a:pPr>
               <a:buFont typeface="Arial" panose="020B0604020202020204" pitchFamily="34" charset="0"/>
               <a:buChar char="•"/>
             </a:pPr>
             <a:r>
               <a:rPr lang="en-US" dirty="0"/>
-              <a:t>Execution</a:t>
-            </a:r>
-          </a:p>
-          <a:p>
-            <a:pPr lvl="2">
+              <a:t> Tracer library file (optional, .xml)</a:t>
+            </a:r>
+          </a:p>
+          <a:p>
+            <a:pPr>
               <a:buFont typeface="Arial" panose="020B0604020202020204" pitchFamily="34" charset="0"/>
               <a:buChar char="•"/>
             </a:pPr>
             <a:r>
               <a:rPr lang="en-US" dirty="0"/>
-              <a:t>Parameters – dates, formats, numerical schemes, output frequency,…</a:t>
-            </a:r>
-          </a:p>
-          <a:p>
-            <a:pPr lvl="2">
+              <a:t> Variable output control file (optional, .xml)</a:t>
+            </a:r>
+          </a:p>
+          <a:p>
+            <a:pPr>
               <a:buFont typeface="Arial" panose="020B0604020202020204" pitchFamily="34" charset="0"/>
               <a:buChar char="•"/>
             </a:pPr>
             <a:r>
               <a:rPr lang="en-US" dirty="0"/>
-              <a:t>Post processing cycles requests</a:t>
-            </a:r>
-          </a:p>
-          <a:p>
-            <a:pPr lvl="2">
+              <a:t> </a:t>
+            </a:r>
+            <a:r>
+              <a:rPr lang="en-US" dirty="0" err="1"/>
+              <a:t>NetCDF</a:t>
+            </a:r>
+            <a:r>
+              <a:rPr lang="en-US" dirty="0"/>
+              <a:t> variable library file (optional, .xml)</a:t>
+            </a:r>
+          </a:p>
+          <a:p>
+            <a:pPr>
               <a:buFont typeface="Arial" panose="020B0604020202020204" pitchFamily="34" charset="0"/>
               <a:buChar char="•"/>
             </a:pPr>
             <a:r>
               <a:rPr lang="en-US" dirty="0"/>
-              <a:t>Variable naming – file containing variable name correspondences in </a:t>
-            </a:r>
-            <a:r>
-              <a:rPr lang="en-US" dirty="0" err="1"/>
-              <a:t>NetCDF</a:t>
-            </a:r>
-            <a:r>
-              <a:rPr lang="en-US" dirty="0"/>
-              <a:t> files</a:t>
-            </a:r>
-          </a:p>
-          <a:p>
-            <a:pPr lvl="2">
-              <a:buFont typeface="Arial" panose="020B0604020202020204" pitchFamily="34" charset="0"/>
-              <a:buChar char="•"/>
-            </a:pPr>
-            <a:endParaRPr lang="en-US" dirty="0"/>
-          </a:p>
-          <a:p>
-            <a:pPr lvl="1">
-              <a:buFont typeface="Arial" panose="020B0604020202020204" pitchFamily="34" charset="0"/>
-              <a:buChar char="•"/>
-            </a:pPr>
-            <a:r>
-              <a:rPr lang="en-US" dirty="0"/>
-              <a:t>Case definitions</a:t>
-            </a:r>
-          </a:p>
-          <a:p>
-            <a:pPr lvl="2">
-              <a:buFont typeface="Arial" panose="020B0604020202020204" pitchFamily="34" charset="0"/>
-              <a:buChar char="•"/>
-            </a:pPr>
-            <a:r>
-              <a:rPr lang="en-US" dirty="0"/>
-              <a:t>Input data fields – directories were .</a:t>
+              <a:t> Input data (.</a:t>
             </a:r>
             <a:r>
               <a:rPr lang="en-US" dirty="0" err="1"/>
@@ -12233,47 +13441,7 @@
             </a:r>
             <a:r>
               <a:rPr lang="en-US" dirty="0"/>
-              <a:t> files are present</a:t>
-            </a:r>
-          </a:p>
-          <a:p>
-            <a:pPr lvl="2">
-              <a:buFont typeface="Arial" panose="020B0604020202020204" pitchFamily="34" charset="0"/>
-              <a:buChar char="•"/>
-            </a:pPr>
-            <a:r>
-              <a:rPr lang="en-US" dirty="0"/>
-              <a:t>Simulation parameters – spatial and temporal resolution, bounding box, …</a:t>
-            </a:r>
-          </a:p>
-          <a:p>
-            <a:pPr lvl="2">
-              <a:buFont typeface="Arial" panose="020B0604020202020204" pitchFamily="34" charset="0"/>
-              <a:buChar char="•"/>
-            </a:pPr>
-            <a:r>
-              <a:rPr lang="en-US" dirty="0"/>
-              <a:t>Source definitions – defining the name, emission rates, resolution, lifespan and geometry of a tracer source</a:t>
-            </a:r>
-          </a:p>
-          <a:p>
-            <a:pPr lvl="2">
-              <a:buFont typeface="Arial" panose="020B0604020202020204" pitchFamily="34" charset="0"/>
-              <a:buChar char="•"/>
-            </a:pPr>
-            <a:r>
-              <a:rPr lang="en-US" dirty="0"/>
-              <a:t>Source type properties – linking a source to a specific type (plastic, paper, oil, …)</a:t>
-            </a:r>
-          </a:p>
-          <a:p>
-            <a:pPr lvl="2">
-              <a:buFont typeface="Arial" panose="020B0604020202020204" pitchFamily="34" charset="0"/>
-              <a:buChar char="•"/>
-            </a:pPr>
-            <a:r>
-              <a:rPr lang="en-US" dirty="0"/>
-              <a:t>Case constants –beaching level and intensity, diffusion coefficient, …</a:t>
+              <a:t> or .nc4 file/s)</a:t>
             </a:r>
           </a:p>
         </p:txBody>
@@ -12281,7 +13449,7 @@
     </p:spTree>
     <p:extLst>
       <p:ext uri="{BB962C8B-B14F-4D97-AF65-F5344CB8AC3E}">
-        <p14:creationId xmlns:p14="http://schemas.microsoft.com/office/powerpoint/2010/main" val="713843819"/>
+        <p14:creationId xmlns:p14="http://schemas.microsoft.com/office/powerpoint/2010/main" val="3663192364"/>
       </p:ext>
     </p:extLst>
   </p:cSld>
@@ -12325,7 +13493,7 @@
           <a:p>
             <a:r>
               <a:rPr lang="en-US" dirty="0"/>
-              <a:t>Input files – tracer library</a:t>
+              <a:t>Input files – case definition</a:t>
             </a:r>
           </a:p>
         </p:txBody>
@@ -12340,106 +13508,155 @@
             <p:ph idx="1"/>
           </p:nvPr>
         </p:nvSpPr>
-        <p:spPr>
-          <a:xfrm>
-            <a:off x="1097280" y="1845733"/>
-            <a:ext cx="10058400" cy="4576837"/>
-          </a:xfrm>
-        </p:spPr>
-        <p:txBody>
-          <a:bodyPr>
-            <a:normAutofit/>
-          </a:bodyPr>
-          <a:lstStyle/>
-          <a:p>
-            <a:r>
-              <a:rPr lang="en-US" dirty="0"/>
-              <a:t>A tracer library file is a simplified tracer type database. The idea is that users can add tracer types and subtypes, each with their parameters and coefficients, to that library and use them on any case and share with other users.</a:t>
-            </a:r>
-          </a:p>
-          <a:p>
+        <p:spPr/>
+        <p:txBody>
+          <a:bodyPr/>
+          <a:lstStyle/>
+          <a:p>
+            <a:r>
+              <a:rPr lang="en-US" dirty="0"/>
+              <a:t>A case definition file contains several sections and typically has the following structure</a:t>
+            </a:r>
+          </a:p>
+          <a:p>
+            <a:pPr>
+              <a:buFont typeface="Arial" panose="020B0604020202020204" pitchFamily="34" charset="0"/>
+              <a:buChar char="•"/>
+            </a:pPr>
+            <a:r>
+              <a:rPr lang="en-US" dirty="0"/>
+              <a:t>Case</a:t>
+            </a:r>
+          </a:p>
+          <a:p>
+            <a:pPr lvl="1">
+              <a:buFont typeface="Arial" panose="020B0604020202020204" pitchFamily="34" charset="0"/>
+              <a:buChar char="•"/>
+            </a:pPr>
+            <a:r>
+              <a:rPr lang="en-US" dirty="0"/>
+              <a:t>Execution</a:t>
+            </a:r>
+          </a:p>
+          <a:p>
+            <a:pPr lvl="2">
+              <a:buFont typeface="Arial" panose="020B0604020202020204" pitchFamily="34" charset="0"/>
+              <a:buChar char="•"/>
+            </a:pPr>
+            <a:r>
+              <a:rPr lang="en-US" dirty="0"/>
+              <a:t>Parameters – dates, formats, numerical schemes, output frequency,…</a:t>
+            </a:r>
+          </a:p>
+          <a:p>
+            <a:pPr lvl="2">
+              <a:buFont typeface="Arial" panose="020B0604020202020204" pitchFamily="34" charset="0"/>
+              <a:buChar char="•"/>
+            </a:pPr>
+            <a:r>
+              <a:rPr lang="en-US" dirty="0"/>
+              <a:t>Post processing cycles requests</a:t>
+            </a:r>
+          </a:p>
+          <a:p>
+            <a:pPr lvl="2">
+              <a:buFont typeface="Arial" panose="020B0604020202020204" pitchFamily="34" charset="0"/>
+              <a:buChar char="•"/>
+            </a:pPr>
+            <a:r>
+              <a:rPr lang="en-US" dirty="0"/>
+              <a:t>Variable naming – file containing variable name correspondences in </a:t>
+            </a:r>
+            <a:r>
+              <a:rPr lang="en-US" dirty="0" err="1"/>
+              <a:t>NetCDF</a:t>
+            </a:r>
+            <a:r>
+              <a:rPr lang="en-US" dirty="0"/>
+              <a:t> files</a:t>
+            </a:r>
+          </a:p>
+          <a:p>
+            <a:pPr lvl="2">
+              <a:buFont typeface="Arial" panose="020B0604020202020204" pitchFamily="34" charset="0"/>
+              <a:buChar char="•"/>
+            </a:pPr>
             <a:endParaRPr lang="en-US" dirty="0"/>
           </a:p>
           <a:p>
-            <a:endParaRPr lang="en-US" dirty="0"/>
-          </a:p>
-          <a:p>
-            <a:endParaRPr lang="en-US" dirty="0"/>
-          </a:p>
-          <a:p>
-            <a:endParaRPr lang="en-US" dirty="0"/>
-          </a:p>
-          <a:p>
-            <a:endParaRPr lang="en-US" dirty="0"/>
-          </a:p>
-          <a:p>
-            <a:endParaRPr lang="en-US" dirty="0"/>
-          </a:p>
-          <a:p>
-            <a:r>
-              <a:rPr lang="en-US" dirty="0"/>
-              <a:t>For v0.2, plastic and paper types are implemented, with simple, placeholder physical functions such as a degradation rate.</a:t>
-            </a:r>
-          </a:p>
-          <a:p>
-            <a:pPr marL="0" indent="0">
-              <a:buNone/>
-            </a:pPr>
-            <a:endParaRPr lang="en-US" dirty="0"/>
-          </a:p>
-        </p:txBody>
-      </p:sp>
-      <p:pic>
-        <p:nvPicPr>
-          <p:cNvPr id="5" name="Picture 4"/>
-          <p:cNvPicPr>
-            <a:picLocks noChangeAspect="1"/>
-          </p:cNvPicPr>
-          <p:nvPr/>
-        </p:nvPicPr>
-        <p:blipFill>
-          <a:blip r:embed="rId2"/>
-          <a:stretch>
-            <a:fillRect/>
-          </a:stretch>
-        </p:blipFill>
-        <p:spPr>
-          <a:xfrm>
-            <a:off x="1758723" y="2801711"/>
-            <a:ext cx="3514725" cy="2600325"/>
-          </a:xfrm>
-          <a:prstGeom prst="rect">
-            <a:avLst/>
-          </a:prstGeom>
-        </p:spPr>
-      </p:pic>
-      <p:pic>
-        <p:nvPicPr>
-          <p:cNvPr id="6" name="Picture 5"/>
-          <p:cNvPicPr>
-            <a:picLocks noChangeAspect="1"/>
-          </p:cNvPicPr>
-          <p:nvPr/>
-        </p:nvPicPr>
-        <p:blipFill rotWithShape="1">
-          <a:blip r:embed="rId3"/>
-          <a:srcRect l="323"/>
-          <a:stretch/>
-        </p:blipFill>
-        <p:spPr>
-          <a:xfrm>
-            <a:off x="6126480" y="3535136"/>
-            <a:ext cx="3560309" cy="1790700"/>
-          </a:xfrm>
-          <a:prstGeom prst="rect">
-            <a:avLst/>
-          </a:prstGeom>
-        </p:spPr>
-      </p:pic>
+            <a:pPr lvl="1">
+              <a:buFont typeface="Arial" panose="020B0604020202020204" pitchFamily="34" charset="0"/>
+              <a:buChar char="•"/>
+            </a:pPr>
+            <a:r>
+              <a:rPr lang="en-US" dirty="0"/>
+              <a:t>Case definitions</a:t>
+            </a:r>
+          </a:p>
+          <a:p>
+            <a:pPr lvl="2">
+              <a:buFont typeface="Arial" panose="020B0604020202020204" pitchFamily="34" charset="0"/>
+              <a:buChar char="•"/>
+            </a:pPr>
+            <a:r>
+              <a:rPr lang="en-US" dirty="0"/>
+              <a:t>Input data fields – directories were .</a:t>
+            </a:r>
+            <a:r>
+              <a:rPr lang="en-US" dirty="0" err="1"/>
+              <a:t>nc</a:t>
+            </a:r>
+            <a:r>
+              <a:rPr lang="en-US" dirty="0"/>
+              <a:t> files are present</a:t>
+            </a:r>
+          </a:p>
+          <a:p>
+            <a:pPr lvl="2">
+              <a:buFont typeface="Arial" panose="020B0604020202020204" pitchFamily="34" charset="0"/>
+              <a:buChar char="•"/>
+            </a:pPr>
+            <a:r>
+              <a:rPr lang="en-US" dirty="0"/>
+              <a:t>Simulation parameters – spatial and temporal resolution, bounding box, …</a:t>
+            </a:r>
+          </a:p>
+          <a:p>
+            <a:pPr lvl="2">
+              <a:buFont typeface="Arial" panose="020B0604020202020204" pitchFamily="34" charset="0"/>
+              <a:buChar char="•"/>
+            </a:pPr>
+            <a:r>
+              <a:rPr lang="en-US" dirty="0"/>
+              <a:t>Source definitions – defining the name, emission rates, resolution, lifespan and geometry of a tracer source</a:t>
+            </a:r>
+          </a:p>
+          <a:p>
+            <a:pPr lvl="2">
+              <a:buFont typeface="Arial" panose="020B0604020202020204" pitchFamily="34" charset="0"/>
+              <a:buChar char="•"/>
+            </a:pPr>
+            <a:r>
+              <a:rPr lang="en-US" dirty="0"/>
+              <a:t>Source type properties – linking a source to a specific type (plastic, paper, oil, …)</a:t>
+            </a:r>
+          </a:p>
+          <a:p>
+            <a:pPr lvl="2">
+              <a:buFont typeface="Arial" panose="020B0604020202020204" pitchFamily="34" charset="0"/>
+              <a:buChar char="•"/>
+            </a:pPr>
+            <a:r>
+              <a:rPr lang="en-US" dirty="0"/>
+              <a:t>Case constants –beaching level and intensity, diffusion coefficient, …</a:t>
+            </a:r>
+          </a:p>
+        </p:txBody>
+      </p:sp>
     </p:spTree>
     <p:extLst>
       <p:ext uri="{BB962C8B-B14F-4D97-AF65-F5344CB8AC3E}">
-        <p14:creationId xmlns:p14="http://schemas.microsoft.com/office/powerpoint/2010/main" val="4054993639"/>
+        <p14:creationId xmlns:p14="http://schemas.microsoft.com/office/powerpoint/2010/main" val="713843819"/>
       </p:ext>
     </p:extLst>
   </p:cSld>
